--- a/inst/templates/TemplateIQ_43.pptx
+++ b/inst/templates/TemplateIQ_43.pptx
@@ -1,11 +1,32 @@
 
 <file path=ppt/presentation.xml><?xml version="1.0" encoding="utf-8"?>
-<p:presentation xmlns:a="http://schemas.openxmlformats.org/drawingml/2006/main" xmlns:r="http://schemas.openxmlformats.org/officeDocument/2006/relationships" xmlns:p="http://schemas.openxmlformats.org/presentationml/2006/main" saveSubsetFonts="1">
+<p:presentation xmlns:a="http://schemas.openxmlformats.org/drawingml/2006/main" xmlns:r="http://schemas.openxmlformats.org/officeDocument/2006/relationships" xmlns:p="http://schemas.openxmlformats.org/presentationml/2006/main" embedTrueTypeFonts="1">
   <p:sldMasterIdLst>
     <p:sldMasterId id="2147483648" r:id="rId1"/>
   </p:sldMasterIdLst>
   <p:sldSz cx="9144000" cy="6858000" type="screen4x3"/>
   <p:notesSz cx="6858000" cy="9144000"/>
+  <p:embeddedFontLst>
+    <p:embeddedFont>
+      <p:font typeface="Calibri" panose="020F0502020204030204" pitchFamily="34" charset="0"/>
+      <p:regular r:id="rId2"/>
+      <p:bold r:id="rId3"/>
+      <p:italic r:id="rId4"/>
+      <p:boldItalic r:id="rId5"/>
+    </p:embeddedFont>
+    <p:embeddedFont>
+      <p:font typeface="Mont Heavy" panose="00000A00000000000000" charset="0"/>
+      <p:bold r:id="rId6"/>
+    </p:embeddedFont>
+    <p:embeddedFont>
+      <p:font typeface="Mont Light" panose="00000500000000000000" pitchFamily="50" charset="0"/>
+      <p:regular r:id="rId7"/>
+    </p:embeddedFont>
+    <p:embeddedFont>
+      <p:font typeface="Open Sans" panose="020B0606030504020204" pitchFamily="34" charset="0"/>
+      <p:regular r:id="rId8"/>
+    </p:embeddedFont>
+  </p:embeddedFontLst>
   <p:defaultTextStyle>
     <a:defPPr>
       <a:defRPr lang="en-US"/>
@@ -128,10 +149,10 @@
       </p:grpSpPr>
       <p:pic>
         <p:nvPicPr>
-          <p:cNvPr id="7" name="Picture 3">
-            <a:extLst>
-              <a:ext uri="{FF2B5EF4-FFF2-40B4-BE49-F238E27FC236}">
-                <a16:creationId xmlns:a16="http://schemas.microsoft.com/office/drawing/2014/main" id="{1EADE788-829D-42F3-B3F1-2578379EDC40}"/>
+          <p:cNvPr id="8" name="Picture 7" descr="A close up of a blackboard&#10;&#10;Description automatically generated">
+            <a:extLst>
+              <a:ext uri="{FF2B5EF4-FFF2-40B4-BE49-F238E27FC236}">
+                <a16:creationId xmlns:a16="http://schemas.microsoft.com/office/drawing/2014/main" id="{9C3C95EC-E4C5-4846-8712-DB94E08C41A0}"/>
               </a:ext>
             </a:extLst>
           </p:cNvPr>
@@ -140,24 +161,25 @@
           </p:cNvPicPr>
           <p:nvPr userDrawn="1"/>
         </p:nvPicPr>
-        <p:blipFill>
-          <a:blip r:embed="rId2"/>
+        <p:blipFill rotWithShape="1">
+          <a:blip r:embed="rId2">
+            <a:extLst>
+              <a:ext uri="{28A0092B-C50C-407E-A947-70E740481C1C}">
+                <a14:useLocalDpi xmlns:a14="http://schemas.microsoft.com/office/drawing/2010/main" val="0"/>
+              </a:ext>
+            </a:extLst>
+          </a:blip>
+          <a:srcRect l="7109" t="451" r="4200" b="-451"/>
           <a:stretch/>
         </p:blipFill>
         <p:spPr>
           <a:xfrm>
-            <a:off x="1" y="2668"/>
-            <a:ext cx="9144000" cy="2388107"/>
+            <a:off x="0" y="736536"/>
+            <a:ext cx="9144000" cy="6149189"/>
           </a:xfrm>
           <a:prstGeom prst="rect">
             <a:avLst/>
           </a:prstGeom>
-          <a:ln>
-            <a:noFill/>
-          </a:ln>
-          <a:effectLst>
-            <a:softEdge rad="0"/>
-          </a:effectLst>
         </p:spPr>
       </p:pic>
       <p:sp>
@@ -178,7 +200,7 @@
         </p:nvSpPr>
         <p:spPr>
           <a:xfrm>
-            <a:off x="187891" y="2870200"/>
+            <a:off x="282782" y="1587658"/>
             <a:ext cx="8727509" cy="1752600"/>
           </a:xfrm>
           <a:noFill/>
@@ -189,10 +211,11 @@
           </a:bodyPr>
           <a:lstStyle>
             <a:lvl1pPr algn="l">
-              <a:defRPr sz="3600">
+              <a:defRPr sz="3200" b="0">
                 <a:solidFill>
-                  <a:srgbClr val="0070C0"/>
+                  <a:schemeClr val="bg1"/>
                 </a:solidFill>
+                <a:latin typeface="Mont light" panose="00000500000000000000" pitchFamily="50" charset="0"/>
               </a:defRPr>
             </a:lvl1pPr>
           </a:lstStyle>
@@ -222,7 +245,7 @@
         </p:nvSpPr>
         <p:spPr>
           <a:xfrm>
-            <a:off x="187891" y="4714875"/>
+            <a:off x="282161" y="3498819"/>
             <a:ext cx="8727509" cy="644842"/>
           </a:xfrm>
         </p:spPr>
@@ -231,10 +254,11 @@
           <a:lstStyle>
             <a:lvl1pPr marL="0" indent="0" algn="l">
               <a:buNone/>
-              <a:defRPr sz="1800" b="1">
+              <a:defRPr sz="2000" b="0" i="0" baseline="0">
                 <a:solidFill>
-                  <a:srgbClr val="2E3640"/>
+                  <a:srgbClr val="00B0F0"/>
                 </a:solidFill>
+                <a:latin typeface="Mont light" panose="00000500000000000000" pitchFamily="50" charset="0"/>
               </a:defRPr>
             </a:lvl1pPr>
             <a:lvl2pPr marL="342900" indent="0" algn="ctr">
@@ -301,7 +325,7 @@
           <a:p>
             <a:fld id="{7B272C57-2FA0-4A9D-99A4-6F756B65018B}" type="datetimeFigureOut">
               <a:rPr lang="en-US" smtClean="0"/>
-              <a:t>4/23/2020</a:t>
+              <a:t>1/11/2021</a:t>
             </a:fld>
             <a:endParaRPr lang="en-US"/>
           </a:p>
@@ -358,6 +382,141 @@
               <a:t>‹#›</a:t>
             </a:fld>
             <a:endParaRPr lang="en-US"/>
+          </a:p>
+        </p:txBody>
+      </p:sp>
+      <p:sp>
+        <p:nvSpPr>
+          <p:cNvPr id="10" name="Rectangle 9">
+            <a:extLst>
+              <a:ext uri="{FF2B5EF4-FFF2-40B4-BE49-F238E27FC236}">
+                <a16:creationId xmlns:a16="http://schemas.microsoft.com/office/drawing/2014/main" id="{3061C54E-BD9A-4A8C-84A9-A557400F7DE5}"/>
+              </a:ext>
+            </a:extLst>
+          </p:cNvPr>
+          <p:cNvSpPr/>
+          <p:nvPr userDrawn="1"/>
+        </p:nvSpPr>
+        <p:spPr>
+          <a:xfrm>
+            <a:off x="0" y="0"/>
+            <a:ext cx="9144000" cy="755999"/>
+          </a:xfrm>
+          <a:prstGeom prst="rect">
+            <a:avLst/>
+          </a:prstGeom>
+          <a:solidFill>
+            <a:srgbClr val="0070C0"/>
+          </a:solidFill>
+          <a:ln w="25400" cap="flat" cmpd="sng" algn="ctr">
+            <a:noFill/>
+            <a:prstDash val="solid"/>
+          </a:ln>
+          <a:effectLst/>
+        </p:spPr>
+        <p:txBody>
+          <a:bodyPr rtlCol="0" anchor="ctr"/>
+          <a:lstStyle/>
+          <a:p>
+            <a:pPr marL="0" marR="0" lvl="0" indent="0" defTabSz="914400" eaLnBrk="0" fontAlgn="base" latinLnBrk="0" hangingPunct="0">
+              <a:lnSpc>
+                <a:spcPct val="100000"/>
+              </a:lnSpc>
+              <a:spcBef>
+                <a:spcPct val="0"/>
+              </a:spcBef>
+              <a:spcAft>
+                <a:spcPct val="0"/>
+              </a:spcAft>
+              <a:buClrTx/>
+              <a:buSzTx/>
+              <a:buFontTx/>
+              <a:buNone/>
+              <a:tabLst/>
+              <a:defRPr/>
+            </a:pPr>
+            <a:endParaRPr kumimoji="0" lang="en-US" sz="2000" b="1" i="0" u="none" strike="sngStrike" kern="0" cap="none" spc="0" normalizeH="0" baseline="0" noProof="0" dirty="0">
+              <a:ln>
+                <a:noFill/>
+              </a:ln>
+              <a:solidFill>
+                <a:srgbClr val="FFFFFF"/>
+              </a:solidFill>
+              <a:effectLst/>
+              <a:uLnTx/>
+              <a:uFillTx/>
+              <a:latin typeface="Calibri"/>
+              <a:ea typeface="+mn-ea"/>
+              <a:cs typeface="+mn-cs"/>
+            </a:endParaRPr>
+          </a:p>
+        </p:txBody>
+      </p:sp>
+      <p:sp>
+        <p:nvSpPr>
+          <p:cNvPr id="12" name="TextBox 11">
+            <a:extLst>
+              <a:ext uri="{FF2B5EF4-FFF2-40B4-BE49-F238E27FC236}">
+                <a16:creationId xmlns:a16="http://schemas.microsoft.com/office/drawing/2014/main" id="{AF3E4B7A-C528-4820-87D0-F6D847A75F95}"/>
+              </a:ext>
+            </a:extLst>
+          </p:cNvPr>
+          <p:cNvSpPr txBox="1"/>
+          <p:nvPr userDrawn="1"/>
+        </p:nvSpPr>
+        <p:spPr>
+          <a:xfrm>
+            <a:off x="6645086" y="187475"/>
+            <a:ext cx="2152650" cy="523220"/>
+          </a:xfrm>
+          <a:prstGeom prst="rect">
+            <a:avLst/>
+          </a:prstGeom>
+          <a:noFill/>
+        </p:spPr>
+        <p:txBody>
+          <a:bodyPr wrap="square">
+            <a:spAutoFit/>
+          </a:bodyPr>
+          <a:lstStyle/>
+          <a:p>
+            <a:pPr algn="r" eaLnBrk="0" fontAlgn="base" hangingPunct="0">
+              <a:spcBef>
+                <a:spcPct val="0"/>
+              </a:spcBef>
+              <a:spcAft>
+                <a:spcPct val="0"/>
+              </a:spcAft>
+            </a:pPr>
+            <a:r>
+              <a:rPr lang="en-US" sz="2800" b="1" dirty="0">
+                <a:solidFill>
+                  <a:srgbClr val="9FA82E"/>
+                </a:solidFill>
+                <a:latin typeface="Mont Heavy" panose="00000A00000000000000" pitchFamily="50" charset="0"/>
+                <a:cs typeface="Gautami" panose="020B0502040204020203" pitchFamily="34" charset="0"/>
+              </a:rPr>
+              <a:t>Inti</a:t>
+            </a:r>
+            <a:r>
+              <a:rPr lang="en-US" sz="2800" b="1" dirty="0">
+                <a:solidFill>
+                  <a:srgbClr val="FFFFFF"/>
+                </a:solidFill>
+                <a:latin typeface="Mont Heavy" panose="00000A00000000000000" pitchFamily="50" charset="0"/>
+                <a:cs typeface="Gautami" panose="020B0502040204020203" pitchFamily="34" charset="0"/>
+              </a:rPr>
+              <a:t>Quan</a:t>
+            </a:r>
+            <a:r>
+              <a:rPr lang="en-US" sz="2800" b="1" dirty="0">
+                <a:solidFill>
+                  <a:srgbClr val="FFFFFF"/>
+                </a:solidFill>
+                <a:latin typeface="Mont Heavy" panose="00000A00000000000000" pitchFamily="50" charset="0"/>
+              </a:rPr>
+              <a:t> </a:t>
+            </a:r>
           </a:p>
         </p:txBody>
       </p:sp>
@@ -413,7 +572,7 @@
             <a:ext cx="6435247" cy="1506735"/>
           </a:xfrm>
           <a:solidFill>
-            <a:schemeClr val="accent1"/>
+            <a:srgbClr val="0070C0"/>
           </a:solidFill>
         </p:spPr>
         <p:txBody>
@@ -458,7 +617,7 @@
           <a:p>
             <a:fld id="{7B272C57-2FA0-4A9D-99A4-6F756B65018B}" type="datetimeFigureOut">
               <a:rPr lang="en-US" smtClean="0"/>
-              <a:t>4/23/2020</a:t>
+              <a:t>1/11/2021</a:t>
             </a:fld>
             <a:endParaRPr lang="en-US"/>
           </a:p>
@@ -571,7 +730,7 @@
           <a:p>
             <a:fld id="{7B272C57-2FA0-4A9D-99A4-6F756B65018B}" type="datetimeFigureOut">
               <a:rPr lang="en-US" smtClean="0"/>
-              <a:t>4/23/2020</a:t>
+              <a:t>1/11/2021</a:t>
             </a:fld>
             <a:endParaRPr lang="en-US"/>
           </a:p>
@@ -882,7 +1041,7 @@
           <a:p>
             <a:fld id="{7B272C57-2FA0-4A9D-99A4-6F756B65018B}" type="datetimeFigureOut">
               <a:rPr lang="en-US" smtClean="0"/>
-              <a:t>4/23/2020</a:t>
+              <a:t>1/11/2021</a:t>
             </a:fld>
             <a:endParaRPr lang="en-US"/>
           </a:p>
@@ -1170,7 +1329,7 @@
           <a:p>
             <a:fld id="{7B272C57-2FA0-4A9D-99A4-6F756B65018B}" type="datetimeFigureOut">
               <a:rPr lang="en-US" smtClean="0"/>
-              <a:t>4/23/2020</a:t>
+              <a:t>1/11/2021</a:t>
             </a:fld>
             <a:endParaRPr lang="en-US"/>
           </a:p>
@@ -1368,7 +1527,7 @@
           <a:p>
             <a:fld id="{7B272C57-2FA0-4A9D-99A4-6F756B65018B}" type="datetimeFigureOut">
               <a:rPr lang="en-US" smtClean="0"/>
-              <a:t>4/23/2020</a:t>
+              <a:t>1/11/2021</a:t>
             </a:fld>
             <a:endParaRPr lang="en-US"/>
           </a:p>
@@ -1576,7 +1735,7 @@
           <a:p>
             <a:fld id="{7B272C57-2FA0-4A9D-99A4-6F756B65018B}" type="datetimeFigureOut">
               <a:rPr lang="en-US" smtClean="0"/>
-              <a:t>4/23/2020</a:t>
+              <a:t>1/11/2021</a:t>
             </a:fld>
             <a:endParaRPr lang="en-US"/>
           </a:p>
@@ -1779,7 +1938,7 @@
           <a:p>
             <a:fld id="{7B272C57-2FA0-4A9D-99A4-6F756B65018B}" type="datetimeFigureOut">
               <a:rPr lang="en-US" smtClean="0"/>
-              <a:t>4/23/2020</a:t>
+              <a:t>1/11/2021</a:t>
             </a:fld>
             <a:endParaRPr lang="en-US"/>
           </a:p>
@@ -1987,7 +2146,7 @@
           <a:p>
             <a:fld id="{7B272C57-2FA0-4A9D-99A4-6F756B65018B}" type="datetimeFigureOut">
               <a:rPr lang="en-US" smtClean="0"/>
-              <a:t>4/23/2020</a:t>
+              <a:t>1/11/2021</a:t>
             </a:fld>
             <a:endParaRPr lang="en-US"/>
           </a:p>
@@ -2348,7 +2507,7 @@
           <a:p>
             <a:fld id="{7B272C57-2FA0-4A9D-99A4-6F756B65018B}" type="datetimeFigureOut">
               <a:rPr lang="en-US" smtClean="0"/>
-              <a:t>4/23/2020</a:t>
+              <a:t>1/11/2021</a:t>
             </a:fld>
             <a:endParaRPr lang="en-US"/>
           </a:p>
@@ -2469,7 +2628,7 @@
           <a:p>
             <a:fld id="{7B272C57-2FA0-4A9D-99A4-6F756B65018B}" type="datetimeFigureOut">
               <a:rPr lang="en-US" smtClean="0"/>
-              <a:t>4/23/2020</a:t>
+              <a:t>1/11/2021</a:t>
             </a:fld>
             <a:endParaRPr lang="en-US"/>
           </a:p>
@@ -2551,7 +2710,7 @@
             <a:ext cx="9144000" cy="1013635"/>
           </a:xfrm>
           <a:solidFill>
-            <a:srgbClr val="2E3640"/>
+            <a:srgbClr val="0070C0"/>
           </a:solidFill>
         </p:spPr>
         <p:txBody>
@@ -2754,7 +2913,7 @@
           <a:p>
             <a:fld id="{7B272C57-2FA0-4A9D-99A4-6F756B65018B}" type="datetimeFigureOut">
               <a:rPr lang="en-US" smtClean="0"/>
-              <a:t>4/23/2020</a:t>
+              <a:t>1/11/2021</a:t>
             </a:fld>
             <a:endParaRPr lang="en-US"/>
           </a:p>
@@ -2836,7 +2995,7 @@
             <a:ext cx="9144000" cy="1013635"/>
           </a:xfrm>
           <a:solidFill>
-            <a:srgbClr val="2E3640"/>
+            <a:srgbClr val="0070C0"/>
           </a:solidFill>
         </p:spPr>
         <p:txBody>
@@ -3128,7 +3287,7 @@
           <a:p>
             <a:fld id="{7B272C57-2FA0-4A9D-99A4-6F756B65018B}" type="datetimeFigureOut">
               <a:rPr lang="en-US" smtClean="0"/>
-              <a:t>4/23/2020</a:t>
+              <a:t>1/11/2021</a:t>
             </a:fld>
             <a:endParaRPr lang="en-US"/>
           </a:p>
@@ -3210,7 +3369,7 @@
             <a:ext cx="9144000" cy="1013635"/>
           </a:xfrm>
           <a:solidFill>
-            <a:srgbClr val="2E3640"/>
+            <a:srgbClr val="0070C0"/>
           </a:solidFill>
         </p:spPr>
         <p:txBody>
@@ -3502,7 +3661,7 @@
           <a:p>
             <a:fld id="{7B272C57-2FA0-4A9D-99A4-6F756B65018B}" type="datetimeFigureOut">
               <a:rPr lang="en-US" smtClean="0"/>
-              <a:t>4/23/2020</a:t>
+              <a:t>1/11/2021</a:t>
             </a:fld>
             <a:endParaRPr lang="en-US"/>
           </a:p>
@@ -3584,7 +3743,7 @@
             <a:ext cx="9144000" cy="1013635"/>
           </a:xfrm>
           <a:solidFill>
-            <a:srgbClr val="2E3640"/>
+            <a:srgbClr val="0070C0"/>
           </a:solidFill>
         </p:spPr>
         <p:txBody>
@@ -4258,7 +4417,7 @@
           <a:p>
             <a:fld id="{7B272C57-2FA0-4A9D-99A4-6F756B65018B}" type="datetimeFigureOut">
               <a:rPr lang="en-US" smtClean="0"/>
-              <a:t>4/23/2020</a:t>
+              <a:t>1/11/2021</a:t>
             </a:fld>
             <a:endParaRPr lang="en-US"/>
           </a:p>
@@ -4378,7 +4537,7 @@
             <a:avLst/>
           </a:prstGeom>
           <a:solidFill>
-            <a:srgbClr val="2E3640"/>
+            <a:srgbClr val="0070C0"/>
           </a:solidFill>
           <a:ln>
             <a:noFill/>
@@ -4482,8 +4641,8 @@
         </p:nvSpPr>
         <p:spPr>
           <a:xfrm>
-            <a:off x="187891" y="6356350"/>
-            <a:ext cx="2057400" cy="365125"/>
+            <a:off x="692434" y="6356350"/>
+            <a:ext cx="1174141" cy="365125"/>
           </a:xfrm>
           <a:prstGeom prst="rect">
             <a:avLst/>
@@ -4505,7 +4664,7 @@
           <a:p>
             <a:fld id="{7B272C57-2FA0-4A9D-99A4-6F756B65018B}" type="datetimeFigureOut">
               <a:rPr lang="en-US" smtClean="0"/>
-              <a:t>4/23/2020</a:t>
+              <a:t>1/11/2021</a:t>
             </a:fld>
             <a:endParaRPr lang="en-US"/>
           </a:p>
@@ -4529,8 +4688,8 @@
         </p:nvSpPr>
         <p:spPr>
           <a:xfrm>
-            <a:off x="2358025" y="6356351"/>
-            <a:ext cx="4382072" cy="365125"/>
+            <a:off x="1974547" y="6356350"/>
+            <a:ext cx="5302878" cy="365125"/>
           </a:xfrm>
           <a:prstGeom prst="rect">
             <a:avLst/>
@@ -4572,8 +4731,8 @@
         </p:nvSpPr>
         <p:spPr>
           <a:xfrm>
-            <a:off x="6899493" y="6356349"/>
-            <a:ext cx="907354" cy="365125"/>
+            <a:off x="187891" y="6356350"/>
+            <a:ext cx="396571" cy="365125"/>
           </a:xfrm>
           <a:prstGeom prst="rect">
             <a:avLst/>
@@ -4603,49 +4762,31 @@
       </p:sp>
       <p:pic>
         <p:nvPicPr>
-          <p:cNvPr id="8" name="Picture 2" descr="C:\Users\schmihek\Desktop\DRIVE\01 RESTRICTED\01 ADMINISTRATION\01 IntiQuan GmbH\04 CORPORATE DESIGN\LOGO\logo_intiquan_weiss.png">
-            <a:extLst>
-              <a:ext uri="{FF2B5EF4-FFF2-40B4-BE49-F238E27FC236}">
-                <a16:creationId xmlns:a16="http://schemas.microsoft.com/office/drawing/2014/main" id="{6A0EB03A-03AE-4EBB-A6E2-97B93C1822C4}"/>
+          <p:cNvPr id="10" name="Picture 9">
+            <a:extLst>
+              <a:ext uri="{FF2B5EF4-FFF2-40B4-BE49-F238E27FC236}">
+                <a16:creationId xmlns:a16="http://schemas.microsoft.com/office/drawing/2014/main" id="{34D43EC7-6B53-45F6-A444-96D10C1536A2}"/>
               </a:ext>
             </a:extLst>
           </p:cNvPr>
           <p:cNvPicPr>
-            <a:picLocks noChangeAspect="1" noChangeArrowheads="1"/>
+            <a:picLocks noChangeAspect="1"/>
           </p:cNvPicPr>
           <p:nvPr userDrawn="1"/>
         </p:nvPicPr>
-        <p:blipFill>
-          <a:blip r:embed="rId17" cstate="print">
-            <a:extLst>
-              <a:ext uri="{28A0092B-C50C-407E-A947-70E740481C1C}">
-                <a14:useLocalDpi xmlns:a14="http://schemas.microsoft.com/office/drawing/2010/main" val="0"/>
-              </a:ext>
-            </a:extLst>
-          </a:blip>
-          <a:srcRect/>
-          <a:stretch>
-            <a:fillRect/>
-          </a:stretch>
+        <p:blipFill rotWithShape="1">
+          <a:blip r:embed="rId17"/>
+          <a:srcRect l="10942" t="14424" r="10940" b="34605"/>
+          <a:stretch/>
         </p:blipFill>
-        <p:spPr bwMode="auto">
+        <p:spPr>
           <a:xfrm>
-            <a:off x="7966242" y="6505575"/>
-            <a:ext cx="1098217" cy="228600"/>
+            <a:off x="7385236" y="6338483"/>
+            <a:ext cx="1549201" cy="371162"/>
           </a:xfrm>
           <a:prstGeom prst="rect">
             <a:avLst/>
           </a:prstGeom>
-          <a:noFill/>
-          <a:extLst>
-            <a:ext uri="{909E8E84-426E-40DD-AFC4-6F175D3DCCD1}">
-              <a14:hiddenFill xmlns:a14="http://schemas.microsoft.com/office/drawing/2010/main">
-                <a:solidFill>
-                  <a:srgbClr val="FFFFFF"/>
-                </a:solidFill>
-              </a14:hiddenFill>
-            </a:ext>
-          </a:extLst>
         </p:spPr>
       </p:pic>
     </p:spTree>
@@ -4683,11 +4824,11 @@
           <a:spcPct val="0"/>
         </a:spcBef>
         <a:buNone/>
-        <a:defRPr sz="2700" b="1" i="0" kern="1200" cap="all" baseline="0">
+        <a:defRPr sz="2400" b="0" i="0" kern="1200" cap="none" baseline="0">
           <a:solidFill>
             <a:schemeClr val="bg2"/>
           </a:solidFill>
-          <a:latin typeface="+mn-lt"/>
+          <a:latin typeface="Mont light" panose="00000500000000000000" pitchFamily="50" charset="0"/>
           <a:ea typeface="+mj-ea"/>
           <a:cs typeface="+mj-cs"/>
         </a:defRPr>
@@ -4711,9 +4852,9 @@
           <a:solidFill>
             <a:schemeClr val="tx1"/>
           </a:solidFill>
-          <a:latin typeface="+mn-lt"/>
-          <a:ea typeface="+mn-ea"/>
-          <a:cs typeface="+mn-cs"/>
+          <a:latin typeface="Open sans" panose="020B0606030504020204" pitchFamily="34" charset="0"/>
+          <a:ea typeface="Open sans" panose="020B0606030504020204" pitchFamily="34" charset="0"/>
+          <a:cs typeface="Open sans" panose="020B0606030504020204" pitchFamily="34" charset="0"/>
         </a:defRPr>
       </a:lvl1pPr>
       <a:lvl2pPr marL="514350" indent="-171450" algn="l" defTabSz="685800" rtl="0" eaLnBrk="1" latinLnBrk="0" hangingPunct="1">
@@ -4733,9 +4874,9 @@
           <a:solidFill>
             <a:schemeClr val="tx1"/>
           </a:solidFill>
-          <a:latin typeface="+mn-lt"/>
-          <a:ea typeface="+mn-ea"/>
-          <a:cs typeface="+mn-cs"/>
+          <a:latin typeface="Open sans" panose="020B0606030504020204" pitchFamily="34" charset="0"/>
+          <a:ea typeface="Open sans" panose="020B0606030504020204" pitchFamily="34" charset="0"/>
+          <a:cs typeface="Open sans" panose="020B0606030504020204" pitchFamily="34" charset="0"/>
         </a:defRPr>
       </a:lvl2pPr>
       <a:lvl3pPr marL="857250" indent="-171450" algn="l" defTabSz="685800" rtl="0" eaLnBrk="1" latinLnBrk="0" hangingPunct="1">
@@ -4755,9 +4896,9 @@
           <a:solidFill>
             <a:schemeClr val="tx1"/>
           </a:solidFill>
-          <a:latin typeface="+mn-lt"/>
-          <a:ea typeface="+mn-ea"/>
-          <a:cs typeface="+mn-cs"/>
+          <a:latin typeface="Open sans" panose="020B0606030504020204" pitchFamily="34" charset="0"/>
+          <a:ea typeface="Open sans" panose="020B0606030504020204" pitchFamily="34" charset="0"/>
+          <a:cs typeface="Open sans" panose="020B0606030504020204" pitchFamily="34" charset="0"/>
         </a:defRPr>
       </a:lvl3pPr>
       <a:lvl4pPr marL="1200150" indent="-171450" algn="l" defTabSz="685800" rtl="0" eaLnBrk="1" latinLnBrk="0" hangingPunct="1">
@@ -4777,9 +4918,9 @@
           <a:solidFill>
             <a:schemeClr val="tx1"/>
           </a:solidFill>
-          <a:latin typeface="+mn-lt"/>
-          <a:ea typeface="+mn-ea"/>
-          <a:cs typeface="+mn-cs"/>
+          <a:latin typeface="Open sans" panose="020B0606030504020204" pitchFamily="34" charset="0"/>
+          <a:ea typeface="Open sans" panose="020B0606030504020204" pitchFamily="34" charset="0"/>
+          <a:cs typeface="Open sans" panose="020B0606030504020204" pitchFamily="34" charset="0"/>
         </a:defRPr>
       </a:lvl4pPr>
       <a:lvl5pPr marL="1543050" indent="-171450" algn="l" defTabSz="685800" rtl="0" eaLnBrk="1" latinLnBrk="0" hangingPunct="1">
@@ -4799,9 +4940,9 @@
           <a:solidFill>
             <a:schemeClr val="tx1"/>
           </a:solidFill>
-          <a:latin typeface="+mn-lt"/>
-          <a:ea typeface="+mn-ea"/>
-          <a:cs typeface="+mn-cs"/>
+          <a:latin typeface="Open sans" panose="020B0606030504020204" pitchFamily="34" charset="0"/>
+          <a:ea typeface="Open sans" panose="020B0606030504020204" pitchFamily="34" charset="0"/>
+          <a:cs typeface="Open sans" panose="020B0606030504020204" pitchFamily="34" charset="0"/>
         </a:defRPr>
       </a:lvl5pPr>
       <a:lvl6pPr marL="1885950" indent="-171450" algn="l" defTabSz="685800" rtl="0" eaLnBrk="1" latinLnBrk="0" hangingPunct="1">

--- a/inst/templates/TemplateIQ_43.pptx
+++ b/inst/templates/TemplateIQ_43.pptx
@@ -1,30 +1,33 @@
 
 <file path=ppt/presentation.xml><?xml version="1.0" encoding="utf-8"?>
-<p:presentation xmlns:a="http://schemas.openxmlformats.org/drawingml/2006/main" xmlns:r="http://schemas.openxmlformats.org/officeDocument/2006/relationships" xmlns:p="http://schemas.openxmlformats.org/presentationml/2006/main" embedTrueTypeFonts="1">
+<p:presentation xmlns:a="http://schemas.openxmlformats.org/drawingml/2006/main" xmlns:r="http://schemas.openxmlformats.org/officeDocument/2006/relationships" xmlns:p="http://schemas.openxmlformats.org/presentationml/2006/main" showSpecialPlsOnTitleSld="0" embedTrueTypeFonts="1">
   <p:sldMasterIdLst>
     <p:sldMasterId id="2147483648" r:id="rId1"/>
   </p:sldMasterIdLst>
+  <p:notesMasterIdLst>
+    <p:notesMasterId r:id="rId2"/>
+  </p:notesMasterIdLst>
   <p:sldSz cx="9144000" cy="6858000" type="screen4x3"/>
   <p:notesSz cx="6858000" cy="9144000"/>
   <p:embeddedFontLst>
     <p:embeddedFont>
       <p:font typeface="Calibri" panose="020F0502020204030204" pitchFamily="34" charset="0"/>
-      <p:regular r:id="rId2"/>
-      <p:bold r:id="rId3"/>
-      <p:italic r:id="rId4"/>
-      <p:boldItalic r:id="rId5"/>
+      <p:regular r:id="rId3"/>
+      <p:bold r:id="rId4"/>
+      <p:italic r:id="rId5"/>
+      <p:boldItalic r:id="rId6"/>
     </p:embeddedFont>
     <p:embeddedFont>
-      <p:font typeface="Mont Heavy" panose="00000A00000000000000" charset="0"/>
-      <p:bold r:id="rId6"/>
+      <p:font typeface="Mont Heavy" panose="00000A00000000000000" pitchFamily="50" charset="0"/>
+      <p:bold r:id="rId7"/>
     </p:embeddedFont>
     <p:embeddedFont>
       <p:font typeface="Mont Light" panose="00000500000000000000" pitchFamily="50" charset="0"/>
-      <p:regular r:id="rId7"/>
+      <p:regular r:id="rId8"/>
     </p:embeddedFont>
     <p:embeddedFont>
       <p:font typeface="Open Sans" panose="020B0606030504020204" pitchFamily="34" charset="0"/>
-      <p:regular r:id="rId8"/>
+      <p:regular r:id="rId9"/>
     </p:embeddedFont>
   </p:embeddedFontLst>
   <p:defaultTextStyle>
@@ -130,6 +133,356 @@
 </p:presentation>
 </file>
 
+<file path=ppt/notesMasters/notesMaster1.xml><?xml version="1.0" encoding="utf-8"?>
+<p:notesMaster xmlns:a="http://schemas.openxmlformats.org/drawingml/2006/main" xmlns:r="http://schemas.openxmlformats.org/officeDocument/2006/relationships" xmlns:p="http://schemas.openxmlformats.org/presentationml/2006/main">
+  <p:cSld>
+    <p:bg>
+      <p:bgRef idx="1001">
+        <a:schemeClr val="bg1"/>
+      </p:bgRef>
+    </p:bg>
+    <p:spTree>
+      <p:nvGrpSpPr>
+        <p:cNvPr id="1" name=""/>
+        <p:cNvGrpSpPr/>
+        <p:nvPr/>
+      </p:nvGrpSpPr>
+      <p:grpSpPr>
+        <a:xfrm>
+          <a:off x="0" y="0"/>
+          <a:ext cx="0" cy="0"/>
+          <a:chOff x="0" y="0"/>
+          <a:chExt cx="0" cy="0"/>
+        </a:xfrm>
+      </p:grpSpPr>
+      <p:sp>
+        <p:nvSpPr>
+          <p:cNvPr id="2" name="Header Placeholder 1"/>
+          <p:cNvSpPr>
+            <a:spLocks noGrp="1"/>
+          </p:cNvSpPr>
+          <p:nvPr>
+            <p:ph type="hdr" sz="quarter"/>
+          </p:nvPr>
+        </p:nvSpPr>
+        <p:spPr>
+          <a:xfrm>
+            <a:off x="0" y="0"/>
+            <a:ext cx="2971800" cy="458788"/>
+          </a:xfrm>
+          <a:prstGeom prst="rect">
+            <a:avLst/>
+          </a:prstGeom>
+        </p:spPr>
+        <p:txBody>
+          <a:bodyPr vert="horz" lIns="91440" tIns="45720" rIns="91440" bIns="45720" rtlCol="0"/>
+          <a:lstStyle>
+            <a:lvl1pPr algn="l">
+              <a:defRPr sz="1200"/>
+            </a:lvl1pPr>
+          </a:lstStyle>
+          <a:p>
+            <a:endParaRPr lang="en-CH"/>
+          </a:p>
+        </p:txBody>
+      </p:sp>
+      <p:sp>
+        <p:nvSpPr>
+          <p:cNvPr id="3" name="Date Placeholder 2"/>
+          <p:cNvSpPr>
+            <a:spLocks noGrp="1"/>
+          </p:cNvSpPr>
+          <p:nvPr>
+            <p:ph type="dt" idx="1"/>
+          </p:nvPr>
+        </p:nvSpPr>
+        <p:spPr>
+          <a:xfrm>
+            <a:off x="3884613" y="0"/>
+            <a:ext cx="2971800" cy="458788"/>
+          </a:xfrm>
+          <a:prstGeom prst="rect">
+            <a:avLst/>
+          </a:prstGeom>
+        </p:spPr>
+        <p:txBody>
+          <a:bodyPr vert="horz" lIns="91440" tIns="45720" rIns="91440" bIns="45720" rtlCol="0"/>
+          <a:lstStyle>
+            <a:lvl1pPr algn="r">
+              <a:defRPr sz="1200"/>
+            </a:lvl1pPr>
+          </a:lstStyle>
+          <a:p>
+            <a:fld id="{DDCCD2A6-B5E6-46A1-BEAE-67E2B354F048}" type="datetimeFigureOut">
+              <a:rPr lang="en-CH" smtClean="0"/>
+              <a:t>11/01/2021</a:t>
+            </a:fld>
+            <a:endParaRPr lang="en-CH"/>
+          </a:p>
+        </p:txBody>
+      </p:sp>
+      <p:sp>
+        <p:nvSpPr>
+          <p:cNvPr id="4" name="Slide Image Placeholder 3"/>
+          <p:cNvSpPr>
+            <a:spLocks noGrp="1" noRot="1" noChangeAspect="1"/>
+          </p:cNvSpPr>
+          <p:nvPr>
+            <p:ph type="sldImg" idx="2"/>
+          </p:nvPr>
+        </p:nvSpPr>
+        <p:spPr>
+          <a:xfrm>
+            <a:off x="1371600" y="1143000"/>
+            <a:ext cx="4114800" cy="3086100"/>
+          </a:xfrm>
+          <a:prstGeom prst="rect">
+            <a:avLst/>
+          </a:prstGeom>
+          <a:noFill/>
+          <a:ln w="12700">
+            <a:solidFill>
+              <a:prstClr val="black"/>
+            </a:solidFill>
+          </a:ln>
+        </p:spPr>
+        <p:txBody>
+          <a:bodyPr vert="horz" lIns="91440" tIns="45720" rIns="91440" bIns="45720" rtlCol="0" anchor="ctr"/>
+          <a:lstStyle/>
+          <a:p>
+            <a:endParaRPr lang="en-CH"/>
+          </a:p>
+        </p:txBody>
+      </p:sp>
+      <p:sp>
+        <p:nvSpPr>
+          <p:cNvPr id="5" name="Notes Placeholder 4"/>
+          <p:cNvSpPr>
+            <a:spLocks noGrp="1"/>
+          </p:cNvSpPr>
+          <p:nvPr>
+            <p:ph type="body" sz="quarter" idx="3"/>
+          </p:nvPr>
+        </p:nvSpPr>
+        <p:spPr>
+          <a:xfrm>
+            <a:off x="685800" y="4400550"/>
+            <a:ext cx="5486400" cy="3600450"/>
+          </a:xfrm>
+          <a:prstGeom prst="rect">
+            <a:avLst/>
+          </a:prstGeom>
+        </p:spPr>
+        <p:txBody>
+          <a:bodyPr vert="horz" lIns="91440" tIns="45720" rIns="91440" bIns="45720" rtlCol="0"/>
+          <a:lstStyle/>
+          <a:p>
+            <a:pPr lvl="0"/>
+            <a:r>
+              <a:rPr lang="en-US"/>
+              <a:t>Click to edit Master text styles</a:t>
+            </a:r>
+          </a:p>
+          <a:p>
+            <a:pPr lvl="1"/>
+            <a:r>
+              <a:rPr lang="en-US"/>
+              <a:t>Second level</a:t>
+            </a:r>
+          </a:p>
+          <a:p>
+            <a:pPr lvl="2"/>
+            <a:r>
+              <a:rPr lang="en-US"/>
+              <a:t>Third level</a:t>
+            </a:r>
+          </a:p>
+          <a:p>
+            <a:pPr lvl="3"/>
+            <a:r>
+              <a:rPr lang="en-US"/>
+              <a:t>Fourth level</a:t>
+            </a:r>
+          </a:p>
+          <a:p>
+            <a:pPr lvl="4"/>
+            <a:r>
+              <a:rPr lang="en-US"/>
+              <a:t>Fifth level</a:t>
+            </a:r>
+            <a:endParaRPr lang="en-CH"/>
+          </a:p>
+        </p:txBody>
+      </p:sp>
+      <p:sp>
+        <p:nvSpPr>
+          <p:cNvPr id="6" name="Footer Placeholder 5"/>
+          <p:cNvSpPr>
+            <a:spLocks noGrp="1"/>
+          </p:cNvSpPr>
+          <p:nvPr>
+            <p:ph type="ftr" sz="quarter" idx="4"/>
+          </p:nvPr>
+        </p:nvSpPr>
+        <p:spPr>
+          <a:xfrm>
+            <a:off x="0" y="8685213"/>
+            <a:ext cx="2971800" cy="458787"/>
+          </a:xfrm>
+          <a:prstGeom prst="rect">
+            <a:avLst/>
+          </a:prstGeom>
+        </p:spPr>
+        <p:txBody>
+          <a:bodyPr vert="horz" lIns="91440" tIns="45720" rIns="91440" bIns="45720" rtlCol="0" anchor="b"/>
+          <a:lstStyle>
+            <a:lvl1pPr algn="l">
+              <a:defRPr sz="1200"/>
+            </a:lvl1pPr>
+          </a:lstStyle>
+          <a:p>
+            <a:endParaRPr lang="en-CH"/>
+          </a:p>
+        </p:txBody>
+      </p:sp>
+      <p:sp>
+        <p:nvSpPr>
+          <p:cNvPr id="7" name="Slide Number Placeholder 6"/>
+          <p:cNvSpPr>
+            <a:spLocks noGrp="1"/>
+          </p:cNvSpPr>
+          <p:nvPr>
+            <p:ph type="sldNum" sz="quarter" idx="5"/>
+          </p:nvPr>
+        </p:nvSpPr>
+        <p:spPr>
+          <a:xfrm>
+            <a:off x="3884613" y="8685213"/>
+            <a:ext cx="2971800" cy="458787"/>
+          </a:xfrm>
+          <a:prstGeom prst="rect">
+            <a:avLst/>
+          </a:prstGeom>
+        </p:spPr>
+        <p:txBody>
+          <a:bodyPr vert="horz" lIns="91440" tIns="45720" rIns="91440" bIns="45720" rtlCol="0" anchor="b"/>
+          <a:lstStyle>
+            <a:lvl1pPr algn="r">
+              <a:defRPr sz="1200"/>
+            </a:lvl1pPr>
+          </a:lstStyle>
+          <a:p>
+            <a:fld id="{D5D5CB61-BFF4-4594-A2CF-F8FEA013FECB}" type="slidenum">
+              <a:rPr lang="en-CH" smtClean="0"/>
+              <a:t>‹#›</a:t>
+            </a:fld>
+            <a:endParaRPr lang="en-CH"/>
+          </a:p>
+        </p:txBody>
+      </p:sp>
+    </p:spTree>
+    <p:extLst>
+      <p:ext uri="{BB962C8B-B14F-4D97-AF65-F5344CB8AC3E}">
+        <p14:creationId xmlns:p14="http://schemas.microsoft.com/office/powerpoint/2010/main" val="961586538"/>
+      </p:ext>
+    </p:extLst>
+  </p:cSld>
+  <p:clrMap bg1="lt1" tx1="dk1" bg2="lt2" tx2="dk2" accent1="accent1" accent2="accent2" accent3="accent3" accent4="accent4" accent5="accent5" accent6="accent6" hlink="hlink" folHlink="folHlink"/>
+  <p:notesStyle>
+    <a:lvl1pPr marL="0" algn="l" defTabSz="914400" rtl="0" eaLnBrk="1" latinLnBrk="0" hangingPunct="1">
+      <a:defRPr sz="1200" kern="1200">
+        <a:solidFill>
+          <a:schemeClr val="tx1"/>
+        </a:solidFill>
+        <a:latin typeface="+mn-lt"/>
+        <a:ea typeface="+mn-ea"/>
+        <a:cs typeface="+mn-cs"/>
+      </a:defRPr>
+    </a:lvl1pPr>
+    <a:lvl2pPr marL="457200" algn="l" defTabSz="914400" rtl="0" eaLnBrk="1" latinLnBrk="0" hangingPunct="1">
+      <a:defRPr sz="1200" kern="1200">
+        <a:solidFill>
+          <a:schemeClr val="tx1"/>
+        </a:solidFill>
+        <a:latin typeface="+mn-lt"/>
+        <a:ea typeface="+mn-ea"/>
+        <a:cs typeface="+mn-cs"/>
+      </a:defRPr>
+    </a:lvl2pPr>
+    <a:lvl3pPr marL="914400" algn="l" defTabSz="914400" rtl="0" eaLnBrk="1" latinLnBrk="0" hangingPunct="1">
+      <a:defRPr sz="1200" kern="1200">
+        <a:solidFill>
+          <a:schemeClr val="tx1"/>
+        </a:solidFill>
+        <a:latin typeface="+mn-lt"/>
+        <a:ea typeface="+mn-ea"/>
+        <a:cs typeface="+mn-cs"/>
+      </a:defRPr>
+    </a:lvl3pPr>
+    <a:lvl4pPr marL="1371600" algn="l" defTabSz="914400" rtl="0" eaLnBrk="1" latinLnBrk="0" hangingPunct="1">
+      <a:defRPr sz="1200" kern="1200">
+        <a:solidFill>
+          <a:schemeClr val="tx1"/>
+        </a:solidFill>
+        <a:latin typeface="+mn-lt"/>
+        <a:ea typeface="+mn-ea"/>
+        <a:cs typeface="+mn-cs"/>
+      </a:defRPr>
+    </a:lvl4pPr>
+    <a:lvl5pPr marL="1828800" algn="l" defTabSz="914400" rtl="0" eaLnBrk="1" latinLnBrk="0" hangingPunct="1">
+      <a:defRPr sz="1200" kern="1200">
+        <a:solidFill>
+          <a:schemeClr val="tx1"/>
+        </a:solidFill>
+        <a:latin typeface="+mn-lt"/>
+        <a:ea typeface="+mn-ea"/>
+        <a:cs typeface="+mn-cs"/>
+      </a:defRPr>
+    </a:lvl5pPr>
+    <a:lvl6pPr marL="2286000" algn="l" defTabSz="914400" rtl="0" eaLnBrk="1" latinLnBrk="0" hangingPunct="1">
+      <a:defRPr sz="1200" kern="1200">
+        <a:solidFill>
+          <a:schemeClr val="tx1"/>
+        </a:solidFill>
+        <a:latin typeface="+mn-lt"/>
+        <a:ea typeface="+mn-ea"/>
+        <a:cs typeface="+mn-cs"/>
+      </a:defRPr>
+    </a:lvl6pPr>
+    <a:lvl7pPr marL="2743200" algn="l" defTabSz="914400" rtl="0" eaLnBrk="1" latinLnBrk="0" hangingPunct="1">
+      <a:defRPr sz="1200" kern="1200">
+        <a:solidFill>
+          <a:schemeClr val="tx1"/>
+        </a:solidFill>
+        <a:latin typeface="+mn-lt"/>
+        <a:ea typeface="+mn-ea"/>
+        <a:cs typeface="+mn-cs"/>
+      </a:defRPr>
+    </a:lvl7pPr>
+    <a:lvl8pPr marL="3200400" algn="l" defTabSz="914400" rtl="0" eaLnBrk="1" latinLnBrk="0" hangingPunct="1">
+      <a:defRPr sz="1200" kern="1200">
+        <a:solidFill>
+          <a:schemeClr val="tx1"/>
+        </a:solidFill>
+        <a:latin typeface="+mn-lt"/>
+        <a:ea typeface="+mn-ea"/>
+        <a:cs typeface="+mn-cs"/>
+      </a:defRPr>
+    </a:lvl8pPr>
+    <a:lvl9pPr marL="3657600" algn="l" defTabSz="914400" rtl="0" eaLnBrk="1" latinLnBrk="0" hangingPunct="1">
+      <a:defRPr sz="1200" kern="1200">
+        <a:solidFill>
+          <a:schemeClr val="tx1"/>
+        </a:solidFill>
+        <a:latin typeface="+mn-lt"/>
+        <a:ea typeface="+mn-ea"/>
+        <a:cs typeface="+mn-cs"/>
+      </a:defRPr>
+    </a:lvl9pPr>
+  </p:notesStyle>
+</p:notesMaster>
+</file>
+
 <file path=ppt/slideLayouts/slideLayout1.xml><?xml version="1.0" encoding="utf-8"?>
 <p:sldLayout xmlns:a="http://schemas.openxmlformats.org/drawingml/2006/main" xmlns:r="http://schemas.openxmlformats.org/officeDocument/2006/relationships" xmlns:p="http://schemas.openxmlformats.org/presentationml/2006/main" type="title" preserve="1">
   <p:cSld name="Title Slide">
@@ -318,12 +671,20 @@
             <p:ph type="dt" sz="half" idx="10"/>
           </p:nvPr>
         </p:nvSpPr>
-        <p:spPr/>
-        <p:txBody>
-          <a:bodyPr/>
-          <a:lstStyle/>
-          <a:p>
-            <a:fld id="{7B272C57-2FA0-4A9D-99A4-6F756B65018B}" type="datetimeFigureOut">
+        <p:spPr>
+          <a:xfrm>
+            <a:off x="692434" y="6356350"/>
+            <a:ext cx="1174141" cy="365125"/>
+          </a:xfrm>
+          <a:prstGeom prst="rect">
+            <a:avLst/>
+          </a:prstGeom>
+        </p:spPr>
+        <p:txBody>
+          <a:bodyPr/>
+          <a:lstStyle/>
+          <a:p>
+            <a:fld id="{90E8E99B-7987-4216-A653-2289E721DDD1}" type="datetime1">
               <a:rPr lang="en-US" smtClean="0"/>
               <a:t>1/11/2021</a:t>
             </a:fld>
@@ -381,7 +742,7 @@
               <a:rPr lang="en-US" smtClean="0"/>
               <a:t>‹#›</a:t>
             </a:fld>
-            <a:endParaRPr lang="en-US"/>
+            <a:endParaRPr lang="en-US" dirty="0"/>
           </a:p>
         </p:txBody>
       </p:sp>
@@ -610,12 +971,20 @@
             <p:ph type="dt" sz="half" idx="10"/>
           </p:nvPr>
         </p:nvSpPr>
-        <p:spPr/>
-        <p:txBody>
-          <a:bodyPr/>
-          <a:lstStyle/>
-          <a:p>
-            <a:fld id="{7B272C57-2FA0-4A9D-99A4-6F756B65018B}" type="datetimeFigureOut">
+        <p:spPr>
+          <a:xfrm>
+            <a:off x="692434" y="6356350"/>
+            <a:ext cx="1174141" cy="365125"/>
+          </a:xfrm>
+          <a:prstGeom prst="rect">
+            <a:avLst/>
+          </a:prstGeom>
+        </p:spPr>
+        <p:txBody>
+          <a:bodyPr/>
+          <a:lstStyle/>
+          <a:p>
+            <a:fld id="{FE4BCB95-AB5B-4A5C-9110-200EF78E4778}" type="datetime1">
               <a:rPr lang="en-US" smtClean="0"/>
               <a:t>1/11/2021</a:t>
             </a:fld>
@@ -723,12 +1092,20 @@
             <p:ph type="dt" sz="half" idx="10"/>
           </p:nvPr>
         </p:nvSpPr>
-        <p:spPr/>
-        <p:txBody>
-          <a:bodyPr/>
-          <a:lstStyle/>
-          <a:p>
-            <a:fld id="{7B272C57-2FA0-4A9D-99A4-6F756B65018B}" type="datetimeFigureOut">
+        <p:spPr>
+          <a:xfrm>
+            <a:off x="692434" y="6356350"/>
+            <a:ext cx="1174141" cy="365125"/>
+          </a:xfrm>
+          <a:prstGeom prst="rect">
+            <a:avLst/>
+          </a:prstGeom>
+        </p:spPr>
+        <p:txBody>
+          <a:bodyPr/>
+          <a:lstStyle/>
+          <a:p>
+            <a:fld id="{17E66974-7B4A-4094-B0D5-4B350890C16B}" type="datetime1">
               <a:rPr lang="en-US" smtClean="0"/>
               <a:t>1/11/2021</a:t>
             </a:fld>
@@ -1034,12 +1411,20 @@
             <p:ph type="dt" sz="half" idx="10"/>
           </p:nvPr>
         </p:nvSpPr>
-        <p:spPr/>
-        <p:txBody>
-          <a:bodyPr/>
-          <a:lstStyle/>
-          <a:p>
-            <a:fld id="{7B272C57-2FA0-4A9D-99A4-6F756B65018B}" type="datetimeFigureOut">
+        <p:spPr>
+          <a:xfrm>
+            <a:off x="692434" y="6356350"/>
+            <a:ext cx="1174141" cy="365125"/>
+          </a:xfrm>
+          <a:prstGeom prst="rect">
+            <a:avLst/>
+          </a:prstGeom>
+        </p:spPr>
+        <p:txBody>
+          <a:bodyPr/>
+          <a:lstStyle/>
+          <a:p>
+            <a:fld id="{4736CA40-B21E-4BC1-BF1D-883E6BE6094B}" type="datetime1">
               <a:rPr lang="en-US" smtClean="0"/>
               <a:t>1/11/2021</a:t>
             </a:fld>
@@ -1322,12 +1707,20 @@
             <p:ph type="dt" sz="half" idx="10"/>
           </p:nvPr>
         </p:nvSpPr>
-        <p:spPr/>
-        <p:txBody>
-          <a:bodyPr/>
-          <a:lstStyle/>
-          <a:p>
-            <a:fld id="{7B272C57-2FA0-4A9D-99A4-6F756B65018B}" type="datetimeFigureOut">
+        <p:spPr>
+          <a:xfrm>
+            <a:off x="692434" y="6356350"/>
+            <a:ext cx="1174141" cy="365125"/>
+          </a:xfrm>
+          <a:prstGeom prst="rect">
+            <a:avLst/>
+          </a:prstGeom>
+        </p:spPr>
+        <p:txBody>
+          <a:bodyPr/>
+          <a:lstStyle/>
+          <a:p>
+            <a:fld id="{06D10DB8-659B-4958-A792-DE05210DF328}" type="datetime1">
               <a:rPr lang="en-US" smtClean="0"/>
               <a:t>1/11/2021</a:t>
             </a:fld>
@@ -1520,12 +1913,20 @@
             <p:ph type="dt" sz="half" idx="10"/>
           </p:nvPr>
         </p:nvSpPr>
-        <p:spPr/>
-        <p:txBody>
-          <a:bodyPr/>
-          <a:lstStyle/>
-          <a:p>
-            <a:fld id="{7B272C57-2FA0-4A9D-99A4-6F756B65018B}" type="datetimeFigureOut">
+        <p:spPr>
+          <a:xfrm>
+            <a:off x="692434" y="6356350"/>
+            <a:ext cx="1174141" cy="365125"/>
+          </a:xfrm>
+          <a:prstGeom prst="rect">
+            <a:avLst/>
+          </a:prstGeom>
+        </p:spPr>
+        <p:txBody>
+          <a:bodyPr/>
+          <a:lstStyle/>
+          <a:p>
+            <a:fld id="{E7CF5876-4B3B-4A39-B999-95B42A2340FE}" type="datetime1">
               <a:rPr lang="en-US" smtClean="0"/>
               <a:t>1/11/2021</a:t>
             </a:fld>
@@ -1728,12 +2129,20 @@
             <p:ph type="dt" sz="half" idx="10"/>
           </p:nvPr>
         </p:nvSpPr>
-        <p:spPr/>
-        <p:txBody>
-          <a:bodyPr/>
-          <a:lstStyle/>
-          <a:p>
-            <a:fld id="{7B272C57-2FA0-4A9D-99A4-6F756B65018B}" type="datetimeFigureOut">
+        <p:spPr>
+          <a:xfrm>
+            <a:off x="692434" y="6356350"/>
+            <a:ext cx="1174141" cy="365125"/>
+          </a:xfrm>
+          <a:prstGeom prst="rect">
+            <a:avLst/>
+          </a:prstGeom>
+        </p:spPr>
+        <p:txBody>
+          <a:bodyPr/>
+          <a:lstStyle/>
+          <a:p>
+            <a:fld id="{88D61156-842F-4F67-B06A-C4646596C268}" type="datetime1">
               <a:rPr lang="en-US" smtClean="0"/>
               <a:t>1/11/2021</a:t>
             </a:fld>
@@ -1931,12 +2340,20 @@
             <p:ph type="dt" sz="half" idx="10"/>
           </p:nvPr>
         </p:nvSpPr>
-        <p:spPr/>
-        <p:txBody>
-          <a:bodyPr/>
-          <a:lstStyle/>
-          <a:p>
-            <a:fld id="{7B272C57-2FA0-4A9D-99A4-6F756B65018B}" type="datetimeFigureOut">
+        <p:spPr>
+          <a:xfrm>
+            <a:off x="692434" y="6356350"/>
+            <a:ext cx="1174141" cy="365125"/>
+          </a:xfrm>
+          <a:prstGeom prst="rect">
+            <a:avLst/>
+          </a:prstGeom>
+        </p:spPr>
+        <p:txBody>
+          <a:bodyPr/>
+          <a:lstStyle/>
+          <a:p>
+            <a:fld id="{4A448851-F1FF-4B89-82AB-47C2886C2712}" type="datetime1">
               <a:rPr lang="en-US" smtClean="0"/>
               <a:t>1/11/2021</a:t>
             </a:fld>
@@ -2139,12 +2556,20 @@
             <p:ph type="dt" sz="half" idx="10"/>
           </p:nvPr>
         </p:nvSpPr>
-        <p:spPr/>
-        <p:txBody>
-          <a:bodyPr/>
-          <a:lstStyle/>
-          <a:p>
-            <a:fld id="{7B272C57-2FA0-4A9D-99A4-6F756B65018B}" type="datetimeFigureOut">
+        <p:spPr>
+          <a:xfrm>
+            <a:off x="692434" y="6356350"/>
+            <a:ext cx="1174141" cy="365125"/>
+          </a:xfrm>
+          <a:prstGeom prst="rect">
+            <a:avLst/>
+          </a:prstGeom>
+        </p:spPr>
+        <p:txBody>
+          <a:bodyPr/>
+          <a:lstStyle/>
+          <a:p>
+            <a:fld id="{9FC0DEDD-AAD6-481E-BA52-3D7C9DFC702B}" type="datetime1">
               <a:rPr lang="en-US" smtClean="0"/>
               <a:t>1/11/2021</a:t>
             </a:fld>
@@ -2500,12 +2925,20 @@
             <p:ph type="dt" sz="half" idx="10"/>
           </p:nvPr>
         </p:nvSpPr>
-        <p:spPr/>
-        <p:txBody>
-          <a:bodyPr/>
-          <a:lstStyle/>
-          <a:p>
-            <a:fld id="{7B272C57-2FA0-4A9D-99A4-6F756B65018B}" type="datetimeFigureOut">
+        <p:spPr>
+          <a:xfrm>
+            <a:off x="692434" y="6356350"/>
+            <a:ext cx="1174141" cy="365125"/>
+          </a:xfrm>
+          <a:prstGeom prst="rect">
+            <a:avLst/>
+          </a:prstGeom>
+        </p:spPr>
+        <p:txBody>
+          <a:bodyPr/>
+          <a:lstStyle/>
+          <a:p>
+            <a:fld id="{EC5C82F9-F59C-4CE5-9289-1898459AF428}" type="datetime1">
               <a:rPr lang="en-US" smtClean="0"/>
               <a:t>1/11/2021</a:t>
             </a:fld>
@@ -2621,12 +3054,20 @@
             <p:ph type="dt" sz="half" idx="10"/>
           </p:nvPr>
         </p:nvSpPr>
-        <p:spPr/>
-        <p:txBody>
-          <a:bodyPr/>
-          <a:lstStyle/>
-          <a:p>
-            <a:fld id="{7B272C57-2FA0-4A9D-99A4-6F756B65018B}" type="datetimeFigureOut">
+        <p:spPr>
+          <a:xfrm>
+            <a:off x="692434" y="6356350"/>
+            <a:ext cx="1174141" cy="365125"/>
+          </a:xfrm>
+          <a:prstGeom prst="rect">
+            <a:avLst/>
+          </a:prstGeom>
+        </p:spPr>
+        <p:txBody>
+          <a:bodyPr/>
+          <a:lstStyle/>
+          <a:p>
+            <a:fld id="{DA0CDD85-E753-4251-B347-F1BEE1D272E1}" type="datetime1">
               <a:rPr lang="en-US" smtClean="0"/>
               <a:t>1/11/2021</a:t>
             </a:fld>
@@ -2906,12 +3347,20 @@
             <p:ph type="dt" sz="half" idx="10"/>
           </p:nvPr>
         </p:nvSpPr>
-        <p:spPr/>
-        <p:txBody>
-          <a:bodyPr/>
-          <a:lstStyle/>
-          <a:p>
-            <a:fld id="{7B272C57-2FA0-4A9D-99A4-6F756B65018B}" type="datetimeFigureOut">
+        <p:spPr>
+          <a:xfrm>
+            <a:off x="692434" y="6356350"/>
+            <a:ext cx="1174141" cy="365125"/>
+          </a:xfrm>
+          <a:prstGeom prst="rect">
+            <a:avLst/>
+          </a:prstGeom>
+        </p:spPr>
+        <p:txBody>
+          <a:bodyPr/>
+          <a:lstStyle/>
+          <a:p>
+            <a:fld id="{57B4F576-FC99-4961-BD4C-E8B281EB9C39}" type="datetime1">
               <a:rPr lang="en-US" smtClean="0"/>
               <a:t>1/11/2021</a:t>
             </a:fld>
@@ -3280,12 +3729,20 @@
             <p:ph type="dt" sz="half" idx="10"/>
           </p:nvPr>
         </p:nvSpPr>
-        <p:spPr/>
-        <p:txBody>
-          <a:bodyPr/>
-          <a:lstStyle/>
-          <a:p>
-            <a:fld id="{7B272C57-2FA0-4A9D-99A4-6F756B65018B}" type="datetimeFigureOut">
+        <p:spPr>
+          <a:xfrm>
+            <a:off x="692434" y="6356350"/>
+            <a:ext cx="1174141" cy="365125"/>
+          </a:xfrm>
+          <a:prstGeom prst="rect">
+            <a:avLst/>
+          </a:prstGeom>
+        </p:spPr>
+        <p:txBody>
+          <a:bodyPr/>
+          <a:lstStyle/>
+          <a:p>
+            <a:fld id="{F55EAF3D-9CFA-4FC9-AA0C-DF7E220E11CA}" type="datetime1">
               <a:rPr lang="en-US" smtClean="0"/>
               <a:t>1/11/2021</a:t>
             </a:fld>
@@ -3654,12 +4111,20 @@
             <p:ph type="dt" sz="half" idx="10"/>
           </p:nvPr>
         </p:nvSpPr>
-        <p:spPr/>
-        <p:txBody>
-          <a:bodyPr/>
-          <a:lstStyle/>
-          <a:p>
-            <a:fld id="{7B272C57-2FA0-4A9D-99A4-6F756B65018B}" type="datetimeFigureOut">
+        <p:spPr>
+          <a:xfrm>
+            <a:off x="692434" y="6356350"/>
+            <a:ext cx="1174141" cy="365125"/>
+          </a:xfrm>
+          <a:prstGeom prst="rect">
+            <a:avLst/>
+          </a:prstGeom>
+        </p:spPr>
+        <p:txBody>
+          <a:bodyPr/>
+          <a:lstStyle/>
+          <a:p>
+            <a:fld id="{89BFF260-1674-4B54-A3A6-8BD99D2AA53F}" type="datetime1">
               <a:rPr lang="en-US" smtClean="0"/>
               <a:t>1/11/2021</a:t>
             </a:fld>
@@ -4410,12 +4875,20 @@
             <p:ph type="dt" sz="half" idx="10"/>
           </p:nvPr>
         </p:nvSpPr>
-        <p:spPr/>
-        <p:txBody>
-          <a:bodyPr/>
-          <a:lstStyle/>
-          <a:p>
-            <a:fld id="{7B272C57-2FA0-4A9D-99A4-6F756B65018B}" type="datetimeFigureOut">
+        <p:spPr>
+          <a:xfrm>
+            <a:off x="692434" y="6356350"/>
+            <a:ext cx="1174141" cy="365125"/>
+          </a:xfrm>
+          <a:prstGeom prst="rect">
+            <a:avLst/>
+          </a:prstGeom>
+        </p:spPr>
+        <p:txBody>
+          <a:bodyPr/>
+          <a:lstStyle/>
+          <a:p>
+            <a:fld id="{50B48069-9BF5-4AAA-976B-ABC4BE64C868}" type="datetime1">
               <a:rPr lang="en-US" smtClean="0"/>
               <a:t>1/11/2021</a:t>
             </a:fld>
@@ -4662,7 +5135,7 @@
             </a:lvl1pPr>
           </a:lstStyle>
           <a:p>
-            <a:fld id="{7B272C57-2FA0-4A9D-99A4-6F756B65018B}" type="datetimeFigureOut">
+            <a:fld id="{D937D606-FB15-40D5-BE50-B99102433FE5}" type="datetime1">
               <a:rPr lang="en-US" smtClean="0"/>
               <a:t>1/11/2021</a:t>
             </a:fld>
@@ -4756,7 +5229,7 @@
               <a:rPr lang="en-US" smtClean="0"/>
               <a:t>‹#›</a:t>
             </a:fld>
-            <a:endParaRPr lang="en-US"/>
+            <a:endParaRPr lang="en-US" dirty="0"/>
           </a:p>
         </p:txBody>
       </p:sp>
@@ -4814,6 +5287,7 @@
     <p:sldLayoutId id="2147483658" r:id="rId14"/>
     <p:sldLayoutId id="2147483659" r:id="rId15"/>
   </p:sldLayoutIdLst>
+  <p:hf hdr="0" dt="0"/>
   <p:txStyles>
     <p:titleStyle>
       <a:lvl1pPr algn="l" defTabSz="685800" rtl="0" eaLnBrk="1" latinLnBrk="0" hangingPunct="1">
@@ -4826,7 +5300,7 @@
         <a:buNone/>
         <a:defRPr sz="2400" b="0" i="0" kern="1200" cap="none" baseline="0">
           <a:solidFill>
-            <a:schemeClr val="bg2"/>
+            <a:schemeClr val="bg1"/>
           </a:solidFill>
           <a:latin typeface="Mont light" panose="00000500000000000000" pitchFamily="50" charset="0"/>
           <a:ea typeface="+mj-ea"/>
@@ -4843,7 +5317,7 @@
           <a:spcPts val="750"/>
         </a:spcBef>
         <a:buClr>
-          <a:schemeClr val="accent1"/>
+          <a:srgbClr val="0070C0"/>
         </a:buClr>
         <a:buSzPct val="110000"/>
         <a:buFont typeface="Wingdings" panose="05000000000000000000" pitchFamily="2" charset="2"/>
@@ -4865,7 +5339,7 @@
           <a:spcPts val="375"/>
         </a:spcBef>
         <a:buClr>
-          <a:schemeClr val="accent1"/>
+          <a:srgbClr val="0070C0"/>
         </a:buClr>
         <a:buSzPct val="110000"/>
         <a:buFont typeface="Wingdings" panose="05000000000000000000" pitchFamily="2" charset="2"/>
@@ -4887,7 +5361,7 @@
           <a:spcPts val="375"/>
         </a:spcBef>
         <a:buClr>
-          <a:schemeClr val="accent1"/>
+          <a:srgbClr val="0070C0"/>
         </a:buClr>
         <a:buSzPct val="110000"/>
         <a:buFont typeface="Wingdings" panose="05000000000000000000" pitchFamily="2" charset="2"/>
@@ -4909,7 +5383,7 @@
           <a:spcPts val="375"/>
         </a:spcBef>
         <a:buClr>
-          <a:schemeClr val="accent1"/>
+          <a:srgbClr val="0070C0"/>
         </a:buClr>
         <a:buSzPct val="110000"/>
         <a:buFont typeface="Wingdings" panose="05000000000000000000" pitchFamily="2" charset="2"/>
@@ -4931,7 +5405,7 @@
           <a:spcPts val="375"/>
         </a:spcBef>
         <a:buClr>
-          <a:schemeClr val="accent1"/>
+          <a:srgbClr val="0070C0"/>
         </a:buClr>
         <a:buSzPct val="110000"/>
         <a:buFont typeface="Wingdings" panose="05000000000000000000" pitchFamily="2" charset="2"/>
@@ -5410,4 +5884,299 @@
     </a:ext>
   </a:extLst>
 </a:theme>
+</file>
+
+<file path=ppt/theme/theme2.xml><?xml version="1.0" encoding="utf-8"?>
+<a:theme xmlns:a="http://schemas.openxmlformats.org/drawingml/2006/main" name="Office Theme">
+  <a:themeElements>
+    <a:clrScheme name="Office">
+      <a:dk1>
+        <a:sysClr val="windowText" lastClr="000000"/>
+      </a:dk1>
+      <a:lt1>
+        <a:sysClr val="window" lastClr="FFFFFF"/>
+      </a:lt1>
+      <a:dk2>
+        <a:srgbClr val="44546A"/>
+      </a:dk2>
+      <a:lt2>
+        <a:srgbClr val="E7E6E6"/>
+      </a:lt2>
+      <a:accent1>
+        <a:srgbClr val="4472C4"/>
+      </a:accent1>
+      <a:accent2>
+        <a:srgbClr val="ED7D31"/>
+      </a:accent2>
+      <a:accent3>
+        <a:srgbClr val="A5A5A5"/>
+      </a:accent3>
+      <a:accent4>
+        <a:srgbClr val="FFC000"/>
+      </a:accent4>
+      <a:accent5>
+        <a:srgbClr val="5B9BD5"/>
+      </a:accent5>
+      <a:accent6>
+        <a:srgbClr val="70AD47"/>
+      </a:accent6>
+      <a:hlink>
+        <a:srgbClr val="0563C1"/>
+      </a:hlink>
+      <a:folHlink>
+        <a:srgbClr val="954F72"/>
+      </a:folHlink>
+    </a:clrScheme>
+    <a:fontScheme name="Office">
+      <a:majorFont>
+        <a:latin typeface="Calibri Light" panose="020F0302020204030204"/>
+        <a:ea typeface=""/>
+        <a:cs typeface=""/>
+        <a:font script="Jpan" typeface="游ゴシック Light"/>
+        <a:font script="Hang" typeface="맑은 고딕"/>
+        <a:font script="Hans" typeface="等线 Light"/>
+        <a:font script="Hant" typeface="新細明體"/>
+        <a:font script="Arab" typeface="Times New Roman"/>
+        <a:font script="Hebr" typeface="Times New Roman"/>
+        <a:font script="Thai" typeface="Angsana New"/>
+        <a:font script="Ethi" typeface="Nyala"/>
+        <a:font script="Beng" typeface="Vrinda"/>
+        <a:font script="Gujr" typeface="Shruti"/>
+        <a:font script="Khmr" typeface="MoolBoran"/>
+        <a:font script="Knda" typeface="Tunga"/>
+        <a:font script="Guru" typeface="Raavi"/>
+        <a:font script="Cans" typeface="Euphemia"/>
+        <a:font script="Cher" typeface="Plantagenet Cherokee"/>
+        <a:font script="Yiii" typeface="Microsoft Yi Baiti"/>
+        <a:font script="Tibt" typeface="Microsoft Himalaya"/>
+        <a:font script="Thaa" typeface="MV Boli"/>
+        <a:font script="Deva" typeface="Mangal"/>
+        <a:font script="Telu" typeface="Gautami"/>
+        <a:font script="Taml" typeface="Latha"/>
+        <a:font script="Syrc" typeface="Estrangelo Edessa"/>
+        <a:font script="Orya" typeface="Kalinga"/>
+        <a:font script="Mlym" typeface="Kartika"/>
+        <a:font script="Laoo" typeface="DokChampa"/>
+        <a:font script="Sinh" typeface="Iskoola Pota"/>
+        <a:font script="Mong" typeface="Mongolian Baiti"/>
+        <a:font script="Viet" typeface="Times New Roman"/>
+        <a:font script="Uigh" typeface="Microsoft Uighur"/>
+        <a:font script="Geor" typeface="Sylfaen"/>
+        <a:font script="Armn" typeface="Arial"/>
+        <a:font script="Bugi" typeface="Leelawadee UI"/>
+        <a:font script="Bopo" typeface="Microsoft JhengHei"/>
+        <a:font script="Java" typeface="Javanese Text"/>
+        <a:font script="Lisu" typeface="Segoe UI"/>
+        <a:font script="Mymr" typeface="Myanmar Text"/>
+        <a:font script="Nkoo" typeface="Ebrima"/>
+        <a:font script="Olck" typeface="Nirmala UI"/>
+        <a:font script="Osma" typeface="Ebrima"/>
+        <a:font script="Phag" typeface="Phagspa"/>
+        <a:font script="Syrn" typeface="Estrangelo Edessa"/>
+        <a:font script="Syrj" typeface="Estrangelo Edessa"/>
+        <a:font script="Syre" typeface="Estrangelo Edessa"/>
+        <a:font script="Sora" typeface="Nirmala UI"/>
+        <a:font script="Tale" typeface="Microsoft Tai Le"/>
+        <a:font script="Talu" typeface="Microsoft New Tai Lue"/>
+        <a:font script="Tfng" typeface="Ebrima"/>
+      </a:majorFont>
+      <a:minorFont>
+        <a:latin typeface="Calibri" panose="020F0502020204030204"/>
+        <a:ea typeface=""/>
+        <a:cs typeface=""/>
+        <a:font script="Jpan" typeface="游ゴシック"/>
+        <a:font script="Hang" typeface="맑은 고딕"/>
+        <a:font script="Hans" typeface="等线"/>
+        <a:font script="Hant" typeface="新細明體"/>
+        <a:font script="Arab" typeface="Arial"/>
+        <a:font script="Hebr" typeface="Arial"/>
+        <a:font script="Thai" typeface="Cordia New"/>
+        <a:font script="Ethi" typeface="Nyala"/>
+        <a:font script="Beng" typeface="Vrinda"/>
+        <a:font script="Gujr" typeface="Shruti"/>
+        <a:font script="Khmr" typeface="DaunPenh"/>
+        <a:font script="Knda" typeface="Tunga"/>
+        <a:font script="Guru" typeface="Raavi"/>
+        <a:font script="Cans" typeface="Euphemia"/>
+        <a:font script="Cher" typeface="Plantagenet Cherokee"/>
+        <a:font script="Yiii" typeface="Microsoft Yi Baiti"/>
+        <a:font script="Tibt" typeface="Microsoft Himalaya"/>
+        <a:font script="Thaa" typeface="MV Boli"/>
+        <a:font script="Deva" typeface="Mangal"/>
+        <a:font script="Telu" typeface="Gautami"/>
+        <a:font script="Taml" typeface="Latha"/>
+        <a:font script="Syrc" typeface="Estrangelo Edessa"/>
+        <a:font script="Orya" typeface="Kalinga"/>
+        <a:font script="Mlym" typeface="Kartika"/>
+        <a:font script="Laoo" typeface="DokChampa"/>
+        <a:font script="Sinh" typeface="Iskoola Pota"/>
+        <a:font script="Mong" typeface="Mongolian Baiti"/>
+        <a:font script="Viet" typeface="Arial"/>
+        <a:font script="Uigh" typeface="Microsoft Uighur"/>
+        <a:font script="Geor" typeface="Sylfaen"/>
+        <a:font script="Armn" typeface="Arial"/>
+        <a:font script="Bugi" typeface="Leelawadee UI"/>
+        <a:font script="Bopo" typeface="Microsoft JhengHei"/>
+        <a:font script="Java" typeface="Javanese Text"/>
+        <a:font script="Lisu" typeface="Segoe UI"/>
+        <a:font script="Mymr" typeface="Myanmar Text"/>
+        <a:font script="Nkoo" typeface="Ebrima"/>
+        <a:font script="Olck" typeface="Nirmala UI"/>
+        <a:font script="Osma" typeface="Ebrima"/>
+        <a:font script="Phag" typeface="Phagspa"/>
+        <a:font script="Syrn" typeface="Estrangelo Edessa"/>
+        <a:font script="Syrj" typeface="Estrangelo Edessa"/>
+        <a:font script="Syre" typeface="Estrangelo Edessa"/>
+        <a:font script="Sora" typeface="Nirmala UI"/>
+        <a:font script="Tale" typeface="Microsoft Tai Le"/>
+        <a:font script="Talu" typeface="Microsoft New Tai Lue"/>
+        <a:font script="Tfng" typeface="Ebrima"/>
+      </a:minorFont>
+    </a:fontScheme>
+    <a:fmtScheme name="Office">
+      <a:fillStyleLst>
+        <a:solidFill>
+          <a:schemeClr val="phClr"/>
+        </a:solidFill>
+        <a:gradFill rotWithShape="1">
+          <a:gsLst>
+            <a:gs pos="0">
+              <a:schemeClr val="phClr">
+                <a:lumMod val="110000"/>
+                <a:satMod val="105000"/>
+                <a:tint val="67000"/>
+              </a:schemeClr>
+            </a:gs>
+            <a:gs pos="50000">
+              <a:schemeClr val="phClr">
+                <a:lumMod val="105000"/>
+                <a:satMod val="103000"/>
+                <a:tint val="73000"/>
+              </a:schemeClr>
+            </a:gs>
+            <a:gs pos="100000">
+              <a:schemeClr val="phClr">
+                <a:lumMod val="105000"/>
+                <a:satMod val="109000"/>
+                <a:tint val="81000"/>
+              </a:schemeClr>
+            </a:gs>
+          </a:gsLst>
+          <a:lin ang="5400000" scaled="0"/>
+        </a:gradFill>
+        <a:gradFill rotWithShape="1">
+          <a:gsLst>
+            <a:gs pos="0">
+              <a:schemeClr val="phClr">
+                <a:satMod val="103000"/>
+                <a:lumMod val="102000"/>
+                <a:tint val="94000"/>
+              </a:schemeClr>
+            </a:gs>
+            <a:gs pos="50000">
+              <a:schemeClr val="phClr">
+                <a:satMod val="110000"/>
+                <a:lumMod val="100000"/>
+                <a:shade val="100000"/>
+              </a:schemeClr>
+            </a:gs>
+            <a:gs pos="100000">
+              <a:schemeClr val="phClr">
+                <a:lumMod val="99000"/>
+                <a:satMod val="120000"/>
+                <a:shade val="78000"/>
+              </a:schemeClr>
+            </a:gs>
+          </a:gsLst>
+          <a:lin ang="5400000" scaled="0"/>
+        </a:gradFill>
+      </a:fillStyleLst>
+      <a:lnStyleLst>
+        <a:ln w="6350" cap="flat" cmpd="sng" algn="ctr">
+          <a:solidFill>
+            <a:schemeClr val="phClr"/>
+          </a:solidFill>
+          <a:prstDash val="solid"/>
+          <a:miter lim="800000"/>
+        </a:ln>
+        <a:ln w="12700" cap="flat" cmpd="sng" algn="ctr">
+          <a:solidFill>
+            <a:schemeClr val="phClr"/>
+          </a:solidFill>
+          <a:prstDash val="solid"/>
+          <a:miter lim="800000"/>
+        </a:ln>
+        <a:ln w="19050" cap="flat" cmpd="sng" algn="ctr">
+          <a:solidFill>
+            <a:schemeClr val="phClr"/>
+          </a:solidFill>
+          <a:prstDash val="solid"/>
+          <a:miter lim="800000"/>
+        </a:ln>
+      </a:lnStyleLst>
+      <a:effectStyleLst>
+        <a:effectStyle>
+          <a:effectLst/>
+        </a:effectStyle>
+        <a:effectStyle>
+          <a:effectLst/>
+        </a:effectStyle>
+        <a:effectStyle>
+          <a:effectLst>
+            <a:outerShdw blurRad="57150" dist="19050" dir="5400000" algn="ctr" rotWithShape="0">
+              <a:srgbClr val="000000">
+                <a:alpha val="63000"/>
+              </a:srgbClr>
+            </a:outerShdw>
+          </a:effectLst>
+        </a:effectStyle>
+      </a:effectStyleLst>
+      <a:bgFillStyleLst>
+        <a:solidFill>
+          <a:schemeClr val="phClr"/>
+        </a:solidFill>
+        <a:solidFill>
+          <a:schemeClr val="phClr">
+            <a:tint val="95000"/>
+            <a:satMod val="170000"/>
+          </a:schemeClr>
+        </a:solidFill>
+        <a:gradFill rotWithShape="1">
+          <a:gsLst>
+            <a:gs pos="0">
+              <a:schemeClr val="phClr">
+                <a:tint val="93000"/>
+                <a:satMod val="150000"/>
+                <a:shade val="98000"/>
+                <a:lumMod val="102000"/>
+              </a:schemeClr>
+            </a:gs>
+            <a:gs pos="50000">
+              <a:schemeClr val="phClr">
+                <a:tint val="98000"/>
+                <a:satMod val="130000"/>
+                <a:shade val="90000"/>
+                <a:lumMod val="103000"/>
+              </a:schemeClr>
+            </a:gs>
+            <a:gs pos="100000">
+              <a:schemeClr val="phClr">
+                <a:shade val="63000"/>
+                <a:satMod val="120000"/>
+              </a:schemeClr>
+            </a:gs>
+          </a:gsLst>
+          <a:lin ang="5400000" scaled="0"/>
+        </a:gradFill>
+      </a:bgFillStyleLst>
+    </a:fmtScheme>
+  </a:themeElements>
+  <a:objectDefaults/>
+  <a:extraClrSchemeLst/>
+  <a:extLst>
+    <a:ext uri="{05A4C25C-085E-4340-85A3-A5531E510DB2}">
+      <thm15:themeFamily xmlns:thm15="http://schemas.microsoft.com/office/thememl/2012/main" name="Office Theme" id="{62F939B6-93AF-4DB8-9C6B-D6C7DFDC589F}" vid="{4A3C46E8-61CC-4603-A589-7422A47A8E4A}"/>
+    </a:ext>
+  </a:extLst>
+</a:theme>
 </file>
--- a/inst/templates/TemplateIQ_43.pptx
+++ b/inst/templates/TemplateIQ_43.pptx
@@ -553,8 +553,8 @@
         </p:nvSpPr>
         <p:spPr>
           <a:xfrm>
-            <a:off x="282782" y="1587658"/>
-            <a:ext cx="8727509" cy="1752600"/>
+            <a:off x="282782" y="1044195"/>
+            <a:ext cx="8727509" cy="1129663"/>
           </a:xfrm>
           <a:noFill/>
         </p:spPr>
@@ -598,7 +598,7 @@
         </p:nvSpPr>
         <p:spPr>
           <a:xfrm>
-            <a:off x="282161" y="3498819"/>
+            <a:off x="282161" y="2273875"/>
             <a:ext cx="8727509" cy="644842"/>
           </a:xfrm>
         </p:spPr>

--- a/inst/templates/TemplateIQ_43.pptx
+++ b/inst/templates/TemplateIQ_43.pptx
@@ -895,6 +895,899 @@
 </file>
 
 <file path=ppt/slideLayouts/slideLayout10.xml><?xml version="1.0" encoding="utf-8"?>
+<p:sldLayout xmlns:a="http://schemas.openxmlformats.org/drawingml/2006/main" xmlns:r="http://schemas.openxmlformats.org/officeDocument/2006/relationships" xmlns:p="http://schemas.openxmlformats.org/presentationml/2006/main" preserve="1" userDrawn="1">
+  <p:cSld name="Two Content and Caption">
+    <p:bg>
+      <p:bgPr>
+        <a:solidFill>
+          <a:schemeClr val="bg1"/>
+        </a:solidFill>
+        <a:effectLst/>
+      </p:bgPr>
+    </p:bg>
+    <p:spTree>
+      <p:nvGrpSpPr>
+        <p:cNvPr id="1" name=""/>
+        <p:cNvGrpSpPr/>
+        <p:nvPr/>
+      </p:nvGrpSpPr>
+      <p:grpSpPr>
+        <a:xfrm>
+          <a:off x="0" y="0"/>
+          <a:ext cx="0" cy="0"/>
+          <a:chOff x="0" y="0"/>
+          <a:chExt cx="0" cy="0"/>
+        </a:xfrm>
+      </p:grpSpPr>
+      <p:sp>
+        <p:nvSpPr>
+          <p:cNvPr id="5" name="Date Placeholder 4">
+            <a:extLst>
+              <a:ext uri="{FF2B5EF4-FFF2-40B4-BE49-F238E27FC236}">
+                <a16:creationId xmlns:a16="http://schemas.microsoft.com/office/drawing/2014/main" id="{985F3433-3055-4279-A232-CDB35C481677}"/>
+              </a:ext>
+            </a:extLst>
+          </p:cNvPr>
+          <p:cNvSpPr>
+            <a:spLocks noGrp="1"/>
+          </p:cNvSpPr>
+          <p:nvPr>
+            <p:ph type="dt" sz="half" idx="10"/>
+          </p:nvPr>
+        </p:nvSpPr>
+        <p:spPr>
+          <a:xfrm>
+            <a:off x="692434" y="6356350"/>
+            <a:ext cx="1174141" cy="365125"/>
+          </a:xfrm>
+          <a:prstGeom prst="rect">
+            <a:avLst/>
+          </a:prstGeom>
+        </p:spPr>
+        <p:txBody>
+          <a:bodyPr/>
+          <a:lstStyle/>
+          <a:p>
+            <a:fld id="{89BFF260-1674-4B54-A3A6-8BD99D2AA53F}" type="datetime1">
+              <a:rPr lang="en-US" smtClean="0"/>
+              <a:t>1/11/2021</a:t>
+            </a:fld>
+            <a:endParaRPr lang="en-US"/>
+          </a:p>
+        </p:txBody>
+      </p:sp>
+      <p:sp>
+        <p:nvSpPr>
+          <p:cNvPr id="6" name="Footer Placeholder 5">
+            <a:extLst>
+              <a:ext uri="{FF2B5EF4-FFF2-40B4-BE49-F238E27FC236}">
+                <a16:creationId xmlns:a16="http://schemas.microsoft.com/office/drawing/2014/main" id="{C4190A63-5D67-4FD5-97FD-79F7445B6A2E}"/>
+              </a:ext>
+            </a:extLst>
+          </p:cNvPr>
+          <p:cNvSpPr>
+            <a:spLocks noGrp="1"/>
+          </p:cNvSpPr>
+          <p:nvPr>
+            <p:ph type="ftr" sz="quarter" idx="11"/>
+          </p:nvPr>
+        </p:nvSpPr>
+        <p:spPr/>
+        <p:txBody>
+          <a:bodyPr/>
+          <a:lstStyle/>
+          <a:p>
+            <a:endParaRPr lang="en-US"/>
+          </a:p>
+        </p:txBody>
+      </p:sp>
+      <p:sp>
+        <p:nvSpPr>
+          <p:cNvPr id="7" name="Slide Number Placeholder 6">
+            <a:extLst>
+              <a:ext uri="{FF2B5EF4-FFF2-40B4-BE49-F238E27FC236}">
+                <a16:creationId xmlns:a16="http://schemas.microsoft.com/office/drawing/2014/main" id="{D2687DAE-A442-4DC3-8550-20F58B781EC7}"/>
+              </a:ext>
+            </a:extLst>
+          </p:cNvPr>
+          <p:cNvSpPr>
+            <a:spLocks noGrp="1"/>
+          </p:cNvSpPr>
+          <p:nvPr>
+            <p:ph type="sldNum" sz="quarter" idx="12"/>
+          </p:nvPr>
+        </p:nvSpPr>
+        <p:spPr/>
+        <p:txBody>
+          <a:bodyPr/>
+          <a:lstStyle/>
+          <a:p>
+            <a:fld id="{C064A79B-B315-413E-88BB-EFE0B5D603D0}" type="slidenum">
+              <a:rPr lang="en-US" smtClean="0"/>
+              <a:t>‹#›</a:t>
+            </a:fld>
+            <a:endParaRPr lang="en-US"/>
+          </a:p>
+        </p:txBody>
+      </p:sp>
+      <p:sp>
+        <p:nvSpPr>
+          <p:cNvPr id="9" name="Title 1">
+            <a:extLst>
+              <a:ext uri="{FF2B5EF4-FFF2-40B4-BE49-F238E27FC236}">
+                <a16:creationId xmlns:a16="http://schemas.microsoft.com/office/drawing/2014/main" id="{177E17F1-D3B2-42A6-9982-8788655386CF}"/>
+              </a:ext>
+            </a:extLst>
+          </p:cNvPr>
+          <p:cNvSpPr>
+            <a:spLocks noGrp="1"/>
+          </p:cNvSpPr>
+          <p:nvPr>
+            <p:ph type="title"/>
+          </p:nvPr>
+        </p:nvSpPr>
+        <p:spPr>
+          <a:xfrm>
+            <a:off x="0" y="1"/>
+            <a:ext cx="9144000" cy="1013635"/>
+          </a:xfrm>
+          <a:solidFill>
+            <a:srgbClr val="0070C0"/>
+          </a:solidFill>
+        </p:spPr>
+        <p:txBody>
+          <a:bodyPr/>
+          <a:lstStyle>
+            <a:lvl1pPr>
+              <a:defRPr lang="en-US" dirty="0"/>
+            </a:lvl1pPr>
+          </a:lstStyle>
+          <a:p>
+            <a:r>
+              <a:rPr lang="en-US" dirty="0"/>
+              <a:t>Click to edit Master title style</a:t>
+            </a:r>
+          </a:p>
+        </p:txBody>
+      </p:sp>
+      <p:sp>
+        <p:nvSpPr>
+          <p:cNvPr id="10" name="Content Placeholder 2">
+            <a:extLst>
+              <a:ext uri="{FF2B5EF4-FFF2-40B4-BE49-F238E27FC236}">
+                <a16:creationId xmlns:a16="http://schemas.microsoft.com/office/drawing/2014/main" id="{F1A58CC4-526C-4991-898F-C0879D5343E8}"/>
+              </a:ext>
+            </a:extLst>
+          </p:cNvPr>
+          <p:cNvSpPr>
+            <a:spLocks noGrp="1"/>
+          </p:cNvSpPr>
+          <p:nvPr>
+            <p:ph sz="half" idx="1"/>
+          </p:nvPr>
+        </p:nvSpPr>
+        <p:spPr>
+          <a:xfrm>
+            <a:off x="187891" y="1205547"/>
+            <a:ext cx="4326959" cy="4446906"/>
+          </a:xfrm>
+        </p:spPr>
+        <p:txBody>
+          <a:bodyPr/>
+          <a:lstStyle/>
+          <a:p>
+            <a:pPr lvl="0"/>
+            <a:r>
+              <a:rPr lang="en-US" dirty="0"/>
+              <a:t>Click to edit Master text styles</a:t>
+            </a:r>
+          </a:p>
+          <a:p>
+            <a:pPr lvl="1"/>
+            <a:r>
+              <a:rPr lang="en-US" dirty="0"/>
+              <a:t>Second level</a:t>
+            </a:r>
+          </a:p>
+          <a:p>
+            <a:pPr lvl="2"/>
+            <a:r>
+              <a:rPr lang="en-US" dirty="0"/>
+              <a:t>Third level</a:t>
+            </a:r>
+          </a:p>
+          <a:p>
+            <a:pPr lvl="3"/>
+            <a:r>
+              <a:rPr lang="en-US" dirty="0"/>
+              <a:t>Fourth level</a:t>
+            </a:r>
+          </a:p>
+          <a:p>
+            <a:pPr lvl="4"/>
+            <a:r>
+              <a:rPr lang="en-US" dirty="0"/>
+              <a:t>Fifth level</a:t>
+            </a:r>
+          </a:p>
+        </p:txBody>
+      </p:sp>
+      <p:sp>
+        <p:nvSpPr>
+          <p:cNvPr id="11" name="Content Placeholder 3">
+            <a:extLst>
+              <a:ext uri="{FF2B5EF4-FFF2-40B4-BE49-F238E27FC236}">
+                <a16:creationId xmlns:a16="http://schemas.microsoft.com/office/drawing/2014/main" id="{CB008E43-F727-4C47-9855-9440A412ACCB}"/>
+              </a:ext>
+            </a:extLst>
+          </p:cNvPr>
+          <p:cNvSpPr>
+            <a:spLocks noGrp="1"/>
+          </p:cNvSpPr>
+          <p:nvPr>
+            <p:ph sz="half" idx="2"/>
+          </p:nvPr>
+        </p:nvSpPr>
+        <p:spPr>
+          <a:xfrm>
+            <a:off x="4629150" y="1205549"/>
+            <a:ext cx="4295645" cy="4446905"/>
+          </a:xfrm>
+        </p:spPr>
+        <p:txBody>
+          <a:bodyPr/>
+          <a:lstStyle/>
+          <a:p>
+            <a:pPr lvl="0"/>
+            <a:r>
+              <a:rPr lang="en-US" dirty="0"/>
+              <a:t>Click to edit Master text styles</a:t>
+            </a:r>
+          </a:p>
+          <a:p>
+            <a:pPr lvl="1"/>
+            <a:r>
+              <a:rPr lang="en-US" dirty="0"/>
+              <a:t>Second level</a:t>
+            </a:r>
+          </a:p>
+          <a:p>
+            <a:pPr lvl="2"/>
+            <a:r>
+              <a:rPr lang="en-US" dirty="0"/>
+              <a:t>Third level</a:t>
+            </a:r>
+          </a:p>
+          <a:p>
+            <a:pPr lvl="3"/>
+            <a:r>
+              <a:rPr lang="en-US" dirty="0"/>
+              <a:t>Fourth level</a:t>
+            </a:r>
+          </a:p>
+          <a:p>
+            <a:pPr lvl="4"/>
+            <a:r>
+              <a:rPr lang="en-US" dirty="0"/>
+              <a:t>Fifth level</a:t>
+            </a:r>
+          </a:p>
+        </p:txBody>
+      </p:sp>
+      <p:sp>
+        <p:nvSpPr>
+          <p:cNvPr id="3" name="Text Placeholder 2">
+            <a:extLst>
+              <a:ext uri="{FF2B5EF4-FFF2-40B4-BE49-F238E27FC236}">
+                <a16:creationId xmlns:a16="http://schemas.microsoft.com/office/drawing/2014/main" id="{B6810FF5-0B9C-4441-B73D-B10146FB8996}"/>
+              </a:ext>
+            </a:extLst>
+          </p:cNvPr>
+          <p:cNvSpPr>
+            <a:spLocks noGrp="1"/>
+          </p:cNvSpPr>
+          <p:nvPr>
+            <p:ph type="body" sz="quarter" idx="13"/>
+          </p:nvPr>
+        </p:nvSpPr>
+        <p:spPr>
+          <a:xfrm>
+            <a:off x="188119" y="5781584"/>
+            <a:ext cx="4326731" cy="445634"/>
+          </a:xfrm>
+        </p:spPr>
+        <p:txBody>
+          <a:bodyPr/>
+          <a:lstStyle>
+            <a:lvl1pPr marL="0" indent="0">
+              <a:buFont typeface="Arial" panose="020B0604020202020204" pitchFamily="34" charset="0"/>
+              <a:buNone/>
+              <a:defRPr sz="900"/>
+            </a:lvl1pPr>
+            <a:lvl2pPr marL="342900" indent="0">
+              <a:buFont typeface="Arial" panose="020B0604020202020204" pitchFamily="34" charset="0"/>
+              <a:buNone/>
+              <a:defRPr sz="825"/>
+            </a:lvl2pPr>
+            <a:lvl3pPr marL="685800" indent="0">
+              <a:buFont typeface="Arial" panose="020B0604020202020204" pitchFamily="34" charset="0"/>
+              <a:buNone/>
+              <a:defRPr sz="788"/>
+            </a:lvl3pPr>
+            <a:lvl4pPr marL="1028700" indent="0">
+              <a:buFont typeface="Arial" panose="020B0604020202020204" pitchFamily="34" charset="0"/>
+              <a:buNone/>
+              <a:defRPr sz="750"/>
+            </a:lvl4pPr>
+            <a:lvl5pPr marL="1371600" indent="0">
+              <a:buFont typeface="Arial" panose="020B0604020202020204" pitchFamily="34" charset="0"/>
+              <a:buNone/>
+              <a:defRPr sz="750"/>
+            </a:lvl5pPr>
+          </a:lstStyle>
+          <a:p>
+            <a:pPr lvl="0"/>
+            <a:r>
+              <a:rPr lang="en-US" dirty="0"/>
+              <a:t>Click to edit Master text styles</a:t>
+            </a:r>
+          </a:p>
+          <a:p>
+            <a:pPr lvl="1"/>
+            <a:r>
+              <a:rPr lang="en-US" dirty="0"/>
+              <a:t>Second level</a:t>
+            </a:r>
+          </a:p>
+          <a:p>
+            <a:pPr lvl="2"/>
+            <a:r>
+              <a:rPr lang="en-US" dirty="0"/>
+              <a:t>Third level</a:t>
+            </a:r>
+          </a:p>
+          <a:p>
+            <a:pPr lvl="3"/>
+            <a:r>
+              <a:rPr lang="en-US" dirty="0"/>
+              <a:t>Fourth level</a:t>
+            </a:r>
+          </a:p>
+          <a:p>
+            <a:pPr lvl="4"/>
+            <a:r>
+              <a:rPr lang="en-US" dirty="0"/>
+              <a:t>Fifth level</a:t>
+            </a:r>
+            <a:endParaRPr lang="en-CH" dirty="0"/>
+          </a:p>
+        </p:txBody>
+      </p:sp>
+      <p:sp>
+        <p:nvSpPr>
+          <p:cNvPr id="4" name="Text Placeholder 3">
+            <a:extLst>
+              <a:ext uri="{FF2B5EF4-FFF2-40B4-BE49-F238E27FC236}">
+                <a16:creationId xmlns:a16="http://schemas.microsoft.com/office/drawing/2014/main" id="{EF8CA0C6-2B85-43B4-92F5-635817B1E191}"/>
+              </a:ext>
+            </a:extLst>
+          </p:cNvPr>
+          <p:cNvSpPr>
+            <a:spLocks noGrp="1"/>
+          </p:cNvSpPr>
+          <p:nvPr>
+            <p:ph type="body" sz="quarter" idx="14"/>
+          </p:nvPr>
+        </p:nvSpPr>
+        <p:spPr>
+          <a:xfrm>
+            <a:off x="4629150" y="5781675"/>
+            <a:ext cx="4295775" cy="446088"/>
+          </a:xfrm>
+        </p:spPr>
+        <p:txBody>
+          <a:bodyPr>
+            <a:noAutofit/>
+          </a:bodyPr>
+          <a:lstStyle>
+            <a:lvl1pPr marL="0" indent="0">
+              <a:buFontTx/>
+              <a:buNone/>
+              <a:defRPr sz="900"/>
+            </a:lvl1pPr>
+            <a:lvl2pPr marL="342900" indent="0">
+              <a:buFontTx/>
+              <a:buNone/>
+              <a:defRPr sz="825"/>
+            </a:lvl2pPr>
+            <a:lvl3pPr marL="685800" indent="0">
+              <a:buFontTx/>
+              <a:buNone/>
+              <a:defRPr sz="788"/>
+            </a:lvl3pPr>
+            <a:lvl4pPr marL="1028700" indent="0">
+              <a:buFontTx/>
+              <a:buNone/>
+              <a:defRPr sz="750"/>
+            </a:lvl4pPr>
+            <a:lvl5pPr marL="1371600" indent="0">
+              <a:buFontTx/>
+              <a:buNone/>
+              <a:defRPr sz="750"/>
+            </a:lvl5pPr>
+          </a:lstStyle>
+          <a:p>
+            <a:pPr lvl="0"/>
+            <a:r>
+              <a:rPr lang="en-US" dirty="0"/>
+              <a:t>Click to edit Master text styles</a:t>
+            </a:r>
+          </a:p>
+          <a:p>
+            <a:pPr lvl="1"/>
+            <a:r>
+              <a:rPr lang="en-US" dirty="0"/>
+              <a:t>Second level</a:t>
+            </a:r>
+          </a:p>
+          <a:p>
+            <a:pPr lvl="2"/>
+            <a:r>
+              <a:rPr lang="en-US" dirty="0"/>
+              <a:t>Third level</a:t>
+            </a:r>
+          </a:p>
+          <a:p>
+            <a:pPr lvl="3"/>
+            <a:r>
+              <a:rPr lang="en-US" dirty="0"/>
+              <a:t>Fourth level</a:t>
+            </a:r>
+          </a:p>
+          <a:p>
+            <a:pPr lvl="4"/>
+            <a:r>
+              <a:rPr lang="en-US" dirty="0"/>
+              <a:t>Fifth level</a:t>
+            </a:r>
+            <a:endParaRPr lang="en-CH" dirty="0"/>
+          </a:p>
+        </p:txBody>
+      </p:sp>
+    </p:spTree>
+    <p:extLst>
+      <p:ext uri="{BB962C8B-B14F-4D97-AF65-F5344CB8AC3E}">
+        <p14:creationId xmlns:p14="http://schemas.microsoft.com/office/powerpoint/2010/main" val="1216857061"/>
+      </p:ext>
+    </p:extLst>
+  </p:cSld>
+  <p:clrMapOvr>
+    <a:masterClrMapping/>
+  </p:clrMapOvr>
+</p:sldLayout>
+</file>
+
+<file path=ppt/slideLayouts/slideLayout11.xml><?xml version="1.0" encoding="utf-8"?>
+<p:sldLayout xmlns:a="http://schemas.openxmlformats.org/drawingml/2006/main" xmlns:r="http://schemas.openxmlformats.org/officeDocument/2006/relationships" xmlns:p="http://schemas.openxmlformats.org/presentationml/2006/main" type="twoTxTwoObj" preserve="1">
+  <p:cSld name="Comparison">
+    <p:spTree>
+      <p:nvGrpSpPr>
+        <p:cNvPr id="1" name=""/>
+        <p:cNvGrpSpPr/>
+        <p:nvPr/>
+      </p:nvGrpSpPr>
+      <p:grpSpPr>
+        <a:xfrm>
+          <a:off x="0" y="0"/>
+          <a:ext cx="0" cy="0"/>
+          <a:chOff x="0" y="0"/>
+          <a:chExt cx="0" cy="0"/>
+        </a:xfrm>
+      </p:grpSpPr>
+      <p:sp>
+        <p:nvSpPr>
+          <p:cNvPr id="2" name="Title 1">
+            <a:extLst>
+              <a:ext uri="{FF2B5EF4-FFF2-40B4-BE49-F238E27FC236}">
+                <a16:creationId xmlns:a16="http://schemas.microsoft.com/office/drawing/2014/main" id="{DDCEEDBF-B9EE-46CF-A2B0-8EE3479EFD83}"/>
+              </a:ext>
+            </a:extLst>
+          </p:cNvPr>
+          <p:cNvSpPr>
+            <a:spLocks noGrp="1"/>
+          </p:cNvSpPr>
+          <p:nvPr>
+            <p:ph type="title"/>
+          </p:nvPr>
+        </p:nvSpPr>
+        <p:spPr>
+          <a:xfrm>
+            <a:off x="629841" y="365126"/>
+            <a:ext cx="7886700" cy="1325563"/>
+          </a:xfrm>
+        </p:spPr>
+        <p:txBody>
+          <a:bodyPr/>
+          <a:lstStyle/>
+          <a:p>
+            <a:r>
+              <a:rPr lang="en-US"/>
+              <a:t>Click to edit Master title style</a:t>
+            </a:r>
+          </a:p>
+        </p:txBody>
+      </p:sp>
+      <p:sp>
+        <p:nvSpPr>
+          <p:cNvPr id="3" name="Text Placeholder 2">
+            <a:extLst>
+              <a:ext uri="{FF2B5EF4-FFF2-40B4-BE49-F238E27FC236}">
+                <a16:creationId xmlns:a16="http://schemas.microsoft.com/office/drawing/2014/main" id="{544AF6FB-AD6C-4882-81B0-96CE078AAFDE}"/>
+              </a:ext>
+            </a:extLst>
+          </p:cNvPr>
+          <p:cNvSpPr>
+            <a:spLocks noGrp="1"/>
+          </p:cNvSpPr>
+          <p:nvPr>
+            <p:ph type="body" idx="1"/>
+          </p:nvPr>
+        </p:nvSpPr>
+        <p:spPr>
+          <a:xfrm>
+            <a:off x="629842" y="1681163"/>
+            <a:ext cx="3868340" cy="823912"/>
+          </a:xfrm>
+        </p:spPr>
+        <p:txBody>
+          <a:bodyPr anchor="b"/>
+          <a:lstStyle>
+            <a:lvl1pPr marL="0" indent="0">
+              <a:buNone/>
+              <a:defRPr sz="1800" b="1"/>
+            </a:lvl1pPr>
+            <a:lvl2pPr marL="342900" indent="0">
+              <a:buNone/>
+              <a:defRPr sz="1500" b="1"/>
+            </a:lvl2pPr>
+            <a:lvl3pPr marL="685800" indent="0">
+              <a:buNone/>
+              <a:defRPr sz="1350" b="1"/>
+            </a:lvl3pPr>
+            <a:lvl4pPr marL="1028700" indent="0">
+              <a:buNone/>
+              <a:defRPr sz="1200" b="1"/>
+            </a:lvl4pPr>
+            <a:lvl5pPr marL="1371600" indent="0">
+              <a:buNone/>
+              <a:defRPr sz="1200" b="1"/>
+            </a:lvl5pPr>
+            <a:lvl6pPr marL="1714500" indent="0">
+              <a:buNone/>
+              <a:defRPr sz="1200" b="1"/>
+            </a:lvl6pPr>
+            <a:lvl7pPr marL="2057400" indent="0">
+              <a:buNone/>
+              <a:defRPr sz="1200" b="1"/>
+            </a:lvl7pPr>
+            <a:lvl8pPr marL="2400300" indent="0">
+              <a:buNone/>
+              <a:defRPr sz="1200" b="1"/>
+            </a:lvl8pPr>
+            <a:lvl9pPr marL="2743200" indent="0">
+              <a:buNone/>
+              <a:defRPr sz="1200" b="1"/>
+            </a:lvl9pPr>
+          </a:lstStyle>
+          <a:p>
+            <a:pPr lvl="0"/>
+            <a:r>
+              <a:rPr lang="en-US"/>
+              <a:t>Click to edit Master text styles</a:t>
+            </a:r>
+          </a:p>
+        </p:txBody>
+      </p:sp>
+      <p:sp>
+        <p:nvSpPr>
+          <p:cNvPr id="4" name="Content Placeholder 3">
+            <a:extLst>
+              <a:ext uri="{FF2B5EF4-FFF2-40B4-BE49-F238E27FC236}">
+                <a16:creationId xmlns:a16="http://schemas.microsoft.com/office/drawing/2014/main" id="{1533832D-5B97-457A-BE16-A272372A4631}"/>
+              </a:ext>
+            </a:extLst>
+          </p:cNvPr>
+          <p:cNvSpPr>
+            <a:spLocks noGrp="1"/>
+          </p:cNvSpPr>
+          <p:nvPr>
+            <p:ph sz="half" idx="2"/>
+          </p:nvPr>
+        </p:nvSpPr>
+        <p:spPr>
+          <a:xfrm>
+            <a:off x="629842" y="2505075"/>
+            <a:ext cx="3868340" cy="3684588"/>
+          </a:xfrm>
+        </p:spPr>
+        <p:txBody>
+          <a:bodyPr/>
+          <a:lstStyle/>
+          <a:p>
+            <a:pPr lvl="0"/>
+            <a:r>
+              <a:rPr lang="en-US"/>
+              <a:t>Click to edit Master text styles</a:t>
+            </a:r>
+          </a:p>
+          <a:p>
+            <a:pPr lvl="1"/>
+            <a:r>
+              <a:rPr lang="en-US"/>
+              <a:t>Second level</a:t>
+            </a:r>
+          </a:p>
+          <a:p>
+            <a:pPr lvl="2"/>
+            <a:r>
+              <a:rPr lang="en-US"/>
+              <a:t>Third level</a:t>
+            </a:r>
+          </a:p>
+          <a:p>
+            <a:pPr lvl="3"/>
+            <a:r>
+              <a:rPr lang="en-US"/>
+              <a:t>Fourth level</a:t>
+            </a:r>
+          </a:p>
+          <a:p>
+            <a:pPr lvl="4"/>
+            <a:r>
+              <a:rPr lang="en-US"/>
+              <a:t>Fifth level</a:t>
+            </a:r>
+          </a:p>
+        </p:txBody>
+      </p:sp>
+      <p:sp>
+        <p:nvSpPr>
+          <p:cNvPr id="5" name="Text Placeholder 4">
+            <a:extLst>
+              <a:ext uri="{FF2B5EF4-FFF2-40B4-BE49-F238E27FC236}">
+                <a16:creationId xmlns:a16="http://schemas.microsoft.com/office/drawing/2014/main" id="{EB0BE55C-A71C-4022-9131-15FEDC116784}"/>
+              </a:ext>
+            </a:extLst>
+          </p:cNvPr>
+          <p:cNvSpPr>
+            <a:spLocks noGrp="1"/>
+          </p:cNvSpPr>
+          <p:nvPr>
+            <p:ph type="body" sz="quarter" idx="3"/>
+          </p:nvPr>
+        </p:nvSpPr>
+        <p:spPr>
+          <a:xfrm>
+            <a:off x="4629150" y="1681163"/>
+            <a:ext cx="3887391" cy="823912"/>
+          </a:xfrm>
+        </p:spPr>
+        <p:txBody>
+          <a:bodyPr anchor="b"/>
+          <a:lstStyle>
+            <a:lvl1pPr marL="0" indent="0">
+              <a:buNone/>
+              <a:defRPr sz="1800" b="1"/>
+            </a:lvl1pPr>
+            <a:lvl2pPr marL="342900" indent="0">
+              <a:buNone/>
+              <a:defRPr sz="1500" b="1"/>
+            </a:lvl2pPr>
+            <a:lvl3pPr marL="685800" indent="0">
+              <a:buNone/>
+              <a:defRPr sz="1350" b="1"/>
+            </a:lvl3pPr>
+            <a:lvl4pPr marL="1028700" indent="0">
+              <a:buNone/>
+              <a:defRPr sz="1200" b="1"/>
+            </a:lvl4pPr>
+            <a:lvl5pPr marL="1371600" indent="0">
+              <a:buNone/>
+              <a:defRPr sz="1200" b="1"/>
+            </a:lvl5pPr>
+            <a:lvl6pPr marL="1714500" indent="0">
+              <a:buNone/>
+              <a:defRPr sz="1200" b="1"/>
+            </a:lvl6pPr>
+            <a:lvl7pPr marL="2057400" indent="0">
+              <a:buNone/>
+              <a:defRPr sz="1200" b="1"/>
+            </a:lvl7pPr>
+            <a:lvl8pPr marL="2400300" indent="0">
+              <a:buNone/>
+              <a:defRPr sz="1200" b="1"/>
+            </a:lvl8pPr>
+            <a:lvl9pPr marL="2743200" indent="0">
+              <a:buNone/>
+              <a:defRPr sz="1200" b="1"/>
+            </a:lvl9pPr>
+          </a:lstStyle>
+          <a:p>
+            <a:pPr lvl="0"/>
+            <a:r>
+              <a:rPr lang="en-US"/>
+              <a:t>Click to edit Master text styles</a:t>
+            </a:r>
+          </a:p>
+        </p:txBody>
+      </p:sp>
+      <p:sp>
+        <p:nvSpPr>
+          <p:cNvPr id="6" name="Content Placeholder 5">
+            <a:extLst>
+              <a:ext uri="{FF2B5EF4-FFF2-40B4-BE49-F238E27FC236}">
+                <a16:creationId xmlns:a16="http://schemas.microsoft.com/office/drawing/2014/main" id="{B42F743A-257A-4CB8-B95B-5C988CC62C5F}"/>
+              </a:ext>
+            </a:extLst>
+          </p:cNvPr>
+          <p:cNvSpPr>
+            <a:spLocks noGrp="1"/>
+          </p:cNvSpPr>
+          <p:nvPr>
+            <p:ph sz="quarter" idx="4"/>
+          </p:nvPr>
+        </p:nvSpPr>
+        <p:spPr>
+          <a:xfrm>
+            <a:off x="4629150" y="2505075"/>
+            <a:ext cx="3887391" cy="3684588"/>
+          </a:xfrm>
+        </p:spPr>
+        <p:txBody>
+          <a:bodyPr/>
+          <a:lstStyle/>
+          <a:p>
+            <a:pPr lvl="0"/>
+            <a:r>
+              <a:rPr lang="en-US"/>
+              <a:t>Click to edit Master text styles</a:t>
+            </a:r>
+          </a:p>
+          <a:p>
+            <a:pPr lvl="1"/>
+            <a:r>
+              <a:rPr lang="en-US"/>
+              <a:t>Second level</a:t>
+            </a:r>
+          </a:p>
+          <a:p>
+            <a:pPr lvl="2"/>
+            <a:r>
+              <a:rPr lang="en-US"/>
+              <a:t>Third level</a:t>
+            </a:r>
+          </a:p>
+          <a:p>
+            <a:pPr lvl="3"/>
+            <a:r>
+              <a:rPr lang="en-US"/>
+              <a:t>Fourth level</a:t>
+            </a:r>
+          </a:p>
+          <a:p>
+            <a:pPr lvl="4"/>
+            <a:r>
+              <a:rPr lang="en-US"/>
+              <a:t>Fifth level</a:t>
+            </a:r>
+          </a:p>
+        </p:txBody>
+      </p:sp>
+      <p:sp>
+        <p:nvSpPr>
+          <p:cNvPr id="7" name="Date Placeholder 6">
+            <a:extLst>
+              <a:ext uri="{FF2B5EF4-FFF2-40B4-BE49-F238E27FC236}">
+                <a16:creationId xmlns:a16="http://schemas.microsoft.com/office/drawing/2014/main" id="{D25E529E-3A21-43D7-BDFA-A5A848AC67B7}"/>
+              </a:ext>
+            </a:extLst>
+          </p:cNvPr>
+          <p:cNvSpPr>
+            <a:spLocks noGrp="1"/>
+          </p:cNvSpPr>
+          <p:nvPr>
+            <p:ph type="dt" sz="half" idx="10"/>
+          </p:nvPr>
+        </p:nvSpPr>
+        <p:spPr>
+          <a:xfrm>
+            <a:off x="692434" y="6356350"/>
+            <a:ext cx="1174141" cy="365125"/>
+          </a:xfrm>
+          <a:prstGeom prst="rect">
+            <a:avLst/>
+          </a:prstGeom>
+        </p:spPr>
+        <p:txBody>
+          <a:bodyPr/>
+          <a:lstStyle/>
+          <a:p>
+            <a:fld id="{50B48069-9BF5-4AAA-976B-ABC4BE64C868}" type="datetime1">
+              <a:rPr lang="en-US" smtClean="0"/>
+              <a:t>1/11/2021</a:t>
+            </a:fld>
+            <a:endParaRPr lang="en-US"/>
+          </a:p>
+        </p:txBody>
+      </p:sp>
+      <p:sp>
+        <p:nvSpPr>
+          <p:cNvPr id="8" name="Footer Placeholder 7">
+            <a:extLst>
+              <a:ext uri="{FF2B5EF4-FFF2-40B4-BE49-F238E27FC236}">
+                <a16:creationId xmlns:a16="http://schemas.microsoft.com/office/drawing/2014/main" id="{E8A1AC98-0217-4FDD-B158-1F74B7A158CE}"/>
+              </a:ext>
+            </a:extLst>
+          </p:cNvPr>
+          <p:cNvSpPr>
+            <a:spLocks noGrp="1"/>
+          </p:cNvSpPr>
+          <p:nvPr>
+            <p:ph type="ftr" sz="quarter" idx="11"/>
+          </p:nvPr>
+        </p:nvSpPr>
+        <p:spPr/>
+        <p:txBody>
+          <a:bodyPr/>
+          <a:lstStyle/>
+          <a:p>
+            <a:endParaRPr lang="en-US"/>
+          </a:p>
+        </p:txBody>
+      </p:sp>
+      <p:sp>
+        <p:nvSpPr>
+          <p:cNvPr id="9" name="Slide Number Placeholder 8">
+            <a:extLst>
+              <a:ext uri="{FF2B5EF4-FFF2-40B4-BE49-F238E27FC236}">
+                <a16:creationId xmlns:a16="http://schemas.microsoft.com/office/drawing/2014/main" id="{38112B28-E129-463E-A880-BAB46D30BA21}"/>
+              </a:ext>
+            </a:extLst>
+          </p:cNvPr>
+          <p:cNvSpPr>
+            <a:spLocks noGrp="1"/>
+          </p:cNvSpPr>
+          <p:nvPr>
+            <p:ph type="sldNum" sz="quarter" idx="12"/>
+          </p:nvPr>
+        </p:nvSpPr>
+        <p:spPr/>
+        <p:txBody>
+          <a:bodyPr/>
+          <a:lstStyle/>
+          <a:p>
+            <a:fld id="{C064A79B-B315-413E-88BB-EFE0B5D603D0}" type="slidenum">
+              <a:rPr lang="en-US" smtClean="0"/>
+              <a:t>‹#›</a:t>
+            </a:fld>
+            <a:endParaRPr lang="en-US"/>
+          </a:p>
+        </p:txBody>
+      </p:sp>
+    </p:spTree>
+    <p:extLst>
+      <p:ext uri="{BB962C8B-B14F-4D97-AF65-F5344CB8AC3E}">
+        <p14:creationId xmlns:p14="http://schemas.microsoft.com/office/powerpoint/2010/main" val="3298881254"/>
+      </p:ext>
+    </p:extLst>
+  </p:cSld>
+  <p:clrMapOvr>
+    <a:masterClrMapping/>
+  </p:clrMapOvr>
+</p:sldLayout>
+</file>
+
+<file path=ppt/slideLayouts/slideLayout12.xml><?xml version="1.0" encoding="utf-8"?>
 <p:sldLayout xmlns:a="http://schemas.openxmlformats.org/drawingml/2006/main" xmlns:r="http://schemas.openxmlformats.org/officeDocument/2006/relationships" xmlns:p="http://schemas.openxmlformats.org/presentationml/2006/main" type="titleOnly" preserve="1">
   <p:cSld name="Title Only">
     <p:spTree>
@@ -1059,7 +1952,7 @@
 </p:sldLayout>
 </file>
 
-<file path=ppt/slideLayouts/slideLayout11.xml><?xml version="1.0" encoding="utf-8"?>
+<file path=ppt/slideLayouts/slideLayout13.xml><?xml version="1.0" encoding="utf-8"?>
 <p:sldLayout xmlns:a="http://schemas.openxmlformats.org/drawingml/2006/main" xmlns:r="http://schemas.openxmlformats.org/officeDocument/2006/relationships" xmlns:p="http://schemas.openxmlformats.org/presentationml/2006/main" type="blank" preserve="1">
   <p:cSld name="Blank">
     <p:spTree>
@@ -1180,7 +2073,7 @@
 </p:sldLayout>
 </file>
 
-<file path=ppt/slideLayouts/slideLayout12.xml><?xml version="1.0" encoding="utf-8"?>
+<file path=ppt/slideLayouts/slideLayout14.xml><?xml version="1.0" encoding="utf-8"?>
 <p:sldLayout xmlns:a="http://schemas.openxmlformats.org/drawingml/2006/main" xmlns:r="http://schemas.openxmlformats.org/officeDocument/2006/relationships" xmlns:p="http://schemas.openxmlformats.org/presentationml/2006/main" type="objTx" preserve="1">
   <p:cSld name="Content with Caption">
     <p:spTree>
@@ -1290,35 +2183,35 @@
           <a:p>
             <a:pPr lvl="0"/>
             <a:r>
-              <a:rPr lang="en-US"/>
+              <a:rPr lang="en-US" dirty="0"/>
               <a:t>Click to edit Master text styles</a:t>
             </a:r>
           </a:p>
           <a:p>
             <a:pPr lvl="1"/>
             <a:r>
-              <a:rPr lang="en-US"/>
+              <a:rPr lang="en-US" dirty="0"/>
               <a:t>Second level</a:t>
             </a:r>
           </a:p>
           <a:p>
             <a:pPr lvl="2"/>
             <a:r>
-              <a:rPr lang="en-US"/>
+              <a:rPr lang="en-US" dirty="0"/>
               <a:t>Third level</a:t>
             </a:r>
           </a:p>
           <a:p>
             <a:pPr lvl="3"/>
             <a:r>
-              <a:rPr lang="en-US"/>
+              <a:rPr lang="en-US" dirty="0"/>
               <a:t>Fourth level</a:t>
             </a:r>
           </a:p>
           <a:p>
             <a:pPr lvl="4"/>
             <a:r>
-              <a:rPr lang="en-US"/>
+              <a:rPr lang="en-US" dirty="0"/>
               <a:t>Fifth level</a:t>
             </a:r>
           </a:p>
@@ -1499,7 +2392,7 @@
 </p:sldLayout>
 </file>
 
-<file path=ppt/slideLayouts/slideLayout13.xml><?xml version="1.0" encoding="utf-8"?>
+<file path=ppt/slideLayouts/slideLayout15.xml><?xml version="1.0" encoding="utf-8"?>
 <p:sldLayout xmlns:a="http://schemas.openxmlformats.org/drawingml/2006/main" xmlns:r="http://schemas.openxmlformats.org/officeDocument/2006/relationships" xmlns:p="http://schemas.openxmlformats.org/presentationml/2006/main" type="picTx" preserve="1">
   <p:cSld name="Picture with Caption">
     <p:spTree>
@@ -1616,7 +2509,7 @@
             </a:lvl9pPr>
           </a:lstStyle>
           <a:p>
-            <a:endParaRPr lang="en-US"/>
+            <a:endParaRPr lang="en-US" dirty="0"/>
           </a:p>
         </p:txBody>
       </p:sp>
@@ -1795,7 +2688,7 @@
 </p:sldLayout>
 </file>
 
-<file path=ppt/slideLayouts/slideLayout14.xml><?xml version="1.0" encoding="utf-8"?>
+<file path=ppt/slideLayouts/slideLayout16.xml><?xml version="1.0" encoding="utf-8"?>
 <p:sldLayout xmlns:a="http://schemas.openxmlformats.org/drawingml/2006/main" xmlns:r="http://schemas.openxmlformats.org/officeDocument/2006/relationships" xmlns:p="http://schemas.openxmlformats.org/presentationml/2006/main" type="vertTx" preserve="1">
   <p:cSld name="Title and Vertical Text">
     <p:spTree>
@@ -2001,7 +2894,7 @@
 </p:sldLayout>
 </file>
 
-<file path=ppt/slideLayouts/slideLayout15.xml><?xml version="1.0" encoding="utf-8"?>
+<file path=ppt/slideLayouts/slideLayout17.xml><?xml version="1.0" encoding="utf-8"?>
 <p:sldLayout xmlns:a="http://schemas.openxmlformats.org/drawingml/2006/main" xmlns:r="http://schemas.openxmlformats.org/officeDocument/2006/relationships" xmlns:p="http://schemas.openxmlformats.org/presentationml/2006/main" type="vertTitleAndTx" preserve="1">
   <p:cSld name="Vertical Title and Text">
     <p:spTree>
@@ -2290,35 +3183,35 @@
           <a:p>
             <a:pPr lvl="0"/>
             <a:r>
-              <a:rPr lang="en-US"/>
+              <a:rPr lang="en-US" dirty="0"/>
               <a:t>Click to edit Master text styles</a:t>
             </a:r>
           </a:p>
           <a:p>
             <a:pPr lvl="1"/>
             <a:r>
-              <a:rPr lang="en-US"/>
+              <a:rPr lang="en-US" dirty="0"/>
               <a:t>Second level</a:t>
             </a:r>
           </a:p>
           <a:p>
             <a:pPr lvl="2"/>
             <a:r>
-              <a:rPr lang="en-US"/>
+              <a:rPr lang="en-US" dirty="0"/>
               <a:t>Third level</a:t>
             </a:r>
           </a:p>
           <a:p>
             <a:pPr lvl="3"/>
             <a:r>
-              <a:rPr lang="en-US"/>
+              <a:rPr lang="en-US" dirty="0"/>
               <a:t>Fourth level</a:t>
             </a:r>
           </a:p>
           <a:p>
             <a:pPr lvl="4"/>
             <a:r>
-              <a:rPr lang="en-US"/>
+              <a:rPr lang="en-US" dirty="0"/>
               <a:t>Fifth level</a:t>
             </a:r>
           </a:p>
@@ -2429,6 +3322,264 @@
 </file>
 
 <file path=ppt/slideLayouts/slideLayout3.xml><?xml version="1.0" encoding="utf-8"?>
+<p:sldLayout xmlns:a="http://schemas.openxmlformats.org/drawingml/2006/main" xmlns:r="http://schemas.openxmlformats.org/officeDocument/2006/relationships" xmlns:p="http://schemas.openxmlformats.org/presentationml/2006/main" type="obj" preserve="1">
+  <p:cSld name="Title and Content Wide">
+    <p:spTree>
+      <p:nvGrpSpPr>
+        <p:cNvPr id="1" name=""/>
+        <p:cNvGrpSpPr/>
+        <p:nvPr/>
+      </p:nvGrpSpPr>
+      <p:grpSpPr>
+        <a:xfrm>
+          <a:off x="0" y="0"/>
+          <a:ext cx="0" cy="0"/>
+          <a:chOff x="0" y="0"/>
+          <a:chExt cx="0" cy="0"/>
+        </a:xfrm>
+      </p:grpSpPr>
+      <p:sp>
+        <p:nvSpPr>
+          <p:cNvPr id="2" name="Title 1">
+            <a:extLst>
+              <a:ext uri="{FF2B5EF4-FFF2-40B4-BE49-F238E27FC236}">
+                <a16:creationId xmlns:a16="http://schemas.microsoft.com/office/drawing/2014/main" id="{4905F3F5-CD26-4383-BCD3-A8D434E2D639}"/>
+              </a:ext>
+            </a:extLst>
+          </p:cNvPr>
+          <p:cNvSpPr>
+            <a:spLocks noGrp="1"/>
+          </p:cNvSpPr>
+          <p:nvPr>
+            <p:ph type="title"/>
+          </p:nvPr>
+        </p:nvSpPr>
+        <p:spPr>
+          <a:xfrm>
+            <a:off x="0" y="1"/>
+            <a:ext cx="3475892" cy="6857999"/>
+          </a:xfrm>
+        </p:spPr>
+        <p:txBody>
+          <a:bodyPr/>
+          <a:lstStyle>
+            <a:lvl1pPr>
+              <a:defRPr sz="3200"/>
+            </a:lvl1pPr>
+          </a:lstStyle>
+          <a:p>
+            <a:r>
+              <a:rPr lang="en-US" dirty="0"/>
+              <a:t>Click to edit Master title style</a:t>
+            </a:r>
+          </a:p>
+        </p:txBody>
+      </p:sp>
+      <p:sp>
+        <p:nvSpPr>
+          <p:cNvPr id="3" name="Content Placeholder 2">
+            <a:extLst>
+              <a:ext uri="{FF2B5EF4-FFF2-40B4-BE49-F238E27FC236}">
+                <a16:creationId xmlns:a16="http://schemas.microsoft.com/office/drawing/2014/main" id="{3FBC0A59-A7F8-4091-BC22-97B46458BECE}"/>
+              </a:ext>
+            </a:extLst>
+          </p:cNvPr>
+          <p:cNvSpPr>
+            <a:spLocks noGrp="1"/>
+          </p:cNvSpPr>
+          <p:nvPr>
+            <p:ph idx="1"/>
+          </p:nvPr>
+        </p:nvSpPr>
+        <p:spPr>
+          <a:xfrm>
+            <a:off x="3563815" y="234462"/>
+            <a:ext cx="5360981" cy="5942501"/>
+          </a:xfrm>
+        </p:spPr>
+        <p:txBody>
+          <a:bodyPr/>
+          <a:lstStyle/>
+          <a:p>
+            <a:pPr lvl="0"/>
+            <a:r>
+              <a:rPr lang="en-US" dirty="0"/>
+              <a:t>Click to edit Master text styles</a:t>
+            </a:r>
+          </a:p>
+          <a:p>
+            <a:pPr lvl="1"/>
+            <a:r>
+              <a:rPr lang="en-US" dirty="0"/>
+              <a:t>Second level</a:t>
+            </a:r>
+          </a:p>
+          <a:p>
+            <a:pPr lvl="2"/>
+            <a:r>
+              <a:rPr lang="en-US" dirty="0"/>
+              <a:t>Third level</a:t>
+            </a:r>
+          </a:p>
+          <a:p>
+            <a:pPr lvl="3"/>
+            <a:r>
+              <a:rPr lang="en-US" dirty="0"/>
+              <a:t>Fourth level</a:t>
+            </a:r>
+          </a:p>
+          <a:p>
+            <a:pPr lvl="4"/>
+            <a:r>
+              <a:rPr lang="en-US" dirty="0"/>
+              <a:t>Fifth level</a:t>
+            </a:r>
+          </a:p>
+        </p:txBody>
+      </p:sp>
+      <p:sp>
+        <p:nvSpPr>
+          <p:cNvPr id="4" name="Date Placeholder 3">
+            <a:extLst>
+              <a:ext uri="{FF2B5EF4-FFF2-40B4-BE49-F238E27FC236}">
+                <a16:creationId xmlns:a16="http://schemas.microsoft.com/office/drawing/2014/main" id="{5E4D15F2-B97A-4D46-A56B-AACA64275B31}"/>
+              </a:ext>
+            </a:extLst>
+          </p:cNvPr>
+          <p:cNvSpPr>
+            <a:spLocks noGrp="1"/>
+          </p:cNvSpPr>
+          <p:nvPr>
+            <p:ph type="dt" sz="half" idx="10"/>
+          </p:nvPr>
+        </p:nvSpPr>
+        <p:spPr>
+          <a:xfrm>
+            <a:off x="692434" y="6356350"/>
+            <a:ext cx="866735" cy="365125"/>
+          </a:xfrm>
+          <a:prstGeom prst="rect">
+            <a:avLst/>
+          </a:prstGeom>
+        </p:spPr>
+        <p:txBody>
+          <a:bodyPr/>
+          <a:lstStyle/>
+          <a:p>
+            <a:fld id="{4A448851-F1FF-4B89-82AB-47C2886C2712}" type="datetime1">
+              <a:rPr lang="en-US" smtClean="0"/>
+              <a:t>1/11/2021</a:t>
+            </a:fld>
+            <a:endParaRPr lang="en-US" dirty="0"/>
+          </a:p>
+        </p:txBody>
+      </p:sp>
+      <p:sp>
+        <p:nvSpPr>
+          <p:cNvPr id="5" name="Footer Placeholder 4">
+            <a:extLst>
+              <a:ext uri="{FF2B5EF4-FFF2-40B4-BE49-F238E27FC236}">
+                <a16:creationId xmlns:a16="http://schemas.microsoft.com/office/drawing/2014/main" id="{EFDF8A97-3399-44D7-ACF7-3642988247E1}"/>
+              </a:ext>
+            </a:extLst>
+          </p:cNvPr>
+          <p:cNvSpPr>
+            <a:spLocks noGrp="1"/>
+          </p:cNvSpPr>
+          <p:nvPr>
+            <p:ph type="ftr" sz="quarter" idx="11"/>
+          </p:nvPr>
+        </p:nvSpPr>
+        <p:spPr>
+          <a:xfrm>
+            <a:off x="3563815" y="6356349"/>
+            <a:ext cx="5360981" cy="365125"/>
+          </a:xfrm>
+          <a:solidFill>
+            <a:schemeClr val="bg1"/>
+          </a:solidFill>
+        </p:spPr>
+        <p:txBody>
+          <a:bodyPr/>
+          <a:lstStyle/>
+          <a:p>
+            <a:endParaRPr lang="en-US" dirty="0"/>
+          </a:p>
+        </p:txBody>
+      </p:sp>
+      <p:sp>
+        <p:nvSpPr>
+          <p:cNvPr id="6" name="Slide Number Placeholder 5">
+            <a:extLst>
+              <a:ext uri="{FF2B5EF4-FFF2-40B4-BE49-F238E27FC236}">
+                <a16:creationId xmlns:a16="http://schemas.microsoft.com/office/drawing/2014/main" id="{BCBF6AC6-8F39-4227-B48E-79664419D365}"/>
+              </a:ext>
+            </a:extLst>
+          </p:cNvPr>
+          <p:cNvSpPr>
+            <a:spLocks noGrp="1"/>
+          </p:cNvSpPr>
+          <p:nvPr>
+            <p:ph type="sldNum" sz="quarter" idx="12"/>
+          </p:nvPr>
+        </p:nvSpPr>
+        <p:spPr/>
+        <p:txBody>
+          <a:bodyPr/>
+          <a:lstStyle/>
+          <a:p>
+            <a:fld id="{C064A79B-B315-413E-88BB-EFE0B5D603D0}" type="slidenum">
+              <a:rPr lang="en-US" smtClean="0"/>
+              <a:t>‹#›</a:t>
+            </a:fld>
+            <a:endParaRPr lang="en-US"/>
+          </a:p>
+        </p:txBody>
+      </p:sp>
+      <p:pic>
+        <p:nvPicPr>
+          <p:cNvPr id="7" name="Picture 6">
+            <a:extLst>
+              <a:ext uri="{FF2B5EF4-FFF2-40B4-BE49-F238E27FC236}">
+                <a16:creationId xmlns:a16="http://schemas.microsoft.com/office/drawing/2014/main" id="{9CC1B7E0-79E3-40AA-ABEB-48B3E6B3621C}"/>
+              </a:ext>
+            </a:extLst>
+          </p:cNvPr>
+          <p:cNvPicPr>
+            <a:picLocks noChangeAspect="1"/>
+          </p:cNvPicPr>
+          <p:nvPr userDrawn="1"/>
+        </p:nvPicPr>
+        <p:blipFill>
+          <a:blip r:embed="rId2"/>
+          <a:stretch>
+            <a:fillRect/>
+          </a:stretch>
+        </p:blipFill>
+        <p:spPr>
+          <a:xfrm>
+            <a:off x="1249776" y="6235154"/>
+            <a:ext cx="2280102" cy="755970"/>
+          </a:xfrm>
+          <a:prstGeom prst="rect">
+            <a:avLst/>
+          </a:prstGeom>
+        </p:spPr>
+      </p:pic>
+    </p:spTree>
+    <p:extLst>
+      <p:ext uri="{BB962C8B-B14F-4D97-AF65-F5344CB8AC3E}">
+        <p14:creationId xmlns:p14="http://schemas.microsoft.com/office/powerpoint/2010/main" val="1607737143"/>
+      </p:ext>
+    </p:extLst>
+  </p:cSld>
+  <p:clrMapOvr>
+    <a:masterClrMapping/>
+  </p:clrMapOvr>
+</p:sldLayout>
+</file>
+
+<file path=ppt/slideLayouts/slideLayout4.xml><?xml version="1.0" encoding="utf-8"?>
 <p:sldLayout xmlns:a="http://schemas.openxmlformats.org/drawingml/2006/main" xmlns:r="http://schemas.openxmlformats.org/officeDocument/2006/relationships" xmlns:p="http://schemas.openxmlformats.org/presentationml/2006/main" preserve="1" userDrawn="1">
   <p:cSld name="Title and Content and Caption">
     <p:spTree>
@@ -2506,35 +3657,35 @@
           <a:p>
             <a:pPr lvl="0"/>
             <a:r>
-              <a:rPr lang="en-US"/>
+              <a:rPr lang="en-US" dirty="0"/>
               <a:t>Click to edit Master text styles</a:t>
             </a:r>
           </a:p>
           <a:p>
             <a:pPr lvl="1"/>
             <a:r>
-              <a:rPr lang="en-US"/>
+              <a:rPr lang="en-US" dirty="0"/>
               <a:t>Second level</a:t>
             </a:r>
           </a:p>
           <a:p>
             <a:pPr lvl="2"/>
             <a:r>
-              <a:rPr lang="en-US"/>
+              <a:rPr lang="en-US" dirty="0"/>
               <a:t>Third level</a:t>
             </a:r>
           </a:p>
           <a:p>
             <a:pPr lvl="3"/>
             <a:r>
-              <a:rPr lang="en-US"/>
+              <a:rPr lang="en-US" dirty="0"/>
               <a:t>Fourth level</a:t>
             </a:r>
           </a:p>
           <a:p>
             <a:pPr lvl="4"/>
             <a:r>
-              <a:rPr lang="en-US"/>
+              <a:rPr lang="en-US" dirty="0"/>
               <a:t>Fifth level</a:t>
             </a:r>
           </a:p>
@@ -2730,7 +3881,351 @@
 </p:sldLayout>
 </file>
 
-<file path=ppt/slideLayouts/slideLayout4.xml><?xml version="1.0" encoding="utf-8"?>
+<file path=ppt/slideLayouts/slideLayout5.xml><?xml version="1.0" encoding="utf-8"?>
+<p:sldLayout xmlns:a="http://schemas.openxmlformats.org/drawingml/2006/main" xmlns:r="http://schemas.openxmlformats.org/officeDocument/2006/relationships" xmlns:p="http://schemas.openxmlformats.org/presentationml/2006/main" preserve="1" userDrawn="1">
+  <p:cSld name="Title and Content and Caption Wide">
+    <p:spTree>
+      <p:nvGrpSpPr>
+        <p:cNvPr id="1" name=""/>
+        <p:cNvGrpSpPr/>
+        <p:nvPr/>
+      </p:nvGrpSpPr>
+      <p:grpSpPr>
+        <a:xfrm>
+          <a:off x="0" y="0"/>
+          <a:ext cx="0" cy="0"/>
+          <a:chOff x="0" y="0"/>
+          <a:chExt cx="0" cy="0"/>
+        </a:xfrm>
+      </p:grpSpPr>
+      <p:sp>
+        <p:nvSpPr>
+          <p:cNvPr id="2" name="Title 1">
+            <a:extLst>
+              <a:ext uri="{FF2B5EF4-FFF2-40B4-BE49-F238E27FC236}">
+                <a16:creationId xmlns:a16="http://schemas.microsoft.com/office/drawing/2014/main" id="{4905F3F5-CD26-4383-BCD3-A8D434E2D639}"/>
+              </a:ext>
+            </a:extLst>
+          </p:cNvPr>
+          <p:cNvSpPr>
+            <a:spLocks noGrp="1"/>
+          </p:cNvSpPr>
+          <p:nvPr>
+            <p:ph type="title"/>
+          </p:nvPr>
+        </p:nvSpPr>
+        <p:spPr>
+          <a:xfrm>
+            <a:off x="0" y="1"/>
+            <a:ext cx="3477600" cy="6857999"/>
+          </a:xfrm>
+        </p:spPr>
+        <p:txBody>
+          <a:bodyPr/>
+          <a:lstStyle>
+            <a:lvl1pPr>
+              <a:defRPr sz="3200"/>
+            </a:lvl1pPr>
+          </a:lstStyle>
+          <a:p>
+            <a:r>
+              <a:rPr lang="en-US" dirty="0"/>
+              <a:t>Click to edit Master title style</a:t>
+            </a:r>
+          </a:p>
+        </p:txBody>
+      </p:sp>
+      <p:sp>
+        <p:nvSpPr>
+          <p:cNvPr id="3" name="Content Placeholder 2">
+            <a:extLst>
+              <a:ext uri="{FF2B5EF4-FFF2-40B4-BE49-F238E27FC236}">
+                <a16:creationId xmlns:a16="http://schemas.microsoft.com/office/drawing/2014/main" id="{3FBC0A59-A7F8-4091-BC22-97B46458BECE}"/>
+              </a:ext>
+            </a:extLst>
+          </p:cNvPr>
+          <p:cNvSpPr>
+            <a:spLocks noGrp="1"/>
+          </p:cNvSpPr>
+          <p:nvPr>
+            <p:ph idx="1"/>
+          </p:nvPr>
+        </p:nvSpPr>
+        <p:spPr>
+          <a:xfrm>
+            <a:off x="3564000" y="233999"/>
+            <a:ext cx="5360400" cy="5498586"/>
+          </a:xfrm>
+        </p:spPr>
+        <p:txBody>
+          <a:bodyPr/>
+          <a:lstStyle/>
+          <a:p>
+            <a:pPr lvl="0"/>
+            <a:r>
+              <a:rPr lang="en-US" dirty="0"/>
+              <a:t>Click to edit Master text styles</a:t>
+            </a:r>
+          </a:p>
+          <a:p>
+            <a:pPr lvl="1"/>
+            <a:r>
+              <a:rPr lang="en-US" dirty="0"/>
+              <a:t>Second level</a:t>
+            </a:r>
+          </a:p>
+          <a:p>
+            <a:pPr lvl="2"/>
+            <a:r>
+              <a:rPr lang="en-US" dirty="0"/>
+              <a:t>Third level</a:t>
+            </a:r>
+          </a:p>
+          <a:p>
+            <a:pPr lvl="3"/>
+            <a:r>
+              <a:rPr lang="en-US" dirty="0"/>
+              <a:t>Fourth level</a:t>
+            </a:r>
+          </a:p>
+          <a:p>
+            <a:pPr lvl="4"/>
+            <a:r>
+              <a:rPr lang="en-US" dirty="0"/>
+              <a:t>Fifth level</a:t>
+            </a:r>
+          </a:p>
+        </p:txBody>
+      </p:sp>
+      <p:sp>
+        <p:nvSpPr>
+          <p:cNvPr id="4" name="Date Placeholder 3">
+            <a:extLst>
+              <a:ext uri="{FF2B5EF4-FFF2-40B4-BE49-F238E27FC236}">
+                <a16:creationId xmlns:a16="http://schemas.microsoft.com/office/drawing/2014/main" id="{5E4D15F2-B97A-4D46-A56B-AACA64275B31}"/>
+              </a:ext>
+            </a:extLst>
+          </p:cNvPr>
+          <p:cNvSpPr>
+            <a:spLocks noGrp="1"/>
+          </p:cNvSpPr>
+          <p:nvPr>
+            <p:ph type="dt" sz="half" idx="10"/>
+          </p:nvPr>
+        </p:nvSpPr>
+        <p:spPr>
+          <a:xfrm>
+            <a:off x="692434" y="6356350"/>
+            <a:ext cx="1174141" cy="365125"/>
+          </a:xfrm>
+          <a:prstGeom prst="rect">
+            <a:avLst/>
+          </a:prstGeom>
+        </p:spPr>
+        <p:txBody>
+          <a:bodyPr/>
+          <a:lstStyle/>
+          <a:p>
+            <a:fld id="{9FC0DEDD-AAD6-481E-BA52-3D7C9DFC702B}" type="datetime1">
+              <a:rPr lang="en-US" smtClean="0"/>
+              <a:t>1/11/2021</a:t>
+            </a:fld>
+            <a:endParaRPr lang="en-US"/>
+          </a:p>
+        </p:txBody>
+      </p:sp>
+      <p:sp>
+        <p:nvSpPr>
+          <p:cNvPr id="5" name="Footer Placeholder 4">
+            <a:extLst>
+              <a:ext uri="{FF2B5EF4-FFF2-40B4-BE49-F238E27FC236}">
+                <a16:creationId xmlns:a16="http://schemas.microsoft.com/office/drawing/2014/main" id="{EFDF8A97-3399-44D7-ACF7-3642988247E1}"/>
+              </a:ext>
+            </a:extLst>
+          </p:cNvPr>
+          <p:cNvSpPr>
+            <a:spLocks noGrp="1"/>
+          </p:cNvSpPr>
+          <p:nvPr>
+            <p:ph type="ftr" sz="quarter" idx="11"/>
+          </p:nvPr>
+        </p:nvSpPr>
+        <p:spPr>
+          <a:xfrm>
+            <a:off x="3564000" y="6356350"/>
+            <a:ext cx="5360796" cy="365125"/>
+          </a:xfrm>
+          <a:solidFill>
+            <a:schemeClr val="bg1"/>
+          </a:solidFill>
+        </p:spPr>
+        <p:txBody>
+          <a:bodyPr/>
+          <a:lstStyle/>
+          <a:p>
+            <a:endParaRPr lang="en-US"/>
+          </a:p>
+        </p:txBody>
+      </p:sp>
+      <p:sp>
+        <p:nvSpPr>
+          <p:cNvPr id="6" name="Slide Number Placeholder 5">
+            <a:extLst>
+              <a:ext uri="{FF2B5EF4-FFF2-40B4-BE49-F238E27FC236}">
+                <a16:creationId xmlns:a16="http://schemas.microsoft.com/office/drawing/2014/main" id="{BCBF6AC6-8F39-4227-B48E-79664419D365}"/>
+              </a:ext>
+            </a:extLst>
+          </p:cNvPr>
+          <p:cNvSpPr>
+            <a:spLocks noGrp="1"/>
+          </p:cNvSpPr>
+          <p:nvPr>
+            <p:ph type="sldNum" sz="quarter" idx="12"/>
+          </p:nvPr>
+        </p:nvSpPr>
+        <p:spPr/>
+        <p:txBody>
+          <a:bodyPr/>
+          <a:lstStyle/>
+          <a:p>
+            <a:fld id="{C064A79B-B315-413E-88BB-EFE0B5D603D0}" type="slidenum">
+              <a:rPr lang="en-US" smtClean="0"/>
+              <a:t>‹#›</a:t>
+            </a:fld>
+            <a:endParaRPr lang="en-US"/>
+          </a:p>
+        </p:txBody>
+      </p:sp>
+      <p:sp>
+        <p:nvSpPr>
+          <p:cNvPr id="9" name="Text Placeholder 8">
+            <a:extLst>
+              <a:ext uri="{FF2B5EF4-FFF2-40B4-BE49-F238E27FC236}">
+                <a16:creationId xmlns:a16="http://schemas.microsoft.com/office/drawing/2014/main" id="{F6B30566-8B30-4362-BCB6-7F3B3746AF24}"/>
+              </a:ext>
+            </a:extLst>
+          </p:cNvPr>
+          <p:cNvSpPr>
+            <a:spLocks noGrp="1"/>
+          </p:cNvSpPr>
+          <p:nvPr>
+            <p:ph type="body" sz="quarter" idx="13"/>
+          </p:nvPr>
+        </p:nvSpPr>
+        <p:spPr>
+          <a:xfrm>
+            <a:off x="3564000" y="5816375"/>
+            <a:ext cx="5360796" cy="365125"/>
+          </a:xfrm>
+        </p:spPr>
+        <p:txBody>
+          <a:bodyPr>
+            <a:noAutofit/>
+          </a:bodyPr>
+          <a:lstStyle>
+            <a:lvl1pPr marL="0" indent="0">
+              <a:buNone/>
+              <a:defRPr sz="900"/>
+            </a:lvl1pPr>
+            <a:lvl2pPr marL="342900" indent="0">
+              <a:buNone/>
+              <a:defRPr sz="825"/>
+            </a:lvl2pPr>
+            <a:lvl3pPr marL="685800" indent="0">
+              <a:buNone/>
+              <a:defRPr sz="788"/>
+            </a:lvl3pPr>
+            <a:lvl4pPr marL="1028700" indent="0">
+              <a:buNone/>
+              <a:defRPr sz="750"/>
+            </a:lvl4pPr>
+            <a:lvl5pPr marL="1371600" indent="0">
+              <a:buNone/>
+              <a:defRPr sz="750"/>
+            </a:lvl5pPr>
+          </a:lstStyle>
+          <a:p>
+            <a:pPr lvl="0"/>
+            <a:r>
+              <a:rPr lang="en-US" dirty="0"/>
+              <a:t>Click to edit Master text styles</a:t>
+            </a:r>
+          </a:p>
+          <a:p>
+            <a:pPr lvl="1"/>
+            <a:r>
+              <a:rPr lang="en-US" dirty="0"/>
+              <a:t>Second level</a:t>
+            </a:r>
+          </a:p>
+          <a:p>
+            <a:pPr lvl="2"/>
+            <a:r>
+              <a:rPr lang="en-US" dirty="0"/>
+              <a:t>Third level</a:t>
+            </a:r>
+          </a:p>
+          <a:p>
+            <a:pPr lvl="3"/>
+            <a:r>
+              <a:rPr lang="en-US" dirty="0"/>
+              <a:t>Fourth level</a:t>
+            </a:r>
+          </a:p>
+          <a:p>
+            <a:pPr lvl="4"/>
+            <a:r>
+              <a:rPr lang="en-US" dirty="0"/>
+              <a:t>Fifth level</a:t>
+            </a:r>
+            <a:endParaRPr lang="en-CH" dirty="0"/>
+          </a:p>
+        </p:txBody>
+      </p:sp>
+      <p:pic>
+        <p:nvPicPr>
+          <p:cNvPr id="10" name="Picture 9">
+            <a:extLst>
+              <a:ext uri="{FF2B5EF4-FFF2-40B4-BE49-F238E27FC236}">
+                <a16:creationId xmlns:a16="http://schemas.microsoft.com/office/drawing/2014/main" id="{F5C81F92-669C-4873-9E73-40B11D4197F6}"/>
+              </a:ext>
+            </a:extLst>
+          </p:cNvPr>
+          <p:cNvPicPr>
+            <a:picLocks noChangeAspect="1"/>
+          </p:cNvPicPr>
+          <p:nvPr userDrawn="1"/>
+        </p:nvPicPr>
+        <p:blipFill>
+          <a:blip r:embed="rId2"/>
+          <a:stretch>
+            <a:fillRect/>
+          </a:stretch>
+        </p:blipFill>
+        <p:spPr>
+          <a:xfrm>
+            <a:off x="1249776" y="6235154"/>
+            <a:ext cx="2280102" cy="755970"/>
+          </a:xfrm>
+          <a:prstGeom prst="rect">
+            <a:avLst/>
+          </a:prstGeom>
+        </p:spPr>
+      </p:pic>
+    </p:spTree>
+    <p:extLst>
+      <p:ext uri="{BB962C8B-B14F-4D97-AF65-F5344CB8AC3E}">
+        <p14:creationId xmlns:p14="http://schemas.microsoft.com/office/powerpoint/2010/main" val="3065396631"/>
+      </p:ext>
+    </p:extLst>
+  </p:cSld>
+  <p:clrMapOvr>
+    <a:masterClrMapping/>
+  </p:clrMapOvr>
+</p:sldLayout>
+</file>
+
+<file path=ppt/slideLayouts/slideLayout6.xml><?xml version="1.0" encoding="utf-8"?>
 <p:sldLayout xmlns:a="http://schemas.openxmlformats.org/drawingml/2006/main" xmlns:r="http://schemas.openxmlformats.org/officeDocument/2006/relationships" xmlns:p="http://schemas.openxmlformats.org/presentationml/2006/main" type="secHead" preserve="1">
   <p:cSld name="Section Header">
     <p:spTree>
@@ -3013,7 +4508,7 @@
 </p:sldLayout>
 </file>
 
-<file path=ppt/slideLayouts/slideLayout5.xml><?xml version="1.0" encoding="utf-8"?>
+<file path=ppt/slideLayouts/slideLayout7.xml><?xml version="1.0" encoding="utf-8"?>
 <p:sldLayout xmlns:a="http://schemas.openxmlformats.org/drawingml/2006/main" xmlns:r="http://schemas.openxmlformats.org/officeDocument/2006/relationships" xmlns:p="http://schemas.openxmlformats.org/presentationml/2006/main" preserve="1" userDrawn="1">
   <p:cSld name="Two Content">
     <p:bg>
@@ -3197,35 +4692,35 @@
           <a:p>
             <a:pPr lvl="0"/>
             <a:r>
-              <a:rPr lang="en-US"/>
+              <a:rPr lang="en-US" dirty="0"/>
               <a:t>Click to edit Master text styles</a:t>
             </a:r>
           </a:p>
           <a:p>
             <a:pPr lvl="1"/>
             <a:r>
-              <a:rPr lang="en-US"/>
+              <a:rPr lang="en-US" dirty="0"/>
               <a:t>Second level</a:t>
             </a:r>
           </a:p>
           <a:p>
             <a:pPr lvl="2"/>
             <a:r>
-              <a:rPr lang="en-US"/>
+              <a:rPr lang="en-US" dirty="0"/>
               <a:t>Third level</a:t>
             </a:r>
           </a:p>
           <a:p>
             <a:pPr lvl="3"/>
             <a:r>
-              <a:rPr lang="en-US"/>
+              <a:rPr lang="en-US" dirty="0"/>
               <a:t>Fourth level</a:t>
             </a:r>
           </a:p>
           <a:p>
             <a:pPr lvl="4"/>
             <a:r>
-              <a:rPr lang="en-US"/>
+              <a:rPr lang="en-US" dirty="0"/>
               <a:t>Fifth level</a:t>
             </a:r>
           </a:p>
@@ -3259,35 +4754,35 @@
           <a:p>
             <a:pPr lvl="0"/>
             <a:r>
-              <a:rPr lang="en-US"/>
+              <a:rPr lang="en-US" dirty="0"/>
               <a:t>Click to edit Master text styles</a:t>
             </a:r>
           </a:p>
           <a:p>
             <a:pPr lvl="1"/>
             <a:r>
-              <a:rPr lang="en-US"/>
+              <a:rPr lang="en-US" dirty="0"/>
               <a:t>Second level</a:t>
             </a:r>
           </a:p>
           <a:p>
             <a:pPr lvl="2"/>
             <a:r>
-              <a:rPr lang="en-US"/>
+              <a:rPr lang="en-US" dirty="0"/>
               <a:t>Third level</a:t>
             </a:r>
           </a:p>
           <a:p>
             <a:pPr lvl="3"/>
             <a:r>
-              <a:rPr lang="en-US"/>
+              <a:rPr lang="en-US" dirty="0"/>
               <a:t>Fourth level</a:t>
             </a:r>
           </a:p>
           <a:p>
             <a:pPr lvl="4"/>
             <a:r>
-              <a:rPr lang="en-US"/>
+              <a:rPr lang="en-US" dirty="0"/>
               <a:t>Fifth level</a:t>
             </a:r>
           </a:p>
@@ -3306,7 +4801,7 @@
 </p:sldLayout>
 </file>
 
-<file path=ppt/slideLayouts/slideLayout6.xml><?xml version="1.0" encoding="utf-8"?>
+<file path=ppt/slideLayouts/slideLayout8.xml><?xml version="1.0" encoding="utf-8"?>
 <p:sldLayout xmlns:a="http://schemas.openxmlformats.org/drawingml/2006/main" xmlns:r="http://schemas.openxmlformats.org/officeDocument/2006/relationships" xmlns:p="http://schemas.openxmlformats.org/presentationml/2006/main" preserve="1" userDrawn="1">
   <p:cSld name="Two Content and Caption Right">
     <p:bg>
@@ -3490,35 +4985,35 @@
           <a:p>
             <a:pPr lvl="0"/>
             <a:r>
-              <a:rPr lang="en-US"/>
+              <a:rPr lang="en-US" dirty="0"/>
               <a:t>Click to edit Master text styles</a:t>
             </a:r>
           </a:p>
           <a:p>
             <a:pPr lvl="1"/>
             <a:r>
-              <a:rPr lang="en-US"/>
+              <a:rPr lang="en-US" dirty="0"/>
               <a:t>Second level</a:t>
             </a:r>
           </a:p>
           <a:p>
             <a:pPr lvl="2"/>
             <a:r>
-              <a:rPr lang="en-US"/>
+              <a:rPr lang="en-US" dirty="0"/>
               <a:t>Third level</a:t>
             </a:r>
           </a:p>
           <a:p>
             <a:pPr lvl="3"/>
             <a:r>
-              <a:rPr lang="en-US"/>
+              <a:rPr lang="en-US" dirty="0"/>
               <a:t>Fourth level</a:t>
             </a:r>
           </a:p>
           <a:p>
             <a:pPr lvl="4"/>
             <a:r>
-              <a:rPr lang="en-US"/>
+              <a:rPr lang="en-US" dirty="0"/>
               <a:t>Fifth level</a:t>
             </a:r>
           </a:p>
@@ -3552,35 +5047,35 @@
           <a:p>
             <a:pPr lvl="0"/>
             <a:r>
-              <a:rPr lang="en-US"/>
+              <a:rPr lang="en-US" dirty="0"/>
               <a:t>Click to edit Master text styles</a:t>
             </a:r>
           </a:p>
           <a:p>
             <a:pPr lvl="1"/>
             <a:r>
-              <a:rPr lang="en-US"/>
+              <a:rPr lang="en-US" dirty="0"/>
               <a:t>Second level</a:t>
             </a:r>
           </a:p>
           <a:p>
             <a:pPr lvl="2"/>
             <a:r>
-              <a:rPr lang="en-US"/>
+              <a:rPr lang="en-US" dirty="0"/>
               <a:t>Third level</a:t>
             </a:r>
           </a:p>
           <a:p>
             <a:pPr lvl="3"/>
             <a:r>
-              <a:rPr lang="en-US"/>
+              <a:rPr lang="en-US" dirty="0"/>
               <a:t>Fourth level</a:t>
             </a:r>
           </a:p>
           <a:p>
             <a:pPr lvl="4"/>
             <a:r>
-              <a:rPr lang="en-US"/>
+              <a:rPr lang="en-US" dirty="0"/>
               <a:t>Fifth level</a:t>
             </a:r>
           </a:p>
@@ -3688,7 +5183,7 @@
 </p:sldLayout>
 </file>
 
-<file path=ppt/slideLayouts/slideLayout7.xml><?xml version="1.0" encoding="utf-8"?>
+<file path=ppt/slideLayouts/slideLayout9.xml><?xml version="1.0" encoding="utf-8"?>
 <p:sldLayout xmlns:a="http://schemas.openxmlformats.org/drawingml/2006/main" xmlns:r="http://schemas.openxmlformats.org/officeDocument/2006/relationships" xmlns:p="http://schemas.openxmlformats.org/presentationml/2006/main" preserve="1" userDrawn="1">
   <p:cSld name="Two Content and Caption Left">
     <p:bg>
@@ -3872,35 +5367,35 @@
           <a:p>
             <a:pPr lvl="0"/>
             <a:r>
-              <a:rPr lang="en-US"/>
+              <a:rPr lang="en-US" dirty="0"/>
               <a:t>Click to edit Master text styles</a:t>
             </a:r>
           </a:p>
           <a:p>
             <a:pPr lvl="1"/>
             <a:r>
-              <a:rPr lang="en-US"/>
+              <a:rPr lang="en-US" dirty="0"/>
               <a:t>Second level</a:t>
             </a:r>
           </a:p>
           <a:p>
             <a:pPr lvl="2"/>
             <a:r>
-              <a:rPr lang="en-US"/>
+              <a:rPr lang="en-US" dirty="0"/>
               <a:t>Third level</a:t>
             </a:r>
           </a:p>
           <a:p>
             <a:pPr lvl="3"/>
             <a:r>
-              <a:rPr lang="en-US"/>
+              <a:rPr lang="en-US" dirty="0"/>
               <a:t>Fourth level</a:t>
             </a:r>
           </a:p>
           <a:p>
             <a:pPr lvl="4"/>
             <a:r>
-              <a:rPr lang="en-US"/>
+              <a:rPr lang="en-US" dirty="0"/>
               <a:t>Fifth level</a:t>
             </a:r>
           </a:p>
@@ -3934,35 +5429,35 @@
           <a:p>
             <a:pPr lvl="0"/>
             <a:r>
-              <a:rPr lang="en-US"/>
+              <a:rPr lang="en-US" dirty="0"/>
               <a:t>Click to edit Master text styles</a:t>
             </a:r>
           </a:p>
           <a:p>
             <a:pPr lvl="1"/>
             <a:r>
-              <a:rPr lang="en-US"/>
+              <a:rPr lang="en-US" dirty="0"/>
               <a:t>Second level</a:t>
             </a:r>
           </a:p>
           <a:p>
             <a:pPr lvl="2"/>
             <a:r>
-              <a:rPr lang="en-US"/>
+              <a:rPr lang="en-US" dirty="0"/>
               <a:t>Third level</a:t>
             </a:r>
           </a:p>
           <a:p>
             <a:pPr lvl="3"/>
             <a:r>
-              <a:rPr lang="en-US"/>
+              <a:rPr lang="en-US" dirty="0"/>
               <a:t>Fourth level</a:t>
             </a:r>
           </a:p>
           <a:p>
             <a:pPr lvl="4"/>
             <a:r>
-              <a:rPr lang="en-US"/>
+              <a:rPr lang="en-US" dirty="0"/>
               <a:t>Fifth level</a:t>
             </a:r>
           </a:p>
@@ -4061,899 +5556,6 @@
     <p:extLst>
       <p:ext uri="{BB962C8B-B14F-4D97-AF65-F5344CB8AC3E}">
         <p14:creationId xmlns:p14="http://schemas.microsoft.com/office/powerpoint/2010/main" val="3059227006"/>
-      </p:ext>
-    </p:extLst>
-  </p:cSld>
-  <p:clrMapOvr>
-    <a:masterClrMapping/>
-  </p:clrMapOvr>
-</p:sldLayout>
-</file>
-
-<file path=ppt/slideLayouts/slideLayout8.xml><?xml version="1.0" encoding="utf-8"?>
-<p:sldLayout xmlns:a="http://schemas.openxmlformats.org/drawingml/2006/main" xmlns:r="http://schemas.openxmlformats.org/officeDocument/2006/relationships" xmlns:p="http://schemas.openxmlformats.org/presentationml/2006/main" preserve="1" userDrawn="1">
-  <p:cSld name="Two Content and Caption">
-    <p:bg>
-      <p:bgPr>
-        <a:solidFill>
-          <a:schemeClr val="bg1"/>
-        </a:solidFill>
-        <a:effectLst/>
-      </p:bgPr>
-    </p:bg>
-    <p:spTree>
-      <p:nvGrpSpPr>
-        <p:cNvPr id="1" name=""/>
-        <p:cNvGrpSpPr/>
-        <p:nvPr/>
-      </p:nvGrpSpPr>
-      <p:grpSpPr>
-        <a:xfrm>
-          <a:off x="0" y="0"/>
-          <a:ext cx="0" cy="0"/>
-          <a:chOff x="0" y="0"/>
-          <a:chExt cx="0" cy="0"/>
-        </a:xfrm>
-      </p:grpSpPr>
-      <p:sp>
-        <p:nvSpPr>
-          <p:cNvPr id="5" name="Date Placeholder 4">
-            <a:extLst>
-              <a:ext uri="{FF2B5EF4-FFF2-40B4-BE49-F238E27FC236}">
-                <a16:creationId xmlns:a16="http://schemas.microsoft.com/office/drawing/2014/main" id="{985F3433-3055-4279-A232-CDB35C481677}"/>
-              </a:ext>
-            </a:extLst>
-          </p:cNvPr>
-          <p:cNvSpPr>
-            <a:spLocks noGrp="1"/>
-          </p:cNvSpPr>
-          <p:nvPr>
-            <p:ph type="dt" sz="half" idx="10"/>
-          </p:nvPr>
-        </p:nvSpPr>
-        <p:spPr>
-          <a:xfrm>
-            <a:off x="692434" y="6356350"/>
-            <a:ext cx="1174141" cy="365125"/>
-          </a:xfrm>
-          <a:prstGeom prst="rect">
-            <a:avLst/>
-          </a:prstGeom>
-        </p:spPr>
-        <p:txBody>
-          <a:bodyPr/>
-          <a:lstStyle/>
-          <a:p>
-            <a:fld id="{89BFF260-1674-4B54-A3A6-8BD99D2AA53F}" type="datetime1">
-              <a:rPr lang="en-US" smtClean="0"/>
-              <a:t>1/11/2021</a:t>
-            </a:fld>
-            <a:endParaRPr lang="en-US"/>
-          </a:p>
-        </p:txBody>
-      </p:sp>
-      <p:sp>
-        <p:nvSpPr>
-          <p:cNvPr id="6" name="Footer Placeholder 5">
-            <a:extLst>
-              <a:ext uri="{FF2B5EF4-FFF2-40B4-BE49-F238E27FC236}">
-                <a16:creationId xmlns:a16="http://schemas.microsoft.com/office/drawing/2014/main" id="{C4190A63-5D67-4FD5-97FD-79F7445B6A2E}"/>
-              </a:ext>
-            </a:extLst>
-          </p:cNvPr>
-          <p:cNvSpPr>
-            <a:spLocks noGrp="1"/>
-          </p:cNvSpPr>
-          <p:nvPr>
-            <p:ph type="ftr" sz="quarter" idx="11"/>
-          </p:nvPr>
-        </p:nvSpPr>
-        <p:spPr/>
-        <p:txBody>
-          <a:bodyPr/>
-          <a:lstStyle/>
-          <a:p>
-            <a:endParaRPr lang="en-US"/>
-          </a:p>
-        </p:txBody>
-      </p:sp>
-      <p:sp>
-        <p:nvSpPr>
-          <p:cNvPr id="7" name="Slide Number Placeholder 6">
-            <a:extLst>
-              <a:ext uri="{FF2B5EF4-FFF2-40B4-BE49-F238E27FC236}">
-                <a16:creationId xmlns:a16="http://schemas.microsoft.com/office/drawing/2014/main" id="{D2687DAE-A442-4DC3-8550-20F58B781EC7}"/>
-              </a:ext>
-            </a:extLst>
-          </p:cNvPr>
-          <p:cNvSpPr>
-            <a:spLocks noGrp="1"/>
-          </p:cNvSpPr>
-          <p:nvPr>
-            <p:ph type="sldNum" sz="quarter" idx="12"/>
-          </p:nvPr>
-        </p:nvSpPr>
-        <p:spPr/>
-        <p:txBody>
-          <a:bodyPr/>
-          <a:lstStyle/>
-          <a:p>
-            <a:fld id="{C064A79B-B315-413E-88BB-EFE0B5D603D0}" type="slidenum">
-              <a:rPr lang="en-US" smtClean="0"/>
-              <a:t>‹#›</a:t>
-            </a:fld>
-            <a:endParaRPr lang="en-US"/>
-          </a:p>
-        </p:txBody>
-      </p:sp>
-      <p:sp>
-        <p:nvSpPr>
-          <p:cNvPr id="9" name="Title 1">
-            <a:extLst>
-              <a:ext uri="{FF2B5EF4-FFF2-40B4-BE49-F238E27FC236}">
-                <a16:creationId xmlns:a16="http://schemas.microsoft.com/office/drawing/2014/main" id="{177E17F1-D3B2-42A6-9982-8788655386CF}"/>
-              </a:ext>
-            </a:extLst>
-          </p:cNvPr>
-          <p:cNvSpPr>
-            <a:spLocks noGrp="1"/>
-          </p:cNvSpPr>
-          <p:nvPr>
-            <p:ph type="title"/>
-          </p:nvPr>
-        </p:nvSpPr>
-        <p:spPr>
-          <a:xfrm>
-            <a:off x="0" y="1"/>
-            <a:ext cx="9144000" cy="1013635"/>
-          </a:xfrm>
-          <a:solidFill>
-            <a:srgbClr val="0070C0"/>
-          </a:solidFill>
-        </p:spPr>
-        <p:txBody>
-          <a:bodyPr/>
-          <a:lstStyle>
-            <a:lvl1pPr>
-              <a:defRPr lang="en-US" dirty="0"/>
-            </a:lvl1pPr>
-          </a:lstStyle>
-          <a:p>
-            <a:r>
-              <a:rPr lang="en-US" dirty="0"/>
-              <a:t>Click to edit Master title style</a:t>
-            </a:r>
-          </a:p>
-        </p:txBody>
-      </p:sp>
-      <p:sp>
-        <p:nvSpPr>
-          <p:cNvPr id="10" name="Content Placeholder 2">
-            <a:extLst>
-              <a:ext uri="{FF2B5EF4-FFF2-40B4-BE49-F238E27FC236}">
-                <a16:creationId xmlns:a16="http://schemas.microsoft.com/office/drawing/2014/main" id="{F1A58CC4-526C-4991-898F-C0879D5343E8}"/>
-              </a:ext>
-            </a:extLst>
-          </p:cNvPr>
-          <p:cNvSpPr>
-            <a:spLocks noGrp="1"/>
-          </p:cNvSpPr>
-          <p:nvPr>
-            <p:ph sz="half" idx="1"/>
-          </p:nvPr>
-        </p:nvSpPr>
-        <p:spPr>
-          <a:xfrm>
-            <a:off x="187891" y="1205547"/>
-            <a:ext cx="4326959" cy="4446906"/>
-          </a:xfrm>
-        </p:spPr>
-        <p:txBody>
-          <a:bodyPr/>
-          <a:lstStyle/>
-          <a:p>
-            <a:pPr lvl="0"/>
-            <a:r>
-              <a:rPr lang="en-US" dirty="0"/>
-              <a:t>Click to edit Master text styles</a:t>
-            </a:r>
-          </a:p>
-          <a:p>
-            <a:pPr lvl="1"/>
-            <a:r>
-              <a:rPr lang="en-US" dirty="0"/>
-              <a:t>Second level</a:t>
-            </a:r>
-          </a:p>
-          <a:p>
-            <a:pPr lvl="2"/>
-            <a:r>
-              <a:rPr lang="en-US" dirty="0"/>
-              <a:t>Third level</a:t>
-            </a:r>
-          </a:p>
-          <a:p>
-            <a:pPr lvl="3"/>
-            <a:r>
-              <a:rPr lang="en-US" dirty="0"/>
-              <a:t>Fourth level</a:t>
-            </a:r>
-          </a:p>
-          <a:p>
-            <a:pPr lvl="4"/>
-            <a:r>
-              <a:rPr lang="en-US" dirty="0"/>
-              <a:t>Fifth level</a:t>
-            </a:r>
-          </a:p>
-        </p:txBody>
-      </p:sp>
-      <p:sp>
-        <p:nvSpPr>
-          <p:cNvPr id="11" name="Content Placeholder 3">
-            <a:extLst>
-              <a:ext uri="{FF2B5EF4-FFF2-40B4-BE49-F238E27FC236}">
-                <a16:creationId xmlns:a16="http://schemas.microsoft.com/office/drawing/2014/main" id="{CB008E43-F727-4C47-9855-9440A412ACCB}"/>
-              </a:ext>
-            </a:extLst>
-          </p:cNvPr>
-          <p:cNvSpPr>
-            <a:spLocks noGrp="1"/>
-          </p:cNvSpPr>
-          <p:nvPr>
-            <p:ph sz="half" idx="2"/>
-          </p:nvPr>
-        </p:nvSpPr>
-        <p:spPr>
-          <a:xfrm>
-            <a:off x="4629150" y="1205549"/>
-            <a:ext cx="4295645" cy="4446905"/>
-          </a:xfrm>
-        </p:spPr>
-        <p:txBody>
-          <a:bodyPr/>
-          <a:lstStyle/>
-          <a:p>
-            <a:pPr lvl="0"/>
-            <a:r>
-              <a:rPr lang="en-US"/>
-              <a:t>Click to edit Master text styles</a:t>
-            </a:r>
-          </a:p>
-          <a:p>
-            <a:pPr lvl="1"/>
-            <a:r>
-              <a:rPr lang="en-US"/>
-              <a:t>Second level</a:t>
-            </a:r>
-          </a:p>
-          <a:p>
-            <a:pPr lvl="2"/>
-            <a:r>
-              <a:rPr lang="en-US"/>
-              <a:t>Third level</a:t>
-            </a:r>
-          </a:p>
-          <a:p>
-            <a:pPr lvl="3"/>
-            <a:r>
-              <a:rPr lang="en-US"/>
-              <a:t>Fourth level</a:t>
-            </a:r>
-          </a:p>
-          <a:p>
-            <a:pPr lvl="4"/>
-            <a:r>
-              <a:rPr lang="en-US"/>
-              <a:t>Fifth level</a:t>
-            </a:r>
-          </a:p>
-        </p:txBody>
-      </p:sp>
-      <p:sp>
-        <p:nvSpPr>
-          <p:cNvPr id="3" name="Text Placeholder 2">
-            <a:extLst>
-              <a:ext uri="{FF2B5EF4-FFF2-40B4-BE49-F238E27FC236}">
-                <a16:creationId xmlns:a16="http://schemas.microsoft.com/office/drawing/2014/main" id="{B6810FF5-0B9C-4441-B73D-B10146FB8996}"/>
-              </a:ext>
-            </a:extLst>
-          </p:cNvPr>
-          <p:cNvSpPr>
-            <a:spLocks noGrp="1"/>
-          </p:cNvSpPr>
-          <p:nvPr>
-            <p:ph type="body" sz="quarter" idx="13"/>
-          </p:nvPr>
-        </p:nvSpPr>
-        <p:spPr>
-          <a:xfrm>
-            <a:off x="188119" y="5781584"/>
-            <a:ext cx="4326731" cy="445634"/>
-          </a:xfrm>
-        </p:spPr>
-        <p:txBody>
-          <a:bodyPr/>
-          <a:lstStyle>
-            <a:lvl1pPr marL="0" indent="0">
-              <a:buFont typeface="Arial" panose="020B0604020202020204" pitchFamily="34" charset="0"/>
-              <a:buNone/>
-              <a:defRPr sz="900"/>
-            </a:lvl1pPr>
-            <a:lvl2pPr marL="342900" indent="0">
-              <a:buFont typeface="Arial" panose="020B0604020202020204" pitchFamily="34" charset="0"/>
-              <a:buNone/>
-              <a:defRPr sz="825"/>
-            </a:lvl2pPr>
-            <a:lvl3pPr marL="685800" indent="0">
-              <a:buFont typeface="Arial" panose="020B0604020202020204" pitchFamily="34" charset="0"/>
-              <a:buNone/>
-              <a:defRPr sz="788"/>
-            </a:lvl3pPr>
-            <a:lvl4pPr marL="1028700" indent="0">
-              <a:buFont typeface="Arial" panose="020B0604020202020204" pitchFamily="34" charset="0"/>
-              <a:buNone/>
-              <a:defRPr sz="750"/>
-            </a:lvl4pPr>
-            <a:lvl5pPr marL="1371600" indent="0">
-              <a:buFont typeface="Arial" panose="020B0604020202020204" pitchFamily="34" charset="0"/>
-              <a:buNone/>
-              <a:defRPr sz="750"/>
-            </a:lvl5pPr>
-          </a:lstStyle>
-          <a:p>
-            <a:pPr lvl="0"/>
-            <a:r>
-              <a:rPr lang="en-US" dirty="0"/>
-              <a:t>Click to edit Master text styles</a:t>
-            </a:r>
-          </a:p>
-          <a:p>
-            <a:pPr lvl="1"/>
-            <a:r>
-              <a:rPr lang="en-US" dirty="0"/>
-              <a:t>Second level</a:t>
-            </a:r>
-          </a:p>
-          <a:p>
-            <a:pPr lvl="2"/>
-            <a:r>
-              <a:rPr lang="en-US" dirty="0"/>
-              <a:t>Third level</a:t>
-            </a:r>
-          </a:p>
-          <a:p>
-            <a:pPr lvl="3"/>
-            <a:r>
-              <a:rPr lang="en-US" dirty="0"/>
-              <a:t>Fourth level</a:t>
-            </a:r>
-          </a:p>
-          <a:p>
-            <a:pPr lvl="4"/>
-            <a:r>
-              <a:rPr lang="en-US" dirty="0"/>
-              <a:t>Fifth level</a:t>
-            </a:r>
-            <a:endParaRPr lang="en-CH" dirty="0"/>
-          </a:p>
-        </p:txBody>
-      </p:sp>
-      <p:sp>
-        <p:nvSpPr>
-          <p:cNvPr id="4" name="Text Placeholder 3">
-            <a:extLst>
-              <a:ext uri="{FF2B5EF4-FFF2-40B4-BE49-F238E27FC236}">
-                <a16:creationId xmlns:a16="http://schemas.microsoft.com/office/drawing/2014/main" id="{EF8CA0C6-2B85-43B4-92F5-635817B1E191}"/>
-              </a:ext>
-            </a:extLst>
-          </p:cNvPr>
-          <p:cNvSpPr>
-            <a:spLocks noGrp="1"/>
-          </p:cNvSpPr>
-          <p:nvPr>
-            <p:ph type="body" sz="quarter" idx="14"/>
-          </p:nvPr>
-        </p:nvSpPr>
-        <p:spPr>
-          <a:xfrm>
-            <a:off x="4629150" y="5781675"/>
-            <a:ext cx="4295775" cy="446088"/>
-          </a:xfrm>
-        </p:spPr>
-        <p:txBody>
-          <a:bodyPr>
-            <a:noAutofit/>
-          </a:bodyPr>
-          <a:lstStyle>
-            <a:lvl1pPr marL="0" indent="0">
-              <a:buFontTx/>
-              <a:buNone/>
-              <a:defRPr sz="900"/>
-            </a:lvl1pPr>
-            <a:lvl2pPr marL="342900" indent="0">
-              <a:buFontTx/>
-              <a:buNone/>
-              <a:defRPr sz="825"/>
-            </a:lvl2pPr>
-            <a:lvl3pPr marL="685800" indent="0">
-              <a:buFontTx/>
-              <a:buNone/>
-              <a:defRPr sz="788"/>
-            </a:lvl3pPr>
-            <a:lvl4pPr marL="1028700" indent="0">
-              <a:buFontTx/>
-              <a:buNone/>
-              <a:defRPr sz="750"/>
-            </a:lvl4pPr>
-            <a:lvl5pPr marL="1371600" indent="0">
-              <a:buFontTx/>
-              <a:buNone/>
-              <a:defRPr sz="750"/>
-            </a:lvl5pPr>
-          </a:lstStyle>
-          <a:p>
-            <a:pPr lvl="0"/>
-            <a:r>
-              <a:rPr lang="en-US" dirty="0"/>
-              <a:t>Click to edit Master text styles</a:t>
-            </a:r>
-          </a:p>
-          <a:p>
-            <a:pPr lvl="1"/>
-            <a:r>
-              <a:rPr lang="en-US" dirty="0"/>
-              <a:t>Second level</a:t>
-            </a:r>
-          </a:p>
-          <a:p>
-            <a:pPr lvl="2"/>
-            <a:r>
-              <a:rPr lang="en-US" dirty="0"/>
-              <a:t>Third level</a:t>
-            </a:r>
-          </a:p>
-          <a:p>
-            <a:pPr lvl="3"/>
-            <a:r>
-              <a:rPr lang="en-US" dirty="0"/>
-              <a:t>Fourth level</a:t>
-            </a:r>
-          </a:p>
-          <a:p>
-            <a:pPr lvl="4"/>
-            <a:r>
-              <a:rPr lang="en-US" dirty="0"/>
-              <a:t>Fifth level</a:t>
-            </a:r>
-            <a:endParaRPr lang="en-CH" dirty="0"/>
-          </a:p>
-        </p:txBody>
-      </p:sp>
-    </p:spTree>
-    <p:extLst>
-      <p:ext uri="{BB962C8B-B14F-4D97-AF65-F5344CB8AC3E}">
-        <p14:creationId xmlns:p14="http://schemas.microsoft.com/office/powerpoint/2010/main" val="1216857061"/>
-      </p:ext>
-    </p:extLst>
-  </p:cSld>
-  <p:clrMapOvr>
-    <a:masterClrMapping/>
-  </p:clrMapOvr>
-</p:sldLayout>
-</file>
-
-<file path=ppt/slideLayouts/slideLayout9.xml><?xml version="1.0" encoding="utf-8"?>
-<p:sldLayout xmlns:a="http://schemas.openxmlformats.org/drawingml/2006/main" xmlns:r="http://schemas.openxmlformats.org/officeDocument/2006/relationships" xmlns:p="http://schemas.openxmlformats.org/presentationml/2006/main" type="twoTxTwoObj" preserve="1">
-  <p:cSld name="Comparison">
-    <p:spTree>
-      <p:nvGrpSpPr>
-        <p:cNvPr id="1" name=""/>
-        <p:cNvGrpSpPr/>
-        <p:nvPr/>
-      </p:nvGrpSpPr>
-      <p:grpSpPr>
-        <a:xfrm>
-          <a:off x="0" y="0"/>
-          <a:ext cx="0" cy="0"/>
-          <a:chOff x="0" y="0"/>
-          <a:chExt cx="0" cy="0"/>
-        </a:xfrm>
-      </p:grpSpPr>
-      <p:sp>
-        <p:nvSpPr>
-          <p:cNvPr id="2" name="Title 1">
-            <a:extLst>
-              <a:ext uri="{FF2B5EF4-FFF2-40B4-BE49-F238E27FC236}">
-                <a16:creationId xmlns:a16="http://schemas.microsoft.com/office/drawing/2014/main" id="{DDCEEDBF-B9EE-46CF-A2B0-8EE3479EFD83}"/>
-              </a:ext>
-            </a:extLst>
-          </p:cNvPr>
-          <p:cNvSpPr>
-            <a:spLocks noGrp="1"/>
-          </p:cNvSpPr>
-          <p:nvPr>
-            <p:ph type="title"/>
-          </p:nvPr>
-        </p:nvSpPr>
-        <p:spPr>
-          <a:xfrm>
-            <a:off x="629841" y="365126"/>
-            <a:ext cx="7886700" cy="1325563"/>
-          </a:xfrm>
-        </p:spPr>
-        <p:txBody>
-          <a:bodyPr/>
-          <a:lstStyle/>
-          <a:p>
-            <a:r>
-              <a:rPr lang="en-US"/>
-              <a:t>Click to edit Master title style</a:t>
-            </a:r>
-          </a:p>
-        </p:txBody>
-      </p:sp>
-      <p:sp>
-        <p:nvSpPr>
-          <p:cNvPr id="3" name="Text Placeholder 2">
-            <a:extLst>
-              <a:ext uri="{FF2B5EF4-FFF2-40B4-BE49-F238E27FC236}">
-                <a16:creationId xmlns:a16="http://schemas.microsoft.com/office/drawing/2014/main" id="{544AF6FB-AD6C-4882-81B0-96CE078AAFDE}"/>
-              </a:ext>
-            </a:extLst>
-          </p:cNvPr>
-          <p:cNvSpPr>
-            <a:spLocks noGrp="1"/>
-          </p:cNvSpPr>
-          <p:nvPr>
-            <p:ph type="body" idx="1"/>
-          </p:nvPr>
-        </p:nvSpPr>
-        <p:spPr>
-          <a:xfrm>
-            <a:off x="629842" y="1681163"/>
-            <a:ext cx="3868340" cy="823912"/>
-          </a:xfrm>
-        </p:spPr>
-        <p:txBody>
-          <a:bodyPr anchor="b"/>
-          <a:lstStyle>
-            <a:lvl1pPr marL="0" indent="0">
-              <a:buNone/>
-              <a:defRPr sz="1800" b="1"/>
-            </a:lvl1pPr>
-            <a:lvl2pPr marL="342900" indent="0">
-              <a:buNone/>
-              <a:defRPr sz="1500" b="1"/>
-            </a:lvl2pPr>
-            <a:lvl3pPr marL="685800" indent="0">
-              <a:buNone/>
-              <a:defRPr sz="1350" b="1"/>
-            </a:lvl3pPr>
-            <a:lvl4pPr marL="1028700" indent="0">
-              <a:buNone/>
-              <a:defRPr sz="1200" b="1"/>
-            </a:lvl4pPr>
-            <a:lvl5pPr marL="1371600" indent="0">
-              <a:buNone/>
-              <a:defRPr sz="1200" b="1"/>
-            </a:lvl5pPr>
-            <a:lvl6pPr marL="1714500" indent="0">
-              <a:buNone/>
-              <a:defRPr sz="1200" b="1"/>
-            </a:lvl6pPr>
-            <a:lvl7pPr marL="2057400" indent="0">
-              <a:buNone/>
-              <a:defRPr sz="1200" b="1"/>
-            </a:lvl7pPr>
-            <a:lvl8pPr marL="2400300" indent="0">
-              <a:buNone/>
-              <a:defRPr sz="1200" b="1"/>
-            </a:lvl8pPr>
-            <a:lvl9pPr marL="2743200" indent="0">
-              <a:buNone/>
-              <a:defRPr sz="1200" b="1"/>
-            </a:lvl9pPr>
-          </a:lstStyle>
-          <a:p>
-            <a:pPr lvl="0"/>
-            <a:r>
-              <a:rPr lang="en-US"/>
-              <a:t>Click to edit Master text styles</a:t>
-            </a:r>
-          </a:p>
-        </p:txBody>
-      </p:sp>
-      <p:sp>
-        <p:nvSpPr>
-          <p:cNvPr id="4" name="Content Placeholder 3">
-            <a:extLst>
-              <a:ext uri="{FF2B5EF4-FFF2-40B4-BE49-F238E27FC236}">
-                <a16:creationId xmlns:a16="http://schemas.microsoft.com/office/drawing/2014/main" id="{1533832D-5B97-457A-BE16-A272372A4631}"/>
-              </a:ext>
-            </a:extLst>
-          </p:cNvPr>
-          <p:cNvSpPr>
-            <a:spLocks noGrp="1"/>
-          </p:cNvSpPr>
-          <p:nvPr>
-            <p:ph sz="half" idx="2"/>
-          </p:nvPr>
-        </p:nvSpPr>
-        <p:spPr>
-          <a:xfrm>
-            <a:off x="629842" y="2505075"/>
-            <a:ext cx="3868340" cy="3684588"/>
-          </a:xfrm>
-        </p:spPr>
-        <p:txBody>
-          <a:bodyPr/>
-          <a:lstStyle/>
-          <a:p>
-            <a:pPr lvl="0"/>
-            <a:r>
-              <a:rPr lang="en-US"/>
-              <a:t>Click to edit Master text styles</a:t>
-            </a:r>
-          </a:p>
-          <a:p>
-            <a:pPr lvl="1"/>
-            <a:r>
-              <a:rPr lang="en-US"/>
-              <a:t>Second level</a:t>
-            </a:r>
-          </a:p>
-          <a:p>
-            <a:pPr lvl="2"/>
-            <a:r>
-              <a:rPr lang="en-US"/>
-              <a:t>Third level</a:t>
-            </a:r>
-          </a:p>
-          <a:p>
-            <a:pPr lvl="3"/>
-            <a:r>
-              <a:rPr lang="en-US"/>
-              <a:t>Fourth level</a:t>
-            </a:r>
-          </a:p>
-          <a:p>
-            <a:pPr lvl="4"/>
-            <a:r>
-              <a:rPr lang="en-US"/>
-              <a:t>Fifth level</a:t>
-            </a:r>
-          </a:p>
-        </p:txBody>
-      </p:sp>
-      <p:sp>
-        <p:nvSpPr>
-          <p:cNvPr id="5" name="Text Placeholder 4">
-            <a:extLst>
-              <a:ext uri="{FF2B5EF4-FFF2-40B4-BE49-F238E27FC236}">
-                <a16:creationId xmlns:a16="http://schemas.microsoft.com/office/drawing/2014/main" id="{EB0BE55C-A71C-4022-9131-15FEDC116784}"/>
-              </a:ext>
-            </a:extLst>
-          </p:cNvPr>
-          <p:cNvSpPr>
-            <a:spLocks noGrp="1"/>
-          </p:cNvSpPr>
-          <p:nvPr>
-            <p:ph type="body" sz="quarter" idx="3"/>
-          </p:nvPr>
-        </p:nvSpPr>
-        <p:spPr>
-          <a:xfrm>
-            <a:off x="4629150" y="1681163"/>
-            <a:ext cx="3887391" cy="823912"/>
-          </a:xfrm>
-        </p:spPr>
-        <p:txBody>
-          <a:bodyPr anchor="b"/>
-          <a:lstStyle>
-            <a:lvl1pPr marL="0" indent="0">
-              <a:buNone/>
-              <a:defRPr sz="1800" b="1"/>
-            </a:lvl1pPr>
-            <a:lvl2pPr marL="342900" indent="0">
-              <a:buNone/>
-              <a:defRPr sz="1500" b="1"/>
-            </a:lvl2pPr>
-            <a:lvl3pPr marL="685800" indent="0">
-              <a:buNone/>
-              <a:defRPr sz="1350" b="1"/>
-            </a:lvl3pPr>
-            <a:lvl4pPr marL="1028700" indent="0">
-              <a:buNone/>
-              <a:defRPr sz="1200" b="1"/>
-            </a:lvl4pPr>
-            <a:lvl5pPr marL="1371600" indent="0">
-              <a:buNone/>
-              <a:defRPr sz="1200" b="1"/>
-            </a:lvl5pPr>
-            <a:lvl6pPr marL="1714500" indent="0">
-              <a:buNone/>
-              <a:defRPr sz="1200" b="1"/>
-            </a:lvl6pPr>
-            <a:lvl7pPr marL="2057400" indent="0">
-              <a:buNone/>
-              <a:defRPr sz="1200" b="1"/>
-            </a:lvl7pPr>
-            <a:lvl8pPr marL="2400300" indent="0">
-              <a:buNone/>
-              <a:defRPr sz="1200" b="1"/>
-            </a:lvl8pPr>
-            <a:lvl9pPr marL="2743200" indent="0">
-              <a:buNone/>
-              <a:defRPr sz="1200" b="1"/>
-            </a:lvl9pPr>
-          </a:lstStyle>
-          <a:p>
-            <a:pPr lvl="0"/>
-            <a:r>
-              <a:rPr lang="en-US"/>
-              <a:t>Click to edit Master text styles</a:t>
-            </a:r>
-          </a:p>
-        </p:txBody>
-      </p:sp>
-      <p:sp>
-        <p:nvSpPr>
-          <p:cNvPr id="6" name="Content Placeholder 5">
-            <a:extLst>
-              <a:ext uri="{FF2B5EF4-FFF2-40B4-BE49-F238E27FC236}">
-                <a16:creationId xmlns:a16="http://schemas.microsoft.com/office/drawing/2014/main" id="{B42F743A-257A-4CB8-B95B-5C988CC62C5F}"/>
-              </a:ext>
-            </a:extLst>
-          </p:cNvPr>
-          <p:cNvSpPr>
-            <a:spLocks noGrp="1"/>
-          </p:cNvSpPr>
-          <p:nvPr>
-            <p:ph sz="quarter" idx="4"/>
-          </p:nvPr>
-        </p:nvSpPr>
-        <p:spPr>
-          <a:xfrm>
-            <a:off x="4629150" y="2505075"/>
-            <a:ext cx="3887391" cy="3684588"/>
-          </a:xfrm>
-        </p:spPr>
-        <p:txBody>
-          <a:bodyPr/>
-          <a:lstStyle/>
-          <a:p>
-            <a:pPr lvl="0"/>
-            <a:r>
-              <a:rPr lang="en-US"/>
-              <a:t>Click to edit Master text styles</a:t>
-            </a:r>
-          </a:p>
-          <a:p>
-            <a:pPr lvl="1"/>
-            <a:r>
-              <a:rPr lang="en-US"/>
-              <a:t>Second level</a:t>
-            </a:r>
-          </a:p>
-          <a:p>
-            <a:pPr lvl="2"/>
-            <a:r>
-              <a:rPr lang="en-US"/>
-              <a:t>Third level</a:t>
-            </a:r>
-          </a:p>
-          <a:p>
-            <a:pPr lvl="3"/>
-            <a:r>
-              <a:rPr lang="en-US"/>
-              <a:t>Fourth level</a:t>
-            </a:r>
-          </a:p>
-          <a:p>
-            <a:pPr lvl="4"/>
-            <a:r>
-              <a:rPr lang="en-US"/>
-              <a:t>Fifth level</a:t>
-            </a:r>
-          </a:p>
-        </p:txBody>
-      </p:sp>
-      <p:sp>
-        <p:nvSpPr>
-          <p:cNvPr id="7" name="Date Placeholder 6">
-            <a:extLst>
-              <a:ext uri="{FF2B5EF4-FFF2-40B4-BE49-F238E27FC236}">
-                <a16:creationId xmlns:a16="http://schemas.microsoft.com/office/drawing/2014/main" id="{D25E529E-3A21-43D7-BDFA-A5A848AC67B7}"/>
-              </a:ext>
-            </a:extLst>
-          </p:cNvPr>
-          <p:cNvSpPr>
-            <a:spLocks noGrp="1"/>
-          </p:cNvSpPr>
-          <p:nvPr>
-            <p:ph type="dt" sz="half" idx="10"/>
-          </p:nvPr>
-        </p:nvSpPr>
-        <p:spPr>
-          <a:xfrm>
-            <a:off x="692434" y="6356350"/>
-            <a:ext cx="1174141" cy="365125"/>
-          </a:xfrm>
-          <a:prstGeom prst="rect">
-            <a:avLst/>
-          </a:prstGeom>
-        </p:spPr>
-        <p:txBody>
-          <a:bodyPr/>
-          <a:lstStyle/>
-          <a:p>
-            <a:fld id="{50B48069-9BF5-4AAA-976B-ABC4BE64C868}" type="datetime1">
-              <a:rPr lang="en-US" smtClean="0"/>
-              <a:t>1/11/2021</a:t>
-            </a:fld>
-            <a:endParaRPr lang="en-US"/>
-          </a:p>
-        </p:txBody>
-      </p:sp>
-      <p:sp>
-        <p:nvSpPr>
-          <p:cNvPr id="8" name="Footer Placeholder 7">
-            <a:extLst>
-              <a:ext uri="{FF2B5EF4-FFF2-40B4-BE49-F238E27FC236}">
-                <a16:creationId xmlns:a16="http://schemas.microsoft.com/office/drawing/2014/main" id="{E8A1AC98-0217-4FDD-B158-1F74B7A158CE}"/>
-              </a:ext>
-            </a:extLst>
-          </p:cNvPr>
-          <p:cNvSpPr>
-            <a:spLocks noGrp="1"/>
-          </p:cNvSpPr>
-          <p:nvPr>
-            <p:ph type="ftr" sz="quarter" idx="11"/>
-          </p:nvPr>
-        </p:nvSpPr>
-        <p:spPr/>
-        <p:txBody>
-          <a:bodyPr/>
-          <a:lstStyle/>
-          <a:p>
-            <a:endParaRPr lang="en-US"/>
-          </a:p>
-        </p:txBody>
-      </p:sp>
-      <p:sp>
-        <p:nvSpPr>
-          <p:cNvPr id="9" name="Slide Number Placeholder 8">
-            <a:extLst>
-              <a:ext uri="{FF2B5EF4-FFF2-40B4-BE49-F238E27FC236}">
-                <a16:creationId xmlns:a16="http://schemas.microsoft.com/office/drawing/2014/main" id="{38112B28-E129-463E-A880-BAB46D30BA21}"/>
-              </a:ext>
-            </a:extLst>
-          </p:cNvPr>
-          <p:cNvSpPr>
-            <a:spLocks noGrp="1"/>
-          </p:cNvSpPr>
-          <p:nvPr>
-            <p:ph type="sldNum" sz="quarter" idx="12"/>
-          </p:nvPr>
-        </p:nvSpPr>
-        <p:spPr/>
-        <p:txBody>
-          <a:bodyPr/>
-          <a:lstStyle/>
-          <a:p>
-            <a:fld id="{C064A79B-B315-413E-88BB-EFE0B5D603D0}" type="slidenum">
-              <a:rPr lang="en-US" smtClean="0"/>
-              <a:t>‹#›</a:t>
-            </a:fld>
-            <a:endParaRPr lang="en-US"/>
-          </a:p>
-        </p:txBody>
-      </p:sp>
-    </p:spTree>
-    <p:extLst>
-      <p:ext uri="{BB962C8B-B14F-4D97-AF65-F5344CB8AC3E}">
-        <p14:creationId xmlns:p14="http://schemas.microsoft.com/office/powerpoint/2010/main" val="3298881254"/>
       </p:ext>
     </p:extLst>
   </p:cSld>
@@ -5248,7 +5850,7 @@
           <p:nvPr userDrawn="1"/>
         </p:nvPicPr>
         <p:blipFill rotWithShape="1">
-          <a:blip r:embed="rId17"/>
+          <a:blip r:embed="rId19"/>
           <a:srcRect l="10942" t="14424" r="10940" b="34605"/>
           <a:stretch/>
         </p:blipFill>
@@ -5273,19 +5875,21 @@
   <p:sldLayoutIdLst>
     <p:sldLayoutId id="2147483649" r:id="rId1"/>
     <p:sldLayoutId id="2147483650" r:id="rId2"/>
-    <p:sldLayoutId id="2147483660" r:id="rId3"/>
-    <p:sldLayoutId id="2147483651" r:id="rId4"/>
-    <p:sldLayoutId id="2147483652" r:id="rId5"/>
-    <p:sldLayoutId id="2147483661" r:id="rId6"/>
-    <p:sldLayoutId id="2147483662" r:id="rId7"/>
-    <p:sldLayoutId id="2147483663" r:id="rId8"/>
-    <p:sldLayoutId id="2147483653" r:id="rId9"/>
-    <p:sldLayoutId id="2147483654" r:id="rId10"/>
-    <p:sldLayoutId id="2147483655" r:id="rId11"/>
-    <p:sldLayoutId id="2147483656" r:id="rId12"/>
-    <p:sldLayoutId id="2147483657" r:id="rId13"/>
-    <p:sldLayoutId id="2147483658" r:id="rId14"/>
-    <p:sldLayoutId id="2147483659" r:id="rId15"/>
+    <p:sldLayoutId id="2147483664" r:id="rId3"/>
+    <p:sldLayoutId id="2147483660" r:id="rId4"/>
+    <p:sldLayoutId id="2147483665" r:id="rId5"/>
+    <p:sldLayoutId id="2147483651" r:id="rId6"/>
+    <p:sldLayoutId id="2147483652" r:id="rId7"/>
+    <p:sldLayoutId id="2147483661" r:id="rId8"/>
+    <p:sldLayoutId id="2147483662" r:id="rId9"/>
+    <p:sldLayoutId id="2147483663" r:id="rId10"/>
+    <p:sldLayoutId id="2147483653" r:id="rId11"/>
+    <p:sldLayoutId id="2147483654" r:id="rId12"/>
+    <p:sldLayoutId id="2147483655" r:id="rId13"/>
+    <p:sldLayoutId id="2147483656" r:id="rId14"/>
+    <p:sldLayoutId id="2147483657" r:id="rId15"/>
+    <p:sldLayoutId id="2147483658" r:id="rId16"/>
+    <p:sldLayoutId id="2147483659" r:id="rId17"/>
   </p:sldLayoutIdLst>
   <p:hf hdr="0" dt="0"/>
   <p:txStyles>

--- a/inst/templates/TemplateIQ_43.pptx
+++ b/inst/templates/TemplateIQ_43.pptx
@@ -18,16 +18,17 @@
       <p:boldItalic r:id="rId6"/>
     </p:embeddedFont>
     <p:embeddedFont>
-      <p:font typeface="Mont Heavy" panose="00000A00000000000000" pitchFamily="50" charset="0"/>
+      <p:font typeface="Mont Heavy" panose="020B0604020202020204" charset="0"/>
       <p:bold r:id="rId7"/>
     </p:embeddedFont>
     <p:embeddedFont>
-      <p:font typeface="Mont Light" panose="00000500000000000000" pitchFamily="50" charset="0"/>
+      <p:font typeface="Mont Light" panose="020B0604020202020204" charset="0"/>
       <p:regular r:id="rId8"/>
     </p:embeddedFont>
     <p:embeddedFont>
       <p:font typeface="Open Sans" panose="020B0606030504020204" pitchFamily="34" charset="0"/>
       <p:regular r:id="rId9"/>
+      <p:bold r:id="rId10"/>
     </p:embeddedFont>
   </p:embeddedFontLst>
   <p:defaultTextStyle>
@@ -215,7 +216,7 @@
           <a:p>
             <a:fld id="{DDCCD2A6-B5E6-46A1-BEAE-67E2B354F048}" type="datetimeFigureOut">
               <a:rPr lang="en-CH" smtClean="0"/>
-              <a:t>11/01/2021</a:t>
+              <a:t>7 Jan 2022</a:t>
             </a:fld>
             <a:endParaRPr lang="en-CH"/>
           </a:p>
@@ -598,8 +599,8 @@
         </p:nvSpPr>
         <p:spPr>
           <a:xfrm>
-            <a:off x="282161" y="2273875"/>
-            <a:ext cx="8727509" cy="644842"/>
+            <a:off x="282161" y="2273874"/>
+            <a:ext cx="8727509" cy="3757809"/>
           </a:xfrm>
         </p:spPr>
         <p:txBody>
@@ -686,7 +687,7 @@
           <a:p>
             <a:fld id="{90E8E99B-7987-4216-A653-2289E721DDD1}" type="datetime1">
               <a:rPr lang="en-US" smtClean="0"/>
-              <a:t>1/11/2021</a:t>
+              <a:t>1/7/2022</a:t>
             </a:fld>
             <a:endParaRPr lang="en-US"/>
           </a:p>
@@ -950,7 +951,7 @@
           <a:p>
             <a:fld id="{89BFF260-1674-4B54-A3A6-8BD99D2AA53F}" type="datetime1">
               <a:rPr lang="en-US" smtClean="0"/>
-              <a:t>1/11/2021</a:t>
+              <a:t>1/7/2022</a:t>
             </a:fld>
             <a:endParaRPr lang="en-US"/>
           </a:p>
@@ -1714,7 +1715,7 @@
           <a:p>
             <a:fld id="{50B48069-9BF5-4AAA-976B-ABC4BE64C868}" type="datetime1">
               <a:rPr lang="en-US" smtClean="0"/>
-              <a:t>1/11/2021</a:t>
+              <a:t>1/7/2022</a:t>
             </a:fld>
             <a:endParaRPr lang="en-US"/>
           </a:p>
@@ -1879,7 +1880,7 @@
           <a:p>
             <a:fld id="{FE4BCB95-AB5B-4A5C-9110-200EF78E4778}" type="datetime1">
               <a:rPr lang="en-US" smtClean="0"/>
-              <a:t>1/11/2021</a:t>
+              <a:t>1/7/2022</a:t>
             </a:fld>
             <a:endParaRPr lang="en-US"/>
           </a:p>
@@ -2000,7 +2001,7 @@
           <a:p>
             <a:fld id="{17E66974-7B4A-4094-B0D5-4B350890C16B}" type="datetime1">
               <a:rPr lang="en-US" smtClean="0"/>
-              <a:t>1/11/2021</a:t>
+              <a:t>1/7/2022</a:t>
             </a:fld>
             <a:endParaRPr lang="en-US"/>
           </a:p>
@@ -2319,7 +2320,7 @@
           <a:p>
             <a:fld id="{4736CA40-B21E-4BC1-BF1D-883E6BE6094B}" type="datetime1">
               <a:rPr lang="en-US" smtClean="0"/>
-              <a:t>1/11/2021</a:t>
+              <a:t>1/7/2022</a:t>
             </a:fld>
             <a:endParaRPr lang="en-US"/>
           </a:p>
@@ -2615,7 +2616,7 @@
           <a:p>
             <a:fld id="{06D10DB8-659B-4958-A792-DE05210DF328}" type="datetime1">
               <a:rPr lang="en-US" smtClean="0"/>
-              <a:t>1/11/2021</a:t>
+              <a:t>1/7/2022</a:t>
             </a:fld>
             <a:endParaRPr lang="en-US"/>
           </a:p>
@@ -2821,7 +2822,7 @@
           <a:p>
             <a:fld id="{E7CF5876-4B3B-4A39-B999-95B42A2340FE}" type="datetime1">
               <a:rPr lang="en-US" smtClean="0"/>
-              <a:t>1/11/2021</a:t>
+              <a:t>1/7/2022</a:t>
             </a:fld>
             <a:endParaRPr lang="en-US"/>
           </a:p>
@@ -3037,7 +3038,7 @@
           <a:p>
             <a:fld id="{88D61156-842F-4F67-B06A-C4646596C268}" type="datetime1">
               <a:rPr lang="en-US" smtClean="0"/>
-              <a:t>1/11/2021</a:t>
+              <a:t>1/7/2022</a:t>
             </a:fld>
             <a:endParaRPr lang="en-US"/>
           </a:p>
@@ -3248,7 +3249,7 @@
           <a:p>
             <a:fld id="{4A448851-F1FF-4B89-82AB-47C2886C2712}" type="datetime1">
               <a:rPr lang="en-US" smtClean="0"/>
-              <a:t>1/11/2021</a:t>
+              <a:t>1/7/2022</a:t>
             </a:fld>
             <a:endParaRPr lang="en-US"/>
           </a:p>
@@ -3468,7 +3469,7 @@
           <a:p>
             <a:fld id="{4A448851-F1FF-4B89-82AB-47C2886C2712}" type="datetime1">
               <a:rPr lang="en-US" smtClean="0"/>
-              <a:t>1/11/2021</a:t>
+              <a:t>1/7/2022</a:t>
             </a:fld>
             <a:endParaRPr lang="en-US" dirty="0"/>
           </a:p>
@@ -3722,7 +3723,7 @@
           <a:p>
             <a:fld id="{9FC0DEDD-AAD6-481E-BA52-3D7C9DFC702B}" type="datetime1">
               <a:rPr lang="en-US" smtClean="0"/>
-              <a:t>1/11/2021</a:t>
+              <a:t>1/7/2022</a:t>
             </a:fld>
             <a:endParaRPr lang="en-US"/>
           </a:p>
@@ -4028,7 +4029,7 @@
           <a:p>
             <a:fld id="{9FC0DEDD-AAD6-481E-BA52-3D7C9DFC702B}" type="datetime1">
               <a:rPr lang="en-US" smtClean="0"/>
-              <a:t>1/11/2021</a:t>
+              <a:t>1/7/2022</a:t>
             </a:fld>
             <a:endParaRPr lang="en-US"/>
           </a:p>
@@ -4435,7 +4436,7 @@
           <a:p>
             <a:fld id="{EC5C82F9-F59C-4CE5-9289-1898459AF428}" type="datetime1">
               <a:rPr lang="en-US" smtClean="0"/>
-              <a:t>1/11/2021</a:t>
+              <a:t>1/7/2022</a:t>
             </a:fld>
             <a:endParaRPr lang="en-US"/>
           </a:p>
@@ -4564,7 +4565,7 @@
           <a:p>
             <a:fld id="{DA0CDD85-E753-4251-B347-F1BEE1D272E1}" type="datetime1">
               <a:rPr lang="en-US" smtClean="0"/>
-              <a:t>1/11/2021</a:t>
+              <a:t>1/7/2022</a:t>
             </a:fld>
             <a:endParaRPr lang="en-US"/>
           </a:p>
@@ -4857,7 +4858,7 @@
           <a:p>
             <a:fld id="{57B4F576-FC99-4961-BD4C-E8B281EB9C39}" type="datetime1">
               <a:rPr lang="en-US" smtClean="0"/>
-              <a:t>1/11/2021</a:t>
+              <a:t>1/7/2022</a:t>
             </a:fld>
             <a:endParaRPr lang="en-US"/>
           </a:p>
@@ -5239,7 +5240,7 @@
           <a:p>
             <a:fld id="{F55EAF3D-9CFA-4FC9-AA0C-DF7E220E11CA}" type="datetime1">
               <a:rPr lang="en-US" smtClean="0"/>
-              <a:t>1/11/2021</a:t>
+              <a:t>1/7/2022</a:t>
             </a:fld>
             <a:endParaRPr lang="en-US"/>
           </a:p>
@@ -5739,7 +5740,7 @@
           <a:p>
             <a:fld id="{D937D606-FB15-40D5-BE50-B99102433FE5}" type="datetime1">
               <a:rPr lang="en-US" smtClean="0"/>
-              <a:t>1/11/2021</a:t>
+              <a:t>1/7/2022</a:t>
             </a:fld>
             <a:endParaRPr lang="en-US"/>
           </a:p>

--- a/inst/templates/TemplateIQ_43.pptx
+++ b/inst/templates/TemplateIQ_43.pptx
@@ -29,6 +29,7 @@
       <p:font typeface="Open Sans" panose="020B0606030504020204" pitchFamily="34" charset="0"/>
       <p:regular r:id="rId9"/>
       <p:bold r:id="rId10"/>
+      <p:italic r:id="rId11"/>
     </p:embeddedFont>
   </p:embeddedFontLst>
   <p:defaultTextStyle>
@@ -216,7 +217,7 @@
           <a:p>
             <a:fld id="{DDCCD2A6-B5E6-46A1-BEAE-67E2B354F048}" type="datetimeFigureOut">
               <a:rPr lang="en-CH" smtClean="0"/>
-              <a:t>7 Jan 2022</a:t>
+              <a:t>05/16/2022</a:t>
             </a:fld>
             <a:endParaRPr lang="en-CH"/>
           </a:p>
@@ -687,7 +688,7 @@
           <a:p>
             <a:fld id="{90E8E99B-7987-4216-A653-2289E721DDD1}" type="datetime1">
               <a:rPr lang="en-US" smtClean="0"/>
-              <a:t>1/7/2022</a:t>
+              <a:t>5/16/2022</a:t>
             </a:fld>
             <a:endParaRPr lang="en-US"/>
           </a:p>
@@ -896,6 +897,388 @@
 </file>
 
 <file path=ppt/slideLayouts/slideLayout10.xml><?xml version="1.0" encoding="utf-8"?>
+<p:sldLayout xmlns:a="http://schemas.openxmlformats.org/drawingml/2006/main" xmlns:r="http://schemas.openxmlformats.org/officeDocument/2006/relationships" xmlns:p="http://schemas.openxmlformats.org/presentationml/2006/main" preserve="1" userDrawn="1">
+  <p:cSld name="Two Content and Caption Left">
+    <p:bg>
+      <p:bgPr>
+        <a:solidFill>
+          <a:schemeClr val="bg1"/>
+        </a:solidFill>
+        <a:effectLst/>
+      </p:bgPr>
+    </p:bg>
+    <p:spTree>
+      <p:nvGrpSpPr>
+        <p:cNvPr id="1" name=""/>
+        <p:cNvGrpSpPr/>
+        <p:nvPr/>
+      </p:nvGrpSpPr>
+      <p:grpSpPr>
+        <a:xfrm>
+          <a:off x="0" y="0"/>
+          <a:ext cx="0" cy="0"/>
+          <a:chOff x="0" y="0"/>
+          <a:chExt cx="0" cy="0"/>
+        </a:xfrm>
+      </p:grpSpPr>
+      <p:sp>
+        <p:nvSpPr>
+          <p:cNvPr id="5" name="Date Placeholder 4">
+            <a:extLst>
+              <a:ext uri="{FF2B5EF4-FFF2-40B4-BE49-F238E27FC236}">
+                <a16:creationId xmlns:a16="http://schemas.microsoft.com/office/drawing/2014/main" id="{985F3433-3055-4279-A232-CDB35C481677}"/>
+              </a:ext>
+            </a:extLst>
+          </p:cNvPr>
+          <p:cNvSpPr>
+            <a:spLocks noGrp="1"/>
+          </p:cNvSpPr>
+          <p:nvPr>
+            <p:ph type="dt" sz="half" idx="10"/>
+          </p:nvPr>
+        </p:nvSpPr>
+        <p:spPr>
+          <a:xfrm>
+            <a:off x="692434" y="6356350"/>
+            <a:ext cx="1174141" cy="365125"/>
+          </a:xfrm>
+          <a:prstGeom prst="rect">
+            <a:avLst/>
+          </a:prstGeom>
+        </p:spPr>
+        <p:txBody>
+          <a:bodyPr/>
+          <a:lstStyle/>
+          <a:p>
+            <a:fld id="{F55EAF3D-9CFA-4FC9-AA0C-DF7E220E11CA}" type="datetime1">
+              <a:rPr lang="en-US" smtClean="0"/>
+              <a:t>5/16/2022</a:t>
+            </a:fld>
+            <a:endParaRPr lang="en-US"/>
+          </a:p>
+        </p:txBody>
+      </p:sp>
+      <p:sp>
+        <p:nvSpPr>
+          <p:cNvPr id="6" name="Footer Placeholder 5">
+            <a:extLst>
+              <a:ext uri="{FF2B5EF4-FFF2-40B4-BE49-F238E27FC236}">
+                <a16:creationId xmlns:a16="http://schemas.microsoft.com/office/drawing/2014/main" id="{C4190A63-5D67-4FD5-97FD-79F7445B6A2E}"/>
+              </a:ext>
+            </a:extLst>
+          </p:cNvPr>
+          <p:cNvSpPr>
+            <a:spLocks noGrp="1"/>
+          </p:cNvSpPr>
+          <p:nvPr>
+            <p:ph type="ftr" sz="quarter" idx="11"/>
+          </p:nvPr>
+        </p:nvSpPr>
+        <p:spPr/>
+        <p:txBody>
+          <a:bodyPr/>
+          <a:lstStyle/>
+          <a:p>
+            <a:endParaRPr lang="en-US"/>
+          </a:p>
+        </p:txBody>
+      </p:sp>
+      <p:sp>
+        <p:nvSpPr>
+          <p:cNvPr id="7" name="Slide Number Placeholder 6">
+            <a:extLst>
+              <a:ext uri="{FF2B5EF4-FFF2-40B4-BE49-F238E27FC236}">
+                <a16:creationId xmlns:a16="http://schemas.microsoft.com/office/drawing/2014/main" id="{D2687DAE-A442-4DC3-8550-20F58B781EC7}"/>
+              </a:ext>
+            </a:extLst>
+          </p:cNvPr>
+          <p:cNvSpPr>
+            <a:spLocks noGrp="1"/>
+          </p:cNvSpPr>
+          <p:nvPr>
+            <p:ph type="sldNum" sz="quarter" idx="12"/>
+          </p:nvPr>
+        </p:nvSpPr>
+        <p:spPr/>
+        <p:txBody>
+          <a:bodyPr/>
+          <a:lstStyle/>
+          <a:p>
+            <a:fld id="{C064A79B-B315-413E-88BB-EFE0B5D603D0}" type="slidenum">
+              <a:rPr lang="en-US" smtClean="0"/>
+              <a:t>‹#›</a:t>
+            </a:fld>
+            <a:endParaRPr lang="en-US"/>
+          </a:p>
+        </p:txBody>
+      </p:sp>
+      <p:sp>
+        <p:nvSpPr>
+          <p:cNvPr id="9" name="Title 1">
+            <a:extLst>
+              <a:ext uri="{FF2B5EF4-FFF2-40B4-BE49-F238E27FC236}">
+                <a16:creationId xmlns:a16="http://schemas.microsoft.com/office/drawing/2014/main" id="{177E17F1-D3B2-42A6-9982-8788655386CF}"/>
+              </a:ext>
+            </a:extLst>
+          </p:cNvPr>
+          <p:cNvSpPr>
+            <a:spLocks noGrp="1"/>
+          </p:cNvSpPr>
+          <p:nvPr>
+            <p:ph type="title"/>
+          </p:nvPr>
+        </p:nvSpPr>
+        <p:spPr>
+          <a:xfrm>
+            <a:off x="0" y="1"/>
+            <a:ext cx="9144000" cy="1013635"/>
+          </a:xfrm>
+          <a:solidFill>
+            <a:srgbClr val="0070C0"/>
+          </a:solidFill>
+        </p:spPr>
+        <p:txBody>
+          <a:bodyPr/>
+          <a:lstStyle>
+            <a:lvl1pPr>
+              <a:defRPr lang="en-US" dirty="0"/>
+            </a:lvl1pPr>
+          </a:lstStyle>
+          <a:p>
+            <a:r>
+              <a:rPr lang="en-US" dirty="0"/>
+              <a:t>Click to edit Master title style</a:t>
+            </a:r>
+          </a:p>
+        </p:txBody>
+      </p:sp>
+      <p:sp>
+        <p:nvSpPr>
+          <p:cNvPr id="10" name="Content Placeholder 2">
+            <a:extLst>
+              <a:ext uri="{FF2B5EF4-FFF2-40B4-BE49-F238E27FC236}">
+                <a16:creationId xmlns:a16="http://schemas.microsoft.com/office/drawing/2014/main" id="{F1A58CC4-526C-4991-898F-C0879D5343E8}"/>
+              </a:ext>
+            </a:extLst>
+          </p:cNvPr>
+          <p:cNvSpPr>
+            <a:spLocks noGrp="1"/>
+          </p:cNvSpPr>
+          <p:nvPr>
+            <p:ph sz="half" idx="1"/>
+          </p:nvPr>
+        </p:nvSpPr>
+        <p:spPr>
+          <a:xfrm>
+            <a:off x="187891" y="1205547"/>
+            <a:ext cx="5403284" cy="4446906"/>
+          </a:xfrm>
+        </p:spPr>
+        <p:txBody>
+          <a:bodyPr/>
+          <a:lstStyle/>
+          <a:p>
+            <a:pPr lvl="0"/>
+            <a:r>
+              <a:rPr lang="en-US" dirty="0"/>
+              <a:t>Click to edit Master text styles</a:t>
+            </a:r>
+          </a:p>
+          <a:p>
+            <a:pPr lvl="1"/>
+            <a:r>
+              <a:rPr lang="en-US" dirty="0"/>
+              <a:t>Second level</a:t>
+            </a:r>
+          </a:p>
+          <a:p>
+            <a:pPr lvl="2"/>
+            <a:r>
+              <a:rPr lang="en-US" dirty="0"/>
+              <a:t>Third level</a:t>
+            </a:r>
+          </a:p>
+          <a:p>
+            <a:pPr lvl="3"/>
+            <a:r>
+              <a:rPr lang="en-US" dirty="0"/>
+              <a:t>Fourth level</a:t>
+            </a:r>
+          </a:p>
+          <a:p>
+            <a:pPr lvl="4"/>
+            <a:r>
+              <a:rPr lang="en-US" dirty="0"/>
+              <a:t>Fifth level</a:t>
+            </a:r>
+          </a:p>
+        </p:txBody>
+      </p:sp>
+      <p:sp>
+        <p:nvSpPr>
+          <p:cNvPr id="11" name="Content Placeholder 3">
+            <a:extLst>
+              <a:ext uri="{FF2B5EF4-FFF2-40B4-BE49-F238E27FC236}">
+                <a16:creationId xmlns:a16="http://schemas.microsoft.com/office/drawing/2014/main" id="{CB008E43-F727-4C47-9855-9440A412ACCB}"/>
+              </a:ext>
+            </a:extLst>
+          </p:cNvPr>
+          <p:cNvSpPr>
+            <a:spLocks noGrp="1"/>
+          </p:cNvSpPr>
+          <p:nvPr>
+            <p:ph sz="half" idx="2"/>
+          </p:nvPr>
+        </p:nvSpPr>
+        <p:spPr>
+          <a:xfrm>
+            <a:off x="5695950" y="1205548"/>
+            <a:ext cx="3228845" cy="5021670"/>
+          </a:xfrm>
+        </p:spPr>
+        <p:txBody>
+          <a:bodyPr/>
+          <a:lstStyle/>
+          <a:p>
+            <a:pPr lvl="0"/>
+            <a:r>
+              <a:rPr lang="en-US" dirty="0"/>
+              <a:t>Click to edit Master text styles</a:t>
+            </a:r>
+          </a:p>
+          <a:p>
+            <a:pPr lvl="1"/>
+            <a:r>
+              <a:rPr lang="en-US" dirty="0"/>
+              <a:t>Second level</a:t>
+            </a:r>
+          </a:p>
+          <a:p>
+            <a:pPr lvl="2"/>
+            <a:r>
+              <a:rPr lang="en-US" dirty="0"/>
+              <a:t>Third level</a:t>
+            </a:r>
+          </a:p>
+          <a:p>
+            <a:pPr lvl="3"/>
+            <a:r>
+              <a:rPr lang="en-US" dirty="0"/>
+              <a:t>Fourth level</a:t>
+            </a:r>
+          </a:p>
+          <a:p>
+            <a:pPr lvl="4"/>
+            <a:r>
+              <a:rPr lang="en-US" dirty="0"/>
+              <a:t>Fifth level</a:t>
+            </a:r>
+          </a:p>
+        </p:txBody>
+      </p:sp>
+      <p:sp>
+        <p:nvSpPr>
+          <p:cNvPr id="3" name="Text Placeholder 2">
+            <a:extLst>
+              <a:ext uri="{FF2B5EF4-FFF2-40B4-BE49-F238E27FC236}">
+                <a16:creationId xmlns:a16="http://schemas.microsoft.com/office/drawing/2014/main" id="{B6810FF5-0B9C-4441-B73D-B10146FB8996}"/>
+              </a:ext>
+            </a:extLst>
+          </p:cNvPr>
+          <p:cNvSpPr>
+            <a:spLocks noGrp="1"/>
+          </p:cNvSpPr>
+          <p:nvPr>
+            <p:ph type="body" sz="quarter" idx="13"/>
+          </p:nvPr>
+        </p:nvSpPr>
+        <p:spPr>
+          <a:xfrm>
+            <a:off x="187891" y="5781584"/>
+            <a:ext cx="5403284" cy="445634"/>
+          </a:xfrm>
+        </p:spPr>
+        <p:txBody>
+          <a:bodyPr/>
+          <a:lstStyle>
+            <a:lvl1pPr marL="0" indent="0">
+              <a:buFont typeface="Arial" panose="020B0604020202020204" pitchFamily="34" charset="0"/>
+              <a:buNone/>
+              <a:defRPr sz="900"/>
+            </a:lvl1pPr>
+            <a:lvl2pPr marL="342900" indent="0">
+              <a:buFont typeface="Arial" panose="020B0604020202020204" pitchFamily="34" charset="0"/>
+              <a:buNone/>
+              <a:defRPr sz="825"/>
+            </a:lvl2pPr>
+            <a:lvl3pPr marL="685800" indent="0">
+              <a:buFont typeface="Arial" panose="020B0604020202020204" pitchFamily="34" charset="0"/>
+              <a:buNone/>
+              <a:defRPr sz="788"/>
+            </a:lvl3pPr>
+            <a:lvl4pPr marL="1028700" indent="0">
+              <a:buFont typeface="Arial" panose="020B0604020202020204" pitchFamily="34" charset="0"/>
+              <a:buNone/>
+              <a:defRPr sz="750"/>
+            </a:lvl4pPr>
+            <a:lvl5pPr marL="1371600" indent="0">
+              <a:buFont typeface="Arial" panose="020B0604020202020204" pitchFamily="34" charset="0"/>
+              <a:buNone/>
+              <a:defRPr sz="750"/>
+            </a:lvl5pPr>
+          </a:lstStyle>
+          <a:p>
+            <a:pPr lvl="0"/>
+            <a:r>
+              <a:rPr lang="en-US" dirty="0"/>
+              <a:t>Click to edit Master text styles</a:t>
+            </a:r>
+          </a:p>
+          <a:p>
+            <a:pPr lvl="1"/>
+            <a:r>
+              <a:rPr lang="en-US" dirty="0"/>
+              <a:t>Second level</a:t>
+            </a:r>
+          </a:p>
+          <a:p>
+            <a:pPr lvl="2"/>
+            <a:r>
+              <a:rPr lang="en-US" dirty="0"/>
+              <a:t>Third level</a:t>
+            </a:r>
+          </a:p>
+          <a:p>
+            <a:pPr lvl="3"/>
+            <a:r>
+              <a:rPr lang="en-US" dirty="0"/>
+              <a:t>Fourth level</a:t>
+            </a:r>
+          </a:p>
+          <a:p>
+            <a:pPr lvl="4"/>
+            <a:r>
+              <a:rPr lang="en-US" dirty="0"/>
+              <a:t>Fifth level</a:t>
+            </a:r>
+            <a:endParaRPr lang="en-CH" dirty="0"/>
+          </a:p>
+        </p:txBody>
+      </p:sp>
+    </p:spTree>
+    <p:extLst>
+      <p:ext uri="{BB962C8B-B14F-4D97-AF65-F5344CB8AC3E}">
+        <p14:creationId xmlns:p14="http://schemas.microsoft.com/office/powerpoint/2010/main" val="3059227006"/>
+      </p:ext>
+    </p:extLst>
+  </p:cSld>
+  <p:clrMapOvr>
+    <a:masterClrMapping/>
+  </p:clrMapOvr>
+</p:sldLayout>
+</file>
+
+<file path=ppt/slideLayouts/slideLayout11.xml><?xml version="1.0" encoding="utf-8"?>
 <p:sldLayout xmlns:a="http://schemas.openxmlformats.org/drawingml/2006/main" xmlns:r="http://schemas.openxmlformats.org/officeDocument/2006/relationships" xmlns:p="http://schemas.openxmlformats.org/presentationml/2006/main" preserve="1" userDrawn="1">
   <p:cSld name="Two Content and Caption">
     <p:bg>
@@ -951,7 +1334,7 @@
           <a:p>
             <a:fld id="{89BFF260-1674-4B54-A3A6-8BD99D2AA53F}" type="datetime1">
               <a:rPr lang="en-US" smtClean="0"/>
-              <a:t>1/7/2022</a:t>
+              <a:t>5/16/2022</a:t>
             </a:fld>
             <a:endParaRPr lang="en-US"/>
           </a:p>
@@ -1368,7 +1751,7 @@
 </p:sldLayout>
 </file>
 
-<file path=ppt/slideLayouts/slideLayout11.xml><?xml version="1.0" encoding="utf-8"?>
+<file path=ppt/slideLayouts/slideLayout12.xml><?xml version="1.0" encoding="utf-8"?>
 <p:sldLayout xmlns:a="http://schemas.openxmlformats.org/drawingml/2006/main" xmlns:r="http://schemas.openxmlformats.org/officeDocument/2006/relationships" xmlns:p="http://schemas.openxmlformats.org/presentationml/2006/main" type="twoTxTwoObj" preserve="1">
   <p:cSld name="Comparison">
     <p:spTree>
@@ -1715,7 +2098,7 @@
           <a:p>
             <a:fld id="{50B48069-9BF5-4AAA-976B-ABC4BE64C868}" type="datetime1">
               <a:rPr lang="en-US" smtClean="0"/>
-              <a:t>1/7/2022</a:t>
+              <a:t>5/16/2022</a:t>
             </a:fld>
             <a:endParaRPr lang="en-US"/>
           </a:p>
@@ -1788,7 +2171,7 @@
 </p:sldLayout>
 </file>
 
-<file path=ppt/slideLayouts/slideLayout12.xml><?xml version="1.0" encoding="utf-8"?>
+<file path=ppt/slideLayouts/slideLayout13.xml><?xml version="1.0" encoding="utf-8"?>
 <p:sldLayout xmlns:a="http://schemas.openxmlformats.org/drawingml/2006/main" xmlns:r="http://schemas.openxmlformats.org/officeDocument/2006/relationships" xmlns:p="http://schemas.openxmlformats.org/presentationml/2006/main" type="titleOnly" preserve="1">
   <p:cSld name="Title Only">
     <p:spTree>
@@ -1880,7 +2263,7 @@
           <a:p>
             <a:fld id="{FE4BCB95-AB5B-4A5C-9110-200EF78E4778}" type="datetime1">
               <a:rPr lang="en-US" smtClean="0"/>
-              <a:t>1/7/2022</a:t>
+              <a:t>5/16/2022</a:t>
             </a:fld>
             <a:endParaRPr lang="en-US"/>
           </a:p>
@@ -1953,7 +2336,7 @@
 </p:sldLayout>
 </file>
 
-<file path=ppt/slideLayouts/slideLayout13.xml><?xml version="1.0" encoding="utf-8"?>
+<file path=ppt/slideLayouts/slideLayout14.xml><?xml version="1.0" encoding="utf-8"?>
 <p:sldLayout xmlns:a="http://schemas.openxmlformats.org/drawingml/2006/main" xmlns:r="http://schemas.openxmlformats.org/officeDocument/2006/relationships" xmlns:p="http://schemas.openxmlformats.org/presentationml/2006/main" type="blank" preserve="1">
   <p:cSld name="Blank">
     <p:spTree>
@@ -2001,7 +2384,7 @@
           <a:p>
             <a:fld id="{17E66974-7B4A-4094-B0D5-4B350890C16B}" type="datetime1">
               <a:rPr lang="en-US" smtClean="0"/>
-              <a:t>1/7/2022</a:t>
+              <a:t>5/16/2022</a:t>
             </a:fld>
             <a:endParaRPr lang="en-US"/>
           </a:p>
@@ -2074,7 +2457,7 @@
 </p:sldLayout>
 </file>
 
-<file path=ppt/slideLayouts/slideLayout14.xml><?xml version="1.0" encoding="utf-8"?>
+<file path=ppt/slideLayouts/slideLayout15.xml><?xml version="1.0" encoding="utf-8"?>
 <p:sldLayout xmlns:a="http://schemas.openxmlformats.org/drawingml/2006/main" xmlns:r="http://schemas.openxmlformats.org/officeDocument/2006/relationships" xmlns:p="http://schemas.openxmlformats.org/presentationml/2006/main" type="objTx" preserve="1">
   <p:cSld name="Content with Caption">
     <p:spTree>
@@ -2320,7 +2703,7 @@
           <a:p>
             <a:fld id="{4736CA40-B21E-4BC1-BF1D-883E6BE6094B}" type="datetime1">
               <a:rPr lang="en-US" smtClean="0"/>
-              <a:t>1/7/2022</a:t>
+              <a:t>5/16/2022</a:t>
             </a:fld>
             <a:endParaRPr lang="en-US"/>
           </a:p>
@@ -2393,7 +2776,7 @@
 </p:sldLayout>
 </file>
 
-<file path=ppt/slideLayouts/slideLayout15.xml><?xml version="1.0" encoding="utf-8"?>
+<file path=ppt/slideLayouts/slideLayout16.xml><?xml version="1.0" encoding="utf-8"?>
 <p:sldLayout xmlns:a="http://schemas.openxmlformats.org/drawingml/2006/main" xmlns:r="http://schemas.openxmlformats.org/officeDocument/2006/relationships" xmlns:p="http://schemas.openxmlformats.org/presentationml/2006/main" type="picTx" preserve="1">
   <p:cSld name="Picture with Caption">
     <p:spTree>
@@ -2616,7 +2999,7 @@
           <a:p>
             <a:fld id="{06D10DB8-659B-4958-A792-DE05210DF328}" type="datetime1">
               <a:rPr lang="en-US" smtClean="0"/>
-              <a:t>1/7/2022</a:t>
+              <a:t>5/16/2022</a:t>
             </a:fld>
             <a:endParaRPr lang="en-US"/>
           </a:p>
@@ -2689,7 +3072,7 @@
 </p:sldLayout>
 </file>
 
-<file path=ppt/slideLayouts/slideLayout16.xml><?xml version="1.0" encoding="utf-8"?>
+<file path=ppt/slideLayouts/slideLayout17.xml><?xml version="1.0" encoding="utf-8"?>
 <p:sldLayout xmlns:a="http://schemas.openxmlformats.org/drawingml/2006/main" xmlns:r="http://schemas.openxmlformats.org/officeDocument/2006/relationships" xmlns:p="http://schemas.openxmlformats.org/presentationml/2006/main" type="vertTx" preserve="1">
   <p:cSld name="Title and Vertical Text">
     <p:spTree>
@@ -2822,7 +3205,7 @@
           <a:p>
             <a:fld id="{E7CF5876-4B3B-4A39-B999-95B42A2340FE}" type="datetime1">
               <a:rPr lang="en-US" smtClean="0"/>
-              <a:t>1/7/2022</a:t>
+              <a:t>5/16/2022</a:t>
             </a:fld>
             <a:endParaRPr lang="en-US"/>
           </a:p>
@@ -2895,7 +3278,7 @@
 </p:sldLayout>
 </file>
 
-<file path=ppt/slideLayouts/slideLayout17.xml><?xml version="1.0" encoding="utf-8"?>
+<file path=ppt/slideLayouts/slideLayout18.xml><?xml version="1.0" encoding="utf-8"?>
 <p:sldLayout xmlns:a="http://schemas.openxmlformats.org/drawingml/2006/main" xmlns:r="http://schemas.openxmlformats.org/officeDocument/2006/relationships" xmlns:p="http://schemas.openxmlformats.org/presentationml/2006/main" type="vertTitleAndTx" preserve="1">
   <p:cSld name="Vertical Title and Text">
     <p:spTree>
@@ -3038,7 +3421,7 @@
           <a:p>
             <a:fld id="{88D61156-842F-4F67-B06A-C4646596C268}" type="datetime1">
               <a:rPr lang="en-US" smtClean="0"/>
-              <a:t>1/7/2022</a:t>
+              <a:t>5/16/2022</a:t>
             </a:fld>
             <a:endParaRPr lang="en-US"/>
           </a:p>
@@ -3249,7 +3632,7 @@
           <a:p>
             <a:fld id="{4A448851-F1FF-4B89-82AB-47C2886C2712}" type="datetime1">
               <a:rPr lang="en-US" smtClean="0"/>
-              <a:t>1/7/2022</a:t>
+              <a:t>5/16/2022</a:t>
             </a:fld>
             <a:endParaRPr lang="en-US"/>
           </a:p>
@@ -3469,7 +3852,7 @@
           <a:p>
             <a:fld id="{4A448851-F1FF-4B89-82AB-47C2886C2712}" type="datetime1">
               <a:rPr lang="en-US" smtClean="0"/>
-              <a:t>1/7/2022</a:t>
+              <a:t>5/16/2022</a:t>
             </a:fld>
             <a:endParaRPr lang="en-US" dirty="0"/>
           </a:p>
@@ -3723,7 +4106,7 @@
           <a:p>
             <a:fld id="{9FC0DEDD-AAD6-481E-BA52-3D7C9DFC702B}" type="datetime1">
               <a:rPr lang="en-US" smtClean="0"/>
-              <a:t>1/7/2022</a:t>
+              <a:t>5/16/2022</a:t>
             </a:fld>
             <a:endParaRPr lang="en-US"/>
           </a:p>
@@ -4029,7 +4412,7 @@
           <a:p>
             <a:fld id="{9FC0DEDD-AAD6-481E-BA52-3D7C9DFC702B}" type="datetime1">
               <a:rPr lang="en-US" smtClean="0"/>
-              <a:t>1/7/2022</a:t>
+              <a:t>5/16/2022</a:t>
             </a:fld>
             <a:endParaRPr lang="en-US"/>
           </a:p>
@@ -4436,7 +4819,7 @@
           <a:p>
             <a:fld id="{EC5C82F9-F59C-4CE5-9289-1898459AF428}" type="datetime1">
               <a:rPr lang="en-US" smtClean="0"/>
-              <a:t>1/7/2022</a:t>
+              <a:t>5/16/2022</a:t>
             </a:fld>
             <a:endParaRPr lang="en-US"/>
           </a:p>
@@ -4565,7 +4948,7 @@
           <a:p>
             <a:fld id="{DA0CDD85-E753-4251-B347-F1BEE1D272E1}" type="datetime1">
               <a:rPr lang="en-US" smtClean="0"/>
-              <a:t>1/7/2022</a:t>
+              <a:t>5/16/2022</a:t>
             </a:fld>
             <a:endParaRPr lang="en-US"/>
           </a:p>
@@ -4803,6 +5186,317 @@
 </file>
 
 <file path=ppt/slideLayouts/slideLayout8.xml><?xml version="1.0" encoding="utf-8"?>
+<p:sldLayout xmlns:a="http://schemas.openxmlformats.org/drawingml/2006/main" xmlns:r="http://schemas.openxmlformats.org/officeDocument/2006/relationships" xmlns:p="http://schemas.openxmlformats.org/presentationml/2006/main" preserve="1" userDrawn="1">
+  <p:cSld name="Two Content Right Bigger">
+    <p:bg>
+      <p:bgPr>
+        <a:solidFill>
+          <a:schemeClr val="bg1"/>
+        </a:solidFill>
+        <a:effectLst/>
+      </p:bgPr>
+    </p:bg>
+    <p:spTree>
+      <p:nvGrpSpPr>
+        <p:cNvPr id="1" name=""/>
+        <p:cNvGrpSpPr/>
+        <p:nvPr/>
+      </p:nvGrpSpPr>
+      <p:grpSpPr>
+        <a:xfrm>
+          <a:off x="0" y="0"/>
+          <a:ext cx="0" cy="0"/>
+          <a:chOff x="0" y="0"/>
+          <a:chExt cx="0" cy="0"/>
+        </a:xfrm>
+      </p:grpSpPr>
+      <p:sp>
+        <p:nvSpPr>
+          <p:cNvPr id="5" name="Date Placeholder 4">
+            <a:extLst>
+              <a:ext uri="{FF2B5EF4-FFF2-40B4-BE49-F238E27FC236}">
+                <a16:creationId xmlns:a16="http://schemas.microsoft.com/office/drawing/2014/main" id="{985F3433-3055-4279-A232-CDB35C481677}"/>
+              </a:ext>
+            </a:extLst>
+          </p:cNvPr>
+          <p:cNvSpPr>
+            <a:spLocks noGrp="1"/>
+          </p:cNvSpPr>
+          <p:nvPr>
+            <p:ph type="dt" sz="half" idx="10"/>
+          </p:nvPr>
+        </p:nvSpPr>
+        <p:spPr>
+          <a:xfrm>
+            <a:off x="692434" y="6356350"/>
+            <a:ext cx="1174141" cy="365125"/>
+          </a:xfrm>
+          <a:prstGeom prst="rect">
+            <a:avLst/>
+          </a:prstGeom>
+        </p:spPr>
+        <p:txBody>
+          <a:bodyPr/>
+          <a:lstStyle/>
+          <a:p>
+            <a:fld id="{DA0CDD85-E753-4251-B347-F1BEE1D272E1}" type="datetime1">
+              <a:rPr lang="en-US" smtClean="0"/>
+              <a:t>5/16/2022</a:t>
+            </a:fld>
+            <a:endParaRPr lang="en-US"/>
+          </a:p>
+        </p:txBody>
+      </p:sp>
+      <p:sp>
+        <p:nvSpPr>
+          <p:cNvPr id="6" name="Footer Placeholder 5">
+            <a:extLst>
+              <a:ext uri="{FF2B5EF4-FFF2-40B4-BE49-F238E27FC236}">
+                <a16:creationId xmlns:a16="http://schemas.microsoft.com/office/drawing/2014/main" id="{C4190A63-5D67-4FD5-97FD-79F7445B6A2E}"/>
+              </a:ext>
+            </a:extLst>
+          </p:cNvPr>
+          <p:cNvSpPr>
+            <a:spLocks noGrp="1"/>
+          </p:cNvSpPr>
+          <p:nvPr>
+            <p:ph type="ftr" sz="quarter" idx="11"/>
+          </p:nvPr>
+        </p:nvSpPr>
+        <p:spPr/>
+        <p:txBody>
+          <a:bodyPr/>
+          <a:lstStyle/>
+          <a:p>
+            <a:endParaRPr lang="en-US"/>
+          </a:p>
+        </p:txBody>
+      </p:sp>
+      <p:sp>
+        <p:nvSpPr>
+          <p:cNvPr id="7" name="Slide Number Placeholder 6">
+            <a:extLst>
+              <a:ext uri="{FF2B5EF4-FFF2-40B4-BE49-F238E27FC236}">
+                <a16:creationId xmlns:a16="http://schemas.microsoft.com/office/drawing/2014/main" id="{D2687DAE-A442-4DC3-8550-20F58B781EC7}"/>
+              </a:ext>
+            </a:extLst>
+          </p:cNvPr>
+          <p:cNvSpPr>
+            <a:spLocks noGrp="1"/>
+          </p:cNvSpPr>
+          <p:nvPr>
+            <p:ph type="sldNum" sz="quarter" idx="12"/>
+          </p:nvPr>
+        </p:nvSpPr>
+        <p:spPr/>
+        <p:txBody>
+          <a:bodyPr/>
+          <a:lstStyle/>
+          <a:p>
+            <a:fld id="{C064A79B-B315-413E-88BB-EFE0B5D603D0}" type="slidenum">
+              <a:rPr lang="en-US" smtClean="0"/>
+              <a:t>‹#›</a:t>
+            </a:fld>
+            <a:endParaRPr lang="en-US"/>
+          </a:p>
+        </p:txBody>
+      </p:sp>
+      <p:sp>
+        <p:nvSpPr>
+          <p:cNvPr id="9" name="Title 1">
+            <a:extLst>
+              <a:ext uri="{FF2B5EF4-FFF2-40B4-BE49-F238E27FC236}">
+                <a16:creationId xmlns:a16="http://schemas.microsoft.com/office/drawing/2014/main" id="{177E17F1-D3B2-42A6-9982-8788655386CF}"/>
+              </a:ext>
+            </a:extLst>
+          </p:cNvPr>
+          <p:cNvSpPr>
+            <a:spLocks noGrp="1"/>
+          </p:cNvSpPr>
+          <p:nvPr>
+            <p:ph type="title"/>
+          </p:nvPr>
+        </p:nvSpPr>
+        <p:spPr>
+          <a:xfrm>
+            <a:off x="0" y="1"/>
+            <a:ext cx="9144000" cy="1013635"/>
+          </a:xfrm>
+          <a:solidFill>
+            <a:srgbClr val="0070C0"/>
+          </a:solidFill>
+        </p:spPr>
+        <p:txBody>
+          <a:bodyPr/>
+          <a:lstStyle>
+            <a:lvl1pPr>
+              <a:defRPr lang="en-US" dirty="0"/>
+            </a:lvl1pPr>
+          </a:lstStyle>
+          <a:p>
+            <a:r>
+              <a:rPr lang="en-US" dirty="0"/>
+              <a:t>Click to edit Master title style</a:t>
+            </a:r>
+          </a:p>
+        </p:txBody>
+      </p:sp>
+      <p:sp>
+        <p:nvSpPr>
+          <p:cNvPr id="10" name="Content Placeholder 2">
+            <a:extLst>
+              <a:ext uri="{FF2B5EF4-FFF2-40B4-BE49-F238E27FC236}">
+                <a16:creationId xmlns:a16="http://schemas.microsoft.com/office/drawing/2014/main" id="{F1A58CC4-526C-4991-898F-C0879D5343E8}"/>
+              </a:ext>
+            </a:extLst>
+          </p:cNvPr>
+          <p:cNvSpPr>
+            <a:spLocks noGrp="1"/>
+          </p:cNvSpPr>
+          <p:nvPr>
+            <p:ph sz="half" idx="1"/>
+          </p:nvPr>
+        </p:nvSpPr>
+        <p:spPr>
+          <a:xfrm>
+            <a:off x="187892" y="1205547"/>
+            <a:ext cx="2472181" cy="4971416"/>
+          </a:xfrm>
+        </p:spPr>
+        <p:txBody>
+          <a:bodyPr>
+            <a:normAutofit/>
+          </a:bodyPr>
+          <a:lstStyle>
+            <a:lvl1pPr>
+              <a:defRPr sz="1400"/>
+            </a:lvl1pPr>
+            <a:lvl2pPr>
+              <a:defRPr sz="1100"/>
+            </a:lvl2pPr>
+            <a:lvl3pPr>
+              <a:defRPr sz="1050"/>
+            </a:lvl3pPr>
+            <a:lvl4pPr>
+              <a:defRPr sz="1000"/>
+            </a:lvl4pPr>
+            <a:lvl5pPr>
+              <a:defRPr sz="1000"/>
+            </a:lvl5pPr>
+          </a:lstStyle>
+          <a:p>
+            <a:pPr lvl="0"/>
+            <a:r>
+              <a:rPr lang="en-US" dirty="0"/>
+              <a:t>Click to edit Master text styles</a:t>
+            </a:r>
+          </a:p>
+          <a:p>
+            <a:pPr lvl="1"/>
+            <a:r>
+              <a:rPr lang="en-US" dirty="0"/>
+              <a:t>Second level</a:t>
+            </a:r>
+          </a:p>
+          <a:p>
+            <a:pPr lvl="2"/>
+            <a:r>
+              <a:rPr lang="en-US" dirty="0"/>
+              <a:t>Third level</a:t>
+            </a:r>
+          </a:p>
+          <a:p>
+            <a:pPr lvl="3"/>
+            <a:r>
+              <a:rPr lang="en-US" dirty="0"/>
+              <a:t>Fourth level</a:t>
+            </a:r>
+          </a:p>
+          <a:p>
+            <a:pPr lvl="4"/>
+            <a:r>
+              <a:rPr lang="en-US" dirty="0"/>
+              <a:t>Fifth level</a:t>
+            </a:r>
+          </a:p>
+        </p:txBody>
+      </p:sp>
+      <p:sp>
+        <p:nvSpPr>
+          <p:cNvPr id="11" name="Content Placeholder 3">
+            <a:extLst>
+              <a:ext uri="{FF2B5EF4-FFF2-40B4-BE49-F238E27FC236}">
+                <a16:creationId xmlns:a16="http://schemas.microsoft.com/office/drawing/2014/main" id="{CB008E43-F727-4C47-9855-9440A412ACCB}"/>
+              </a:ext>
+            </a:extLst>
+          </p:cNvPr>
+          <p:cNvSpPr>
+            <a:spLocks noGrp="1"/>
+          </p:cNvSpPr>
+          <p:nvPr>
+            <p:ph sz="half" idx="2"/>
+          </p:nvPr>
+        </p:nvSpPr>
+        <p:spPr>
+          <a:xfrm>
+            <a:off x="2734888" y="1205547"/>
+            <a:ext cx="6189908" cy="4971416"/>
+          </a:xfrm>
+        </p:spPr>
+        <p:txBody>
+          <a:bodyPr/>
+          <a:lstStyle/>
+          <a:p>
+            <a:pPr lvl="0"/>
+            <a:r>
+              <a:rPr lang="en-US" dirty="0"/>
+              <a:t>Click to edit Master text styles</a:t>
+            </a:r>
+          </a:p>
+          <a:p>
+            <a:pPr lvl="1"/>
+            <a:r>
+              <a:rPr lang="en-US" dirty="0"/>
+              <a:t>Second level</a:t>
+            </a:r>
+          </a:p>
+          <a:p>
+            <a:pPr lvl="2"/>
+            <a:r>
+              <a:rPr lang="en-US" dirty="0"/>
+              <a:t>Third level</a:t>
+            </a:r>
+          </a:p>
+          <a:p>
+            <a:pPr lvl="3"/>
+            <a:r>
+              <a:rPr lang="en-US" dirty="0"/>
+              <a:t>Fourth level</a:t>
+            </a:r>
+          </a:p>
+          <a:p>
+            <a:pPr lvl="4"/>
+            <a:r>
+              <a:rPr lang="en-US" dirty="0"/>
+              <a:t>Fifth level</a:t>
+            </a:r>
+          </a:p>
+        </p:txBody>
+      </p:sp>
+    </p:spTree>
+    <p:extLst>
+      <p:ext uri="{BB962C8B-B14F-4D97-AF65-F5344CB8AC3E}">
+        <p14:creationId xmlns:p14="http://schemas.microsoft.com/office/powerpoint/2010/main" val="3309574055"/>
+      </p:ext>
+    </p:extLst>
+  </p:cSld>
+  <p:clrMapOvr>
+    <a:masterClrMapping/>
+  </p:clrMapOvr>
+</p:sldLayout>
+</file>
+
+<file path=ppt/slideLayouts/slideLayout9.xml><?xml version="1.0" encoding="utf-8"?>
 <p:sldLayout xmlns:a="http://schemas.openxmlformats.org/drawingml/2006/main" xmlns:r="http://schemas.openxmlformats.org/officeDocument/2006/relationships" xmlns:p="http://schemas.openxmlformats.org/presentationml/2006/main" preserve="1" userDrawn="1">
   <p:cSld name="Two Content and Caption Right">
     <p:bg>
@@ -4858,7 +5552,7 @@
           <a:p>
             <a:fld id="{57B4F576-FC99-4961-BD4C-E8B281EB9C39}" type="datetime1">
               <a:rPr lang="en-US" smtClean="0"/>
-              <a:t>1/7/2022</a:t>
+              <a:t>5/16/2022</a:t>
             </a:fld>
             <a:endParaRPr lang="en-US"/>
           </a:p>
@@ -5175,388 +5869,6 @@
     <p:extLst>
       <p:ext uri="{BB962C8B-B14F-4D97-AF65-F5344CB8AC3E}">
         <p14:creationId xmlns:p14="http://schemas.microsoft.com/office/powerpoint/2010/main" val="3584477701"/>
-      </p:ext>
-    </p:extLst>
-  </p:cSld>
-  <p:clrMapOvr>
-    <a:masterClrMapping/>
-  </p:clrMapOvr>
-</p:sldLayout>
-</file>
-
-<file path=ppt/slideLayouts/slideLayout9.xml><?xml version="1.0" encoding="utf-8"?>
-<p:sldLayout xmlns:a="http://schemas.openxmlformats.org/drawingml/2006/main" xmlns:r="http://schemas.openxmlformats.org/officeDocument/2006/relationships" xmlns:p="http://schemas.openxmlformats.org/presentationml/2006/main" preserve="1" userDrawn="1">
-  <p:cSld name="Two Content and Caption Left">
-    <p:bg>
-      <p:bgPr>
-        <a:solidFill>
-          <a:schemeClr val="bg1"/>
-        </a:solidFill>
-        <a:effectLst/>
-      </p:bgPr>
-    </p:bg>
-    <p:spTree>
-      <p:nvGrpSpPr>
-        <p:cNvPr id="1" name=""/>
-        <p:cNvGrpSpPr/>
-        <p:nvPr/>
-      </p:nvGrpSpPr>
-      <p:grpSpPr>
-        <a:xfrm>
-          <a:off x="0" y="0"/>
-          <a:ext cx="0" cy="0"/>
-          <a:chOff x="0" y="0"/>
-          <a:chExt cx="0" cy="0"/>
-        </a:xfrm>
-      </p:grpSpPr>
-      <p:sp>
-        <p:nvSpPr>
-          <p:cNvPr id="5" name="Date Placeholder 4">
-            <a:extLst>
-              <a:ext uri="{FF2B5EF4-FFF2-40B4-BE49-F238E27FC236}">
-                <a16:creationId xmlns:a16="http://schemas.microsoft.com/office/drawing/2014/main" id="{985F3433-3055-4279-A232-CDB35C481677}"/>
-              </a:ext>
-            </a:extLst>
-          </p:cNvPr>
-          <p:cNvSpPr>
-            <a:spLocks noGrp="1"/>
-          </p:cNvSpPr>
-          <p:nvPr>
-            <p:ph type="dt" sz="half" idx="10"/>
-          </p:nvPr>
-        </p:nvSpPr>
-        <p:spPr>
-          <a:xfrm>
-            <a:off x="692434" y="6356350"/>
-            <a:ext cx="1174141" cy="365125"/>
-          </a:xfrm>
-          <a:prstGeom prst="rect">
-            <a:avLst/>
-          </a:prstGeom>
-        </p:spPr>
-        <p:txBody>
-          <a:bodyPr/>
-          <a:lstStyle/>
-          <a:p>
-            <a:fld id="{F55EAF3D-9CFA-4FC9-AA0C-DF7E220E11CA}" type="datetime1">
-              <a:rPr lang="en-US" smtClean="0"/>
-              <a:t>1/7/2022</a:t>
-            </a:fld>
-            <a:endParaRPr lang="en-US"/>
-          </a:p>
-        </p:txBody>
-      </p:sp>
-      <p:sp>
-        <p:nvSpPr>
-          <p:cNvPr id="6" name="Footer Placeholder 5">
-            <a:extLst>
-              <a:ext uri="{FF2B5EF4-FFF2-40B4-BE49-F238E27FC236}">
-                <a16:creationId xmlns:a16="http://schemas.microsoft.com/office/drawing/2014/main" id="{C4190A63-5D67-4FD5-97FD-79F7445B6A2E}"/>
-              </a:ext>
-            </a:extLst>
-          </p:cNvPr>
-          <p:cNvSpPr>
-            <a:spLocks noGrp="1"/>
-          </p:cNvSpPr>
-          <p:nvPr>
-            <p:ph type="ftr" sz="quarter" idx="11"/>
-          </p:nvPr>
-        </p:nvSpPr>
-        <p:spPr/>
-        <p:txBody>
-          <a:bodyPr/>
-          <a:lstStyle/>
-          <a:p>
-            <a:endParaRPr lang="en-US"/>
-          </a:p>
-        </p:txBody>
-      </p:sp>
-      <p:sp>
-        <p:nvSpPr>
-          <p:cNvPr id="7" name="Slide Number Placeholder 6">
-            <a:extLst>
-              <a:ext uri="{FF2B5EF4-FFF2-40B4-BE49-F238E27FC236}">
-                <a16:creationId xmlns:a16="http://schemas.microsoft.com/office/drawing/2014/main" id="{D2687DAE-A442-4DC3-8550-20F58B781EC7}"/>
-              </a:ext>
-            </a:extLst>
-          </p:cNvPr>
-          <p:cNvSpPr>
-            <a:spLocks noGrp="1"/>
-          </p:cNvSpPr>
-          <p:nvPr>
-            <p:ph type="sldNum" sz="quarter" idx="12"/>
-          </p:nvPr>
-        </p:nvSpPr>
-        <p:spPr/>
-        <p:txBody>
-          <a:bodyPr/>
-          <a:lstStyle/>
-          <a:p>
-            <a:fld id="{C064A79B-B315-413E-88BB-EFE0B5D603D0}" type="slidenum">
-              <a:rPr lang="en-US" smtClean="0"/>
-              <a:t>‹#›</a:t>
-            </a:fld>
-            <a:endParaRPr lang="en-US"/>
-          </a:p>
-        </p:txBody>
-      </p:sp>
-      <p:sp>
-        <p:nvSpPr>
-          <p:cNvPr id="9" name="Title 1">
-            <a:extLst>
-              <a:ext uri="{FF2B5EF4-FFF2-40B4-BE49-F238E27FC236}">
-                <a16:creationId xmlns:a16="http://schemas.microsoft.com/office/drawing/2014/main" id="{177E17F1-D3B2-42A6-9982-8788655386CF}"/>
-              </a:ext>
-            </a:extLst>
-          </p:cNvPr>
-          <p:cNvSpPr>
-            <a:spLocks noGrp="1"/>
-          </p:cNvSpPr>
-          <p:nvPr>
-            <p:ph type="title"/>
-          </p:nvPr>
-        </p:nvSpPr>
-        <p:spPr>
-          <a:xfrm>
-            <a:off x="0" y="1"/>
-            <a:ext cx="9144000" cy="1013635"/>
-          </a:xfrm>
-          <a:solidFill>
-            <a:srgbClr val="0070C0"/>
-          </a:solidFill>
-        </p:spPr>
-        <p:txBody>
-          <a:bodyPr/>
-          <a:lstStyle>
-            <a:lvl1pPr>
-              <a:defRPr lang="en-US" dirty="0"/>
-            </a:lvl1pPr>
-          </a:lstStyle>
-          <a:p>
-            <a:r>
-              <a:rPr lang="en-US" dirty="0"/>
-              <a:t>Click to edit Master title style</a:t>
-            </a:r>
-          </a:p>
-        </p:txBody>
-      </p:sp>
-      <p:sp>
-        <p:nvSpPr>
-          <p:cNvPr id="10" name="Content Placeholder 2">
-            <a:extLst>
-              <a:ext uri="{FF2B5EF4-FFF2-40B4-BE49-F238E27FC236}">
-                <a16:creationId xmlns:a16="http://schemas.microsoft.com/office/drawing/2014/main" id="{F1A58CC4-526C-4991-898F-C0879D5343E8}"/>
-              </a:ext>
-            </a:extLst>
-          </p:cNvPr>
-          <p:cNvSpPr>
-            <a:spLocks noGrp="1"/>
-          </p:cNvSpPr>
-          <p:nvPr>
-            <p:ph sz="half" idx="1"/>
-          </p:nvPr>
-        </p:nvSpPr>
-        <p:spPr>
-          <a:xfrm>
-            <a:off x="187891" y="1205547"/>
-            <a:ext cx="5403284" cy="4446906"/>
-          </a:xfrm>
-        </p:spPr>
-        <p:txBody>
-          <a:bodyPr/>
-          <a:lstStyle/>
-          <a:p>
-            <a:pPr lvl="0"/>
-            <a:r>
-              <a:rPr lang="en-US" dirty="0"/>
-              <a:t>Click to edit Master text styles</a:t>
-            </a:r>
-          </a:p>
-          <a:p>
-            <a:pPr lvl="1"/>
-            <a:r>
-              <a:rPr lang="en-US" dirty="0"/>
-              <a:t>Second level</a:t>
-            </a:r>
-          </a:p>
-          <a:p>
-            <a:pPr lvl="2"/>
-            <a:r>
-              <a:rPr lang="en-US" dirty="0"/>
-              <a:t>Third level</a:t>
-            </a:r>
-          </a:p>
-          <a:p>
-            <a:pPr lvl="3"/>
-            <a:r>
-              <a:rPr lang="en-US" dirty="0"/>
-              <a:t>Fourth level</a:t>
-            </a:r>
-          </a:p>
-          <a:p>
-            <a:pPr lvl="4"/>
-            <a:r>
-              <a:rPr lang="en-US" dirty="0"/>
-              <a:t>Fifth level</a:t>
-            </a:r>
-          </a:p>
-        </p:txBody>
-      </p:sp>
-      <p:sp>
-        <p:nvSpPr>
-          <p:cNvPr id="11" name="Content Placeholder 3">
-            <a:extLst>
-              <a:ext uri="{FF2B5EF4-FFF2-40B4-BE49-F238E27FC236}">
-                <a16:creationId xmlns:a16="http://schemas.microsoft.com/office/drawing/2014/main" id="{CB008E43-F727-4C47-9855-9440A412ACCB}"/>
-              </a:ext>
-            </a:extLst>
-          </p:cNvPr>
-          <p:cNvSpPr>
-            <a:spLocks noGrp="1"/>
-          </p:cNvSpPr>
-          <p:nvPr>
-            <p:ph sz="half" idx="2"/>
-          </p:nvPr>
-        </p:nvSpPr>
-        <p:spPr>
-          <a:xfrm>
-            <a:off x="5695950" y="1205548"/>
-            <a:ext cx="3228845" cy="5021670"/>
-          </a:xfrm>
-        </p:spPr>
-        <p:txBody>
-          <a:bodyPr/>
-          <a:lstStyle/>
-          <a:p>
-            <a:pPr lvl="0"/>
-            <a:r>
-              <a:rPr lang="en-US" dirty="0"/>
-              <a:t>Click to edit Master text styles</a:t>
-            </a:r>
-          </a:p>
-          <a:p>
-            <a:pPr lvl="1"/>
-            <a:r>
-              <a:rPr lang="en-US" dirty="0"/>
-              <a:t>Second level</a:t>
-            </a:r>
-          </a:p>
-          <a:p>
-            <a:pPr lvl="2"/>
-            <a:r>
-              <a:rPr lang="en-US" dirty="0"/>
-              <a:t>Third level</a:t>
-            </a:r>
-          </a:p>
-          <a:p>
-            <a:pPr lvl="3"/>
-            <a:r>
-              <a:rPr lang="en-US" dirty="0"/>
-              <a:t>Fourth level</a:t>
-            </a:r>
-          </a:p>
-          <a:p>
-            <a:pPr lvl="4"/>
-            <a:r>
-              <a:rPr lang="en-US" dirty="0"/>
-              <a:t>Fifth level</a:t>
-            </a:r>
-          </a:p>
-        </p:txBody>
-      </p:sp>
-      <p:sp>
-        <p:nvSpPr>
-          <p:cNvPr id="3" name="Text Placeholder 2">
-            <a:extLst>
-              <a:ext uri="{FF2B5EF4-FFF2-40B4-BE49-F238E27FC236}">
-                <a16:creationId xmlns:a16="http://schemas.microsoft.com/office/drawing/2014/main" id="{B6810FF5-0B9C-4441-B73D-B10146FB8996}"/>
-              </a:ext>
-            </a:extLst>
-          </p:cNvPr>
-          <p:cNvSpPr>
-            <a:spLocks noGrp="1"/>
-          </p:cNvSpPr>
-          <p:nvPr>
-            <p:ph type="body" sz="quarter" idx="13"/>
-          </p:nvPr>
-        </p:nvSpPr>
-        <p:spPr>
-          <a:xfrm>
-            <a:off x="187891" y="5781584"/>
-            <a:ext cx="5403284" cy="445634"/>
-          </a:xfrm>
-        </p:spPr>
-        <p:txBody>
-          <a:bodyPr/>
-          <a:lstStyle>
-            <a:lvl1pPr marL="0" indent="0">
-              <a:buFont typeface="Arial" panose="020B0604020202020204" pitchFamily="34" charset="0"/>
-              <a:buNone/>
-              <a:defRPr sz="900"/>
-            </a:lvl1pPr>
-            <a:lvl2pPr marL="342900" indent="0">
-              <a:buFont typeface="Arial" panose="020B0604020202020204" pitchFamily="34" charset="0"/>
-              <a:buNone/>
-              <a:defRPr sz="825"/>
-            </a:lvl2pPr>
-            <a:lvl3pPr marL="685800" indent="0">
-              <a:buFont typeface="Arial" panose="020B0604020202020204" pitchFamily="34" charset="0"/>
-              <a:buNone/>
-              <a:defRPr sz="788"/>
-            </a:lvl3pPr>
-            <a:lvl4pPr marL="1028700" indent="0">
-              <a:buFont typeface="Arial" panose="020B0604020202020204" pitchFamily="34" charset="0"/>
-              <a:buNone/>
-              <a:defRPr sz="750"/>
-            </a:lvl4pPr>
-            <a:lvl5pPr marL="1371600" indent="0">
-              <a:buFont typeface="Arial" panose="020B0604020202020204" pitchFamily="34" charset="0"/>
-              <a:buNone/>
-              <a:defRPr sz="750"/>
-            </a:lvl5pPr>
-          </a:lstStyle>
-          <a:p>
-            <a:pPr lvl="0"/>
-            <a:r>
-              <a:rPr lang="en-US" dirty="0"/>
-              <a:t>Click to edit Master text styles</a:t>
-            </a:r>
-          </a:p>
-          <a:p>
-            <a:pPr lvl="1"/>
-            <a:r>
-              <a:rPr lang="en-US" dirty="0"/>
-              <a:t>Second level</a:t>
-            </a:r>
-          </a:p>
-          <a:p>
-            <a:pPr lvl="2"/>
-            <a:r>
-              <a:rPr lang="en-US" dirty="0"/>
-              <a:t>Third level</a:t>
-            </a:r>
-          </a:p>
-          <a:p>
-            <a:pPr lvl="3"/>
-            <a:r>
-              <a:rPr lang="en-US" dirty="0"/>
-              <a:t>Fourth level</a:t>
-            </a:r>
-          </a:p>
-          <a:p>
-            <a:pPr lvl="4"/>
-            <a:r>
-              <a:rPr lang="en-US" dirty="0"/>
-              <a:t>Fifth level</a:t>
-            </a:r>
-            <a:endParaRPr lang="en-CH" dirty="0"/>
-          </a:p>
-        </p:txBody>
-      </p:sp>
-    </p:spTree>
-    <p:extLst>
-      <p:ext uri="{BB962C8B-B14F-4D97-AF65-F5344CB8AC3E}">
-        <p14:creationId xmlns:p14="http://schemas.microsoft.com/office/powerpoint/2010/main" val="3059227006"/>
       </p:ext>
     </p:extLst>
   </p:cSld>
@@ -5740,7 +6052,7 @@
           <a:p>
             <a:fld id="{D937D606-FB15-40D5-BE50-B99102433FE5}" type="datetime1">
               <a:rPr lang="en-US" smtClean="0"/>
-              <a:t>1/7/2022</a:t>
+              <a:t>5/16/2022</a:t>
             </a:fld>
             <a:endParaRPr lang="en-US"/>
           </a:p>
@@ -5851,7 +6163,7 @@
           <p:nvPr userDrawn="1"/>
         </p:nvPicPr>
         <p:blipFill rotWithShape="1">
-          <a:blip r:embed="rId19"/>
+          <a:blip r:embed="rId20"/>
           <a:srcRect l="10942" t="14424" r="10940" b="34605"/>
           <a:stretch/>
         </p:blipFill>
@@ -5881,16 +6193,17 @@
     <p:sldLayoutId id="2147483665" r:id="rId5"/>
     <p:sldLayoutId id="2147483651" r:id="rId6"/>
     <p:sldLayoutId id="2147483652" r:id="rId7"/>
-    <p:sldLayoutId id="2147483661" r:id="rId8"/>
-    <p:sldLayoutId id="2147483662" r:id="rId9"/>
-    <p:sldLayoutId id="2147483663" r:id="rId10"/>
-    <p:sldLayoutId id="2147483653" r:id="rId11"/>
-    <p:sldLayoutId id="2147483654" r:id="rId12"/>
-    <p:sldLayoutId id="2147483655" r:id="rId13"/>
-    <p:sldLayoutId id="2147483656" r:id="rId14"/>
-    <p:sldLayoutId id="2147483657" r:id="rId15"/>
-    <p:sldLayoutId id="2147483658" r:id="rId16"/>
-    <p:sldLayoutId id="2147483659" r:id="rId17"/>
+    <p:sldLayoutId id="2147483666" r:id="rId8"/>
+    <p:sldLayoutId id="2147483661" r:id="rId9"/>
+    <p:sldLayoutId id="2147483662" r:id="rId10"/>
+    <p:sldLayoutId id="2147483663" r:id="rId11"/>
+    <p:sldLayoutId id="2147483653" r:id="rId12"/>
+    <p:sldLayoutId id="2147483654" r:id="rId13"/>
+    <p:sldLayoutId id="2147483655" r:id="rId14"/>
+    <p:sldLayoutId id="2147483656" r:id="rId15"/>
+    <p:sldLayoutId id="2147483657" r:id="rId16"/>
+    <p:sldLayoutId id="2147483658" r:id="rId17"/>
+    <p:sldLayoutId id="2147483659" r:id="rId18"/>
   </p:sldLayoutIdLst>
   <p:hf hdr="0" dt="0"/>
   <p:txStyles>

--- a/inst/templates/TemplateIQ_43.pptx
+++ b/inst/templates/TemplateIQ_43.pptx
@@ -30,6 +30,7 @@
       <p:regular r:id="rId9"/>
       <p:bold r:id="rId10"/>
       <p:italic r:id="rId11"/>
+      <p:boldItalic r:id="rId12"/>
     </p:embeddedFont>
   </p:embeddedFontLst>
   <p:defaultTextStyle>
@@ -217,7 +218,7 @@
           <a:p>
             <a:fld id="{DDCCD2A6-B5E6-46A1-BEAE-67E2B354F048}" type="datetimeFigureOut">
               <a:rPr lang="en-CH" smtClean="0"/>
-              <a:t>05/16/2022</a:t>
+              <a:t>05/17/2022</a:t>
             </a:fld>
             <a:endParaRPr lang="en-CH"/>
           </a:p>
@@ -688,7 +689,7 @@
           <a:p>
             <a:fld id="{90E8E99B-7987-4216-A653-2289E721DDD1}" type="datetime1">
               <a:rPr lang="en-US" smtClean="0"/>
-              <a:t>5/16/2022</a:t>
+              <a:t>5/17/2022</a:t>
             </a:fld>
             <a:endParaRPr lang="en-US"/>
           </a:p>
@@ -952,7 +953,7 @@
           <a:p>
             <a:fld id="{F55EAF3D-9CFA-4FC9-AA0C-DF7E220E11CA}" type="datetime1">
               <a:rPr lang="en-US" smtClean="0"/>
-              <a:t>5/16/2022</a:t>
+              <a:t>5/17/2022</a:t>
             </a:fld>
             <a:endParaRPr lang="en-US"/>
           </a:p>
@@ -1334,7 +1335,7 @@
           <a:p>
             <a:fld id="{89BFF260-1674-4B54-A3A6-8BD99D2AA53F}" type="datetime1">
               <a:rPr lang="en-US" smtClean="0"/>
-              <a:t>5/16/2022</a:t>
+              <a:t>5/17/2022</a:t>
             </a:fld>
             <a:endParaRPr lang="en-US"/>
           </a:p>
@@ -2098,7 +2099,7 @@
           <a:p>
             <a:fld id="{50B48069-9BF5-4AAA-976B-ABC4BE64C868}" type="datetime1">
               <a:rPr lang="en-US" smtClean="0"/>
-              <a:t>5/16/2022</a:t>
+              <a:t>5/17/2022</a:t>
             </a:fld>
             <a:endParaRPr lang="en-US"/>
           </a:p>
@@ -2263,7 +2264,7 @@
           <a:p>
             <a:fld id="{FE4BCB95-AB5B-4A5C-9110-200EF78E4778}" type="datetime1">
               <a:rPr lang="en-US" smtClean="0"/>
-              <a:t>5/16/2022</a:t>
+              <a:t>5/17/2022</a:t>
             </a:fld>
             <a:endParaRPr lang="en-US"/>
           </a:p>
@@ -2384,7 +2385,7 @@
           <a:p>
             <a:fld id="{17E66974-7B4A-4094-B0D5-4B350890C16B}" type="datetime1">
               <a:rPr lang="en-US" smtClean="0"/>
-              <a:t>5/16/2022</a:t>
+              <a:t>5/17/2022</a:t>
             </a:fld>
             <a:endParaRPr lang="en-US"/>
           </a:p>
@@ -2703,7 +2704,7 @@
           <a:p>
             <a:fld id="{4736CA40-B21E-4BC1-BF1D-883E6BE6094B}" type="datetime1">
               <a:rPr lang="en-US" smtClean="0"/>
-              <a:t>5/16/2022</a:t>
+              <a:t>5/17/2022</a:t>
             </a:fld>
             <a:endParaRPr lang="en-US"/>
           </a:p>
@@ -2999,7 +3000,7 @@
           <a:p>
             <a:fld id="{06D10DB8-659B-4958-A792-DE05210DF328}" type="datetime1">
               <a:rPr lang="en-US" smtClean="0"/>
-              <a:t>5/16/2022</a:t>
+              <a:t>5/17/2022</a:t>
             </a:fld>
             <a:endParaRPr lang="en-US"/>
           </a:p>
@@ -3205,7 +3206,7 @@
           <a:p>
             <a:fld id="{E7CF5876-4B3B-4A39-B999-95B42A2340FE}" type="datetime1">
               <a:rPr lang="en-US" smtClean="0"/>
-              <a:t>5/16/2022</a:t>
+              <a:t>5/17/2022</a:t>
             </a:fld>
             <a:endParaRPr lang="en-US"/>
           </a:p>
@@ -3421,7 +3422,7 @@
           <a:p>
             <a:fld id="{88D61156-842F-4F67-B06A-C4646596C268}" type="datetime1">
               <a:rPr lang="en-US" smtClean="0"/>
-              <a:t>5/16/2022</a:t>
+              <a:t>5/17/2022</a:t>
             </a:fld>
             <a:endParaRPr lang="en-US"/>
           </a:p>
@@ -3521,7 +3522,7 @@
             </a:extLst>
           </p:cNvPr>
           <p:cNvSpPr>
-            <a:spLocks noGrp="1"/>
+            <a:spLocks noGrp="1" noRot="1" noMove="1" noResize="1" noEditPoints="1" noAdjustHandles="1" noChangeArrowheads="1" noChangeShapeType="1"/>
           </p:cNvSpPr>
           <p:nvPr>
             <p:ph type="title"/>
@@ -3632,7 +3633,7 @@
           <a:p>
             <a:fld id="{4A448851-F1FF-4B89-82AB-47C2886C2712}" type="datetime1">
               <a:rPr lang="en-US" smtClean="0"/>
-              <a:t>5/16/2022</a:t>
+              <a:t>5/17/2022</a:t>
             </a:fld>
             <a:endParaRPr lang="en-US"/>
           </a:p>
@@ -3852,7 +3853,7 @@
           <a:p>
             <a:fld id="{4A448851-F1FF-4B89-82AB-47C2886C2712}" type="datetime1">
               <a:rPr lang="en-US" smtClean="0"/>
-              <a:t>5/16/2022</a:t>
+              <a:t>5/17/2022</a:t>
             </a:fld>
             <a:endParaRPr lang="en-US" dirty="0"/>
           </a:p>
@@ -3990,7 +3991,7 @@
             </a:extLst>
           </p:cNvPr>
           <p:cNvSpPr>
-            <a:spLocks noGrp="1"/>
+            <a:spLocks noGrp="1" noRot="1" noMove="1" noResize="1" noEditPoints="1" noAdjustHandles="1" noChangeArrowheads="1" noChangeShapeType="1"/>
           </p:cNvSpPr>
           <p:nvPr>
             <p:ph type="title"/>
@@ -4106,7 +4107,7 @@
           <a:p>
             <a:fld id="{9FC0DEDD-AAD6-481E-BA52-3D7C9DFC702B}" type="datetime1">
               <a:rPr lang="en-US" smtClean="0"/>
-              <a:t>5/16/2022</a:t>
+              <a:t>5/17/2022</a:t>
             </a:fld>
             <a:endParaRPr lang="en-US"/>
           </a:p>
@@ -4412,7 +4413,7 @@
           <a:p>
             <a:fld id="{9FC0DEDD-AAD6-481E-BA52-3D7C9DFC702B}" type="datetime1">
               <a:rPr lang="en-US" smtClean="0"/>
-              <a:t>5/16/2022</a:t>
+              <a:t>5/17/2022</a:t>
             </a:fld>
             <a:endParaRPr lang="en-US"/>
           </a:p>
@@ -4819,7 +4820,7 @@
           <a:p>
             <a:fld id="{EC5C82F9-F59C-4CE5-9289-1898459AF428}" type="datetime1">
               <a:rPr lang="en-US" smtClean="0"/>
-              <a:t>5/16/2022</a:t>
+              <a:t>5/17/2022</a:t>
             </a:fld>
             <a:endParaRPr lang="en-US"/>
           </a:p>
@@ -4948,7 +4949,7 @@
           <a:p>
             <a:fld id="{DA0CDD85-E753-4251-B347-F1BEE1D272E1}" type="datetime1">
               <a:rPr lang="en-US" smtClean="0"/>
-              <a:t>5/16/2022</a:t>
+              <a:t>5/17/2022</a:t>
             </a:fld>
             <a:endParaRPr lang="en-US"/>
           </a:p>
@@ -5018,7 +5019,7 @@
             </a:extLst>
           </p:cNvPr>
           <p:cNvSpPr>
-            <a:spLocks noGrp="1"/>
+            <a:spLocks noGrp="1" noRot="1" noMove="1" noResize="1" noEditPoints="1" noAdjustHandles="1" noChangeArrowheads="1" noChangeShapeType="1"/>
           </p:cNvSpPr>
           <p:nvPr>
             <p:ph type="title"/>
@@ -5241,7 +5242,7 @@
           <a:p>
             <a:fld id="{DA0CDD85-E753-4251-B347-F1BEE1D272E1}" type="datetime1">
               <a:rPr lang="en-US" smtClean="0"/>
-              <a:t>5/16/2022</a:t>
+              <a:t>5/17/2022</a:t>
             </a:fld>
             <a:endParaRPr lang="en-US"/>
           </a:p>
@@ -5311,7 +5312,7 @@
             </a:extLst>
           </p:cNvPr>
           <p:cNvSpPr>
-            <a:spLocks noGrp="1"/>
+            <a:spLocks noGrp="1" noRot="1" noMove="1" noResize="1" noEditPoints="1" noAdjustHandles="1" noChangeArrowheads="1" noChangeShapeType="1"/>
           </p:cNvSpPr>
           <p:nvPr>
             <p:ph type="title"/>
@@ -5325,6 +5326,9 @@
           <a:solidFill>
             <a:srgbClr val="0070C0"/>
           </a:solidFill>
+          <a:ln>
+            <a:noFill/>
+          </a:ln>
         </p:spPr>
         <p:txBody>
           <a:bodyPr/>
@@ -5359,8 +5363,8 @@
         </p:nvSpPr>
         <p:spPr>
           <a:xfrm>
-            <a:off x="187892" y="1205547"/>
-            <a:ext cx="2472181" cy="4971416"/>
+            <a:off x="36323" y="1205547"/>
+            <a:ext cx="2827527" cy="4971416"/>
           </a:xfrm>
         </p:spPr>
         <p:txBody>
@@ -5439,7 +5443,7 @@
         </p:nvSpPr>
         <p:spPr>
           <a:xfrm>
-            <a:off x="2734888" y="1205547"/>
+            <a:off x="2917769" y="1193023"/>
             <a:ext cx="6189908" cy="4971416"/>
           </a:xfrm>
         </p:spPr>
@@ -5552,7 +5556,7 @@
           <a:p>
             <a:fld id="{57B4F576-FC99-4961-BD4C-E8B281EB9C39}" type="datetime1">
               <a:rPr lang="en-US" smtClean="0"/>
-              <a:t>5/16/2022</a:t>
+              <a:t>5/17/2022</a:t>
             </a:fld>
             <a:endParaRPr lang="en-US"/>
           </a:p>
@@ -5910,7 +5914,7 @@
             </a:extLst>
           </p:cNvPr>
           <p:cNvSpPr>
-            <a:spLocks noGrp="1"/>
+            <a:spLocks noGrp="1" noRot="1" noMove="1" noResize="1" noEditPoints="1" noAdjustHandles="1" noChangeArrowheads="1" noChangeShapeType="1"/>
           </p:cNvSpPr>
           <p:nvPr>
             <p:ph type="title"/>
@@ -6052,7 +6056,7 @@
           <a:p>
             <a:fld id="{D937D606-FB15-40D5-BE50-B99102433FE5}" type="datetime1">
               <a:rPr lang="en-US" smtClean="0"/>
-              <a:t>5/16/2022</a:t>
+              <a:t>5/17/2022</a:t>
             </a:fld>
             <a:endParaRPr lang="en-US"/>
           </a:p>
@@ -6227,9 +6231,9 @@
       </a:lvl1pPr>
     </p:titleStyle>
     <p:bodyStyle>
-      <a:lvl1pPr marL="171450" indent="-171450" algn="l" defTabSz="685800" rtl="0" eaLnBrk="1" latinLnBrk="0" hangingPunct="1">
+      <a:lvl1pPr marL="180975" indent="-180975" algn="just" defTabSz="685800" rtl="0" eaLnBrk="1" latinLnBrk="0" hangingPunct="1">
         <a:lnSpc>
-          <a:spcPct val="90000"/>
+          <a:spcPct val="110000"/>
         </a:lnSpc>
         <a:spcBef>
           <a:spcPts val="750"/>
@@ -6238,8 +6242,8 @@
           <a:srgbClr val="0070C0"/>
         </a:buClr>
         <a:buSzPct val="110000"/>
-        <a:buFont typeface="Wingdings" panose="05000000000000000000" pitchFamily="2" charset="2"/>
-        <a:buChar char="§"/>
+        <a:buFont typeface="Arial" panose="020B0604020202020204" pitchFamily="34" charset="0"/>
+        <a:buChar char="•"/>
         <a:defRPr sz="2100" kern="1200">
           <a:solidFill>
             <a:schemeClr val="tx1"/>
@@ -6249,9 +6253,9 @@
           <a:cs typeface="Open sans" panose="020B0606030504020204" pitchFamily="34" charset="0"/>
         </a:defRPr>
       </a:lvl1pPr>
-      <a:lvl2pPr marL="514350" indent="-171450" algn="l" defTabSz="685800" rtl="0" eaLnBrk="1" latinLnBrk="0" hangingPunct="1">
+      <a:lvl2pPr marL="514350" indent="-171450" algn="just" defTabSz="685800" rtl="0" eaLnBrk="1" latinLnBrk="0" hangingPunct="1">
         <a:lnSpc>
-          <a:spcPct val="90000"/>
+          <a:spcPct val="110000"/>
         </a:lnSpc>
         <a:spcBef>
           <a:spcPts val="375"/>
@@ -6260,8 +6264,8 @@
           <a:srgbClr val="0070C0"/>
         </a:buClr>
         <a:buSzPct val="110000"/>
-        <a:buFont typeface="Wingdings" panose="05000000000000000000" pitchFamily="2" charset="2"/>
-        <a:buChar char="§"/>
+        <a:buFont typeface="Arial" panose="020B0604020202020204" pitchFamily="34" charset="0"/>
+        <a:buChar char="•"/>
         <a:defRPr sz="1800" kern="1200">
           <a:solidFill>
             <a:schemeClr val="tx1"/>
@@ -6271,9 +6275,9 @@
           <a:cs typeface="Open sans" panose="020B0606030504020204" pitchFamily="34" charset="0"/>
         </a:defRPr>
       </a:lvl2pPr>
-      <a:lvl3pPr marL="857250" indent="-171450" algn="l" defTabSz="685800" rtl="0" eaLnBrk="1" latinLnBrk="0" hangingPunct="1">
+      <a:lvl3pPr marL="857250" indent="-171450" algn="just" defTabSz="685800" rtl="0" eaLnBrk="1" latinLnBrk="0" hangingPunct="1">
         <a:lnSpc>
-          <a:spcPct val="90000"/>
+          <a:spcPct val="110000"/>
         </a:lnSpc>
         <a:spcBef>
           <a:spcPts val="375"/>
@@ -6282,8 +6286,8 @@
           <a:srgbClr val="0070C0"/>
         </a:buClr>
         <a:buSzPct val="110000"/>
-        <a:buFont typeface="Wingdings" panose="05000000000000000000" pitchFamily="2" charset="2"/>
-        <a:buChar char="§"/>
+        <a:buFont typeface="Arial" panose="020B0604020202020204" pitchFamily="34" charset="0"/>
+        <a:buChar char="•"/>
         <a:defRPr sz="1500" kern="1200">
           <a:solidFill>
             <a:schemeClr val="tx1"/>
@@ -6293,9 +6297,9 @@
           <a:cs typeface="Open sans" panose="020B0606030504020204" pitchFamily="34" charset="0"/>
         </a:defRPr>
       </a:lvl3pPr>
-      <a:lvl4pPr marL="1200150" indent="-171450" algn="l" defTabSz="685800" rtl="0" eaLnBrk="1" latinLnBrk="0" hangingPunct="1">
+      <a:lvl4pPr marL="1200150" indent="-171450" algn="just" defTabSz="685800" rtl="0" eaLnBrk="1" latinLnBrk="0" hangingPunct="1">
         <a:lnSpc>
-          <a:spcPct val="90000"/>
+          <a:spcPct val="110000"/>
         </a:lnSpc>
         <a:spcBef>
           <a:spcPts val="375"/>
@@ -6304,8 +6308,8 @@
           <a:srgbClr val="0070C0"/>
         </a:buClr>
         <a:buSzPct val="110000"/>
-        <a:buFont typeface="Wingdings" panose="05000000000000000000" pitchFamily="2" charset="2"/>
-        <a:buChar char="§"/>
+        <a:buFont typeface="Arial" panose="020B0604020202020204" pitchFamily="34" charset="0"/>
+        <a:buChar char="•"/>
         <a:defRPr sz="1350" kern="1200">
           <a:solidFill>
             <a:schemeClr val="tx1"/>
@@ -6315,9 +6319,9 @@
           <a:cs typeface="Open sans" panose="020B0606030504020204" pitchFamily="34" charset="0"/>
         </a:defRPr>
       </a:lvl4pPr>
-      <a:lvl5pPr marL="1543050" indent="-171450" algn="l" defTabSz="685800" rtl="0" eaLnBrk="1" latinLnBrk="0" hangingPunct="1">
+      <a:lvl5pPr marL="1543050" indent="-171450" algn="just" defTabSz="685800" rtl="0" eaLnBrk="1" latinLnBrk="0" hangingPunct="1">
         <a:lnSpc>
-          <a:spcPct val="90000"/>
+          <a:spcPct val="110000"/>
         </a:lnSpc>
         <a:spcBef>
           <a:spcPts val="375"/>
@@ -6326,8 +6330,8 @@
           <a:srgbClr val="0070C0"/>
         </a:buClr>
         <a:buSzPct val="110000"/>
-        <a:buFont typeface="Wingdings" panose="05000000000000000000" pitchFamily="2" charset="2"/>
-        <a:buChar char="§"/>
+        <a:buFont typeface="Arial" panose="020B0604020202020204" pitchFamily="34" charset="0"/>
+        <a:buChar char="•"/>
         <a:defRPr sz="1350" kern="1200">
           <a:solidFill>
             <a:schemeClr val="tx1"/>

--- a/inst/templates/TemplateIQ_43.pptx
+++ b/inst/templates/TemplateIQ_43.pptx
@@ -5372,13 +5372,13 @@
             <a:normAutofit/>
           </a:bodyPr>
           <a:lstStyle>
-            <a:lvl1pPr>
+            <a:lvl1pPr marL="184150" indent="-184150">
               <a:defRPr sz="1400"/>
             </a:lvl1pPr>
-            <a:lvl2pPr>
+            <a:lvl2pPr marL="511175" indent="-168275">
               <a:defRPr sz="1100"/>
             </a:lvl2pPr>
-            <a:lvl3pPr>
+            <a:lvl3pPr marL="831850" indent="-146050">
               <a:defRPr sz="1050"/>
             </a:lvl3pPr>
             <a:lvl4pPr>
@@ -6231,7 +6231,7 @@
       </a:lvl1pPr>
     </p:titleStyle>
     <p:bodyStyle>
-      <a:lvl1pPr marL="180975" indent="-180975" algn="just" defTabSz="685800" rtl="0" eaLnBrk="1" latinLnBrk="0" hangingPunct="1">
+      <a:lvl1pPr marL="225425" indent="-225425" algn="just" defTabSz="685800" rtl="0" eaLnBrk="1" latinLnBrk="0" hangingPunct="1">
         <a:lnSpc>
           <a:spcPct val="110000"/>
         </a:lnSpc>
@@ -6241,9 +6241,9 @@
         <a:buClr>
           <a:srgbClr val="0070C0"/>
         </a:buClr>
-        <a:buSzPct val="110000"/>
-        <a:buFont typeface="Arial" panose="020B0604020202020204" pitchFamily="34" charset="0"/>
-        <a:buChar char="•"/>
+        <a:buSzPct val="100000"/>
+        <a:buFont typeface="Wingdings" panose="05000000000000000000" pitchFamily="2" charset="2"/>
+        <a:buChar char="§"/>
         <a:defRPr sz="2100" kern="1200">
           <a:solidFill>
             <a:schemeClr val="tx1"/>
@@ -6253,7 +6253,7 @@
           <a:cs typeface="Open sans" panose="020B0606030504020204" pitchFamily="34" charset="0"/>
         </a:defRPr>
       </a:lvl1pPr>
-      <a:lvl2pPr marL="514350" indent="-171450" algn="just" defTabSz="685800" rtl="0" eaLnBrk="1" latinLnBrk="0" hangingPunct="1">
+      <a:lvl2pPr marL="539750" indent="-196850" algn="just" defTabSz="685800" rtl="0" eaLnBrk="1" latinLnBrk="0" hangingPunct="1">
         <a:lnSpc>
           <a:spcPct val="110000"/>
         </a:lnSpc>
@@ -6263,9 +6263,9 @@
         <a:buClr>
           <a:srgbClr val="0070C0"/>
         </a:buClr>
-        <a:buSzPct val="110000"/>
-        <a:buFont typeface="Arial" panose="020B0604020202020204" pitchFamily="34" charset="0"/>
-        <a:buChar char="•"/>
+        <a:buSzPct val="100000"/>
+        <a:buFont typeface="Wingdings" panose="05000000000000000000" pitchFamily="2" charset="2"/>
+        <a:buChar char="§"/>
         <a:defRPr sz="1800" kern="1200">
           <a:solidFill>
             <a:schemeClr val="tx1"/>
@@ -6285,9 +6285,9 @@
         <a:buClr>
           <a:srgbClr val="0070C0"/>
         </a:buClr>
-        <a:buSzPct val="110000"/>
-        <a:buFont typeface="Arial" panose="020B0604020202020204" pitchFamily="34" charset="0"/>
-        <a:buChar char="•"/>
+        <a:buSzPct val="100000"/>
+        <a:buFont typeface="Wingdings" panose="05000000000000000000" pitchFamily="2" charset="2"/>
+        <a:buChar char="§"/>
         <a:defRPr sz="1500" kern="1200">
           <a:solidFill>
             <a:schemeClr val="tx1"/>
@@ -6307,9 +6307,9 @@
         <a:buClr>
           <a:srgbClr val="0070C0"/>
         </a:buClr>
-        <a:buSzPct val="110000"/>
-        <a:buFont typeface="Arial" panose="020B0604020202020204" pitchFamily="34" charset="0"/>
-        <a:buChar char="•"/>
+        <a:buSzPct val="100000"/>
+        <a:buFont typeface="Wingdings" panose="05000000000000000000" pitchFamily="2" charset="2"/>
+        <a:buChar char="§"/>
         <a:defRPr sz="1350" kern="1200">
           <a:solidFill>
             <a:schemeClr val="tx1"/>
@@ -6329,9 +6329,9 @@
         <a:buClr>
           <a:srgbClr val="0070C0"/>
         </a:buClr>
-        <a:buSzPct val="110000"/>
-        <a:buFont typeface="Arial" panose="020B0604020202020204" pitchFamily="34" charset="0"/>
-        <a:buChar char="•"/>
+        <a:buSzPct val="100000"/>
+        <a:buFont typeface="Wingdings" panose="05000000000000000000" pitchFamily="2" charset="2"/>
+        <a:buChar char="§"/>
         <a:defRPr sz="1350" kern="1200">
           <a:solidFill>
             <a:schemeClr val="tx1"/>
